--- a/Tp Final/Presentacion/TP_FINAL_V1.pptx
+++ b/Tp Final/Presentacion/TP_FINAL_V1.pptx
@@ -10,9 +10,7 @@
     <p:sldId id="256" r:id="rId4"/>
     <p:sldId id="265" r:id="rId5"/>
     <p:sldId id="266" r:id="rId6"/>
-    <p:sldId id="267" r:id="rId7"/>
-    <p:sldId id="268" r:id="rId8"/>
-    <p:sldId id="269" r:id="rId9"/>
+    <p:sldId id="269" r:id="rId7"/>
   </p:sldIdLst>
   <p:sldSz cx="9144000" cy="6858000" type="screen4x3"/>
   <p:notesSz cx="6858000" cy="9144000"/>
@@ -115,6 +113,753 @@
 </file>
 
 <file path=ppt/diagrams/colors1.xml><?xml version="1.0" encoding="utf-8"?>
+<dgm:colorsDef xmlns:dgm="http://schemas.openxmlformats.org/drawingml/2006/diagram" xmlns:a="http://schemas.openxmlformats.org/drawingml/2006/main" uniqueId="urn:microsoft.com/office/officeart/2005/8/colors/accent1_2">
+  <dgm:title val=""/>
+  <dgm:desc val=""/>
+  <dgm:catLst>
+    <dgm:cat type="accent1" pri="11200"/>
+  </dgm:catLst>
+  <dgm:styleLbl name="node0">
+    <dgm:fillClrLst meth="repeat">
+      <a:schemeClr val="accent1"/>
+    </dgm:fillClrLst>
+    <dgm:linClrLst meth="repeat">
+      <a:schemeClr val="lt1"/>
+    </dgm:linClrLst>
+    <dgm:effectClrLst/>
+    <dgm:txLinClrLst/>
+    <dgm:txFillClrLst/>
+    <dgm:txEffectClrLst/>
+  </dgm:styleLbl>
+  <dgm:styleLbl name="alignNode1">
+    <dgm:fillClrLst meth="repeat">
+      <a:schemeClr val="accent1"/>
+    </dgm:fillClrLst>
+    <dgm:linClrLst meth="repeat">
+      <a:schemeClr val="accent1"/>
+    </dgm:linClrLst>
+    <dgm:effectClrLst/>
+    <dgm:txLinClrLst/>
+    <dgm:txFillClrLst/>
+    <dgm:txEffectClrLst/>
+  </dgm:styleLbl>
+  <dgm:styleLbl name="node1">
+    <dgm:fillClrLst meth="repeat">
+      <a:schemeClr val="accent1"/>
+    </dgm:fillClrLst>
+    <dgm:linClrLst meth="repeat">
+      <a:schemeClr val="lt1"/>
+    </dgm:linClrLst>
+    <dgm:effectClrLst/>
+    <dgm:txLinClrLst/>
+    <dgm:txFillClrLst/>
+    <dgm:txEffectClrLst/>
+  </dgm:styleLbl>
+  <dgm:styleLbl name="lnNode1">
+    <dgm:fillClrLst meth="repeat">
+      <a:schemeClr val="accent1"/>
+    </dgm:fillClrLst>
+    <dgm:linClrLst meth="repeat">
+      <a:schemeClr val="lt1"/>
+    </dgm:linClrLst>
+    <dgm:effectClrLst/>
+    <dgm:txLinClrLst/>
+    <dgm:txFillClrLst/>
+    <dgm:txEffectClrLst/>
+  </dgm:styleLbl>
+  <dgm:styleLbl name="vennNode1">
+    <dgm:fillClrLst meth="repeat">
+      <a:schemeClr val="accent1">
+        <a:alpha val="50000"/>
+      </a:schemeClr>
+    </dgm:fillClrLst>
+    <dgm:linClrLst meth="repeat">
+      <a:schemeClr val="lt1"/>
+    </dgm:linClrLst>
+    <dgm:effectClrLst/>
+    <dgm:txLinClrLst/>
+    <dgm:txFillClrLst/>
+    <dgm:txEffectClrLst/>
+  </dgm:styleLbl>
+  <dgm:styleLbl name="node2">
+    <dgm:fillClrLst meth="repeat">
+      <a:schemeClr val="accent1"/>
+    </dgm:fillClrLst>
+    <dgm:linClrLst meth="repeat">
+      <a:schemeClr val="lt1"/>
+    </dgm:linClrLst>
+    <dgm:effectClrLst/>
+    <dgm:txLinClrLst/>
+    <dgm:txFillClrLst/>
+    <dgm:txEffectClrLst/>
+  </dgm:styleLbl>
+  <dgm:styleLbl name="node3">
+    <dgm:fillClrLst meth="repeat">
+      <a:schemeClr val="accent1"/>
+    </dgm:fillClrLst>
+    <dgm:linClrLst meth="repeat">
+      <a:schemeClr val="lt1"/>
+    </dgm:linClrLst>
+    <dgm:effectClrLst/>
+    <dgm:txLinClrLst/>
+    <dgm:txFillClrLst/>
+    <dgm:txEffectClrLst/>
+  </dgm:styleLbl>
+  <dgm:styleLbl name="node4">
+    <dgm:fillClrLst meth="repeat">
+      <a:schemeClr val="accent1"/>
+    </dgm:fillClrLst>
+    <dgm:linClrLst meth="repeat">
+      <a:schemeClr val="lt1"/>
+    </dgm:linClrLst>
+    <dgm:effectClrLst/>
+    <dgm:txLinClrLst/>
+    <dgm:txFillClrLst/>
+    <dgm:txEffectClrLst/>
+  </dgm:styleLbl>
+  <dgm:styleLbl name="fgImgPlace1">
+    <dgm:fillClrLst meth="repeat">
+      <a:schemeClr val="accent1">
+        <a:tint val="50000"/>
+      </a:schemeClr>
+    </dgm:fillClrLst>
+    <dgm:linClrLst meth="repeat">
+      <a:schemeClr val="lt1"/>
+    </dgm:linClrLst>
+    <dgm:effectClrLst/>
+    <dgm:txLinClrLst/>
+    <dgm:txFillClrLst meth="repeat">
+      <a:schemeClr val="lt1"/>
+    </dgm:txFillClrLst>
+    <dgm:txEffectClrLst/>
+  </dgm:styleLbl>
+  <dgm:styleLbl name="alignImgPlace1">
+    <dgm:fillClrLst meth="repeat">
+      <a:schemeClr val="accent1">
+        <a:tint val="50000"/>
+      </a:schemeClr>
+    </dgm:fillClrLst>
+    <dgm:linClrLst meth="repeat">
+      <a:schemeClr val="lt1"/>
+    </dgm:linClrLst>
+    <dgm:effectClrLst/>
+    <dgm:txLinClrLst/>
+    <dgm:txFillClrLst meth="repeat">
+      <a:schemeClr val="lt1"/>
+    </dgm:txFillClrLst>
+    <dgm:txEffectClrLst/>
+  </dgm:styleLbl>
+  <dgm:styleLbl name="bgImgPlace1">
+    <dgm:fillClrLst meth="repeat">
+      <a:schemeClr val="accent1">
+        <a:tint val="50000"/>
+      </a:schemeClr>
+    </dgm:fillClrLst>
+    <dgm:linClrLst meth="repeat">
+      <a:schemeClr val="lt1"/>
+    </dgm:linClrLst>
+    <dgm:effectClrLst/>
+    <dgm:txLinClrLst/>
+    <dgm:txFillClrLst meth="repeat">
+      <a:schemeClr val="lt1"/>
+    </dgm:txFillClrLst>
+    <dgm:txEffectClrLst/>
+  </dgm:styleLbl>
+  <dgm:styleLbl name="sibTrans2D1">
+    <dgm:fillClrLst meth="repeat">
+      <a:schemeClr val="accent1">
+        <a:tint val="60000"/>
+      </a:schemeClr>
+    </dgm:fillClrLst>
+    <dgm:linClrLst meth="repeat">
+      <a:schemeClr val="accent1">
+        <a:tint val="60000"/>
+      </a:schemeClr>
+    </dgm:linClrLst>
+    <dgm:effectClrLst/>
+    <dgm:txLinClrLst/>
+    <dgm:txFillClrLst/>
+    <dgm:txEffectClrLst/>
+  </dgm:styleLbl>
+  <dgm:styleLbl name="fgSibTrans2D1">
+    <dgm:fillClrLst meth="repeat">
+      <a:schemeClr val="accent1">
+        <a:tint val="60000"/>
+      </a:schemeClr>
+    </dgm:fillClrLst>
+    <dgm:linClrLst meth="repeat">
+      <a:schemeClr val="accent1">
+        <a:tint val="60000"/>
+      </a:schemeClr>
+    </dgm:linClrLst>
+    <dgm:effectClrLst/>
+    <dgm:txLinClrLst/>
+    <dgm:txFillClrLst/>
+    <dgm:txEffectClrLst/>
+  </dgm:styleLbl>
+  <dgm:styleLbl name="bgSibTrans2D1">
+    <dgm:fillClrLst meth="repeat">
+      <a:schemeClr val="accent1">
+        <a:tint val="60000"/>
+      </a:schemeClr>
+    </dgm:fillClrLst>
+    <dgm:linClrLst meth="repeat">
+      <a:schemeClr val="accent1">
+        <a:tint val="60000"/>
+      </a:schemeClr>
+    </dgm:linClrLst>
+    <dgm:effectClrLst/>
+    <dgm:txLinClrLst/>
+    <dgm:txFillClrLst/>
+    <dgm:txEffectClrLst/>
+  </dgm:styleLbl>
+  <dgm:styleLbl name="sibTrans1D1">
+    <dgm:fillClrLst meth="repeat">
+      <a:schemeClr val="accent1"/>
+    </dgm:fillClrLst>
+    <dgm:linClrLst meth="repeat">
+      <a:schemeClr val="accent1"/>
+    </dgm:linClrLst>
+    <dgm:effectClrLst/>
+    <dgm:txLinClrLst/>
+    <dgm:txFillClrLst meth="repeat">
+      <a:schemeClr val="tx1"/>
+    </dgm:txFillClrLst>
+    <dgm:txEffectClrLst/>
+  </dgm:styleLbl>
+  <dgm:styleLbl name="callout">
+    <dgm:fillClrLst meth="repeat">
+      <a:schemeClr val="accent1"/>
+    </dgm:fillClrLst>
+    <dgm:linClrLst meth="repeat">
+      <a:schemeClr val="accent1">
+        <a:tint val="50000"/>
+      </a:schemeClr>
+    </dgm:linClrLst>
+    <dgm:effectClrLst/>
+    <dgm:txLinClrLst/>
+    <dgm:txFillClrLst meth="repeat">
+      <a:schemeClr val="tx1"/>
+    </dgm:txFillClrLst>
+    <dgm:txEffectClrLst/>
+  </dgm:styleLbl>
+  <dgm:styleLbl name="asst0">
+    <dgm:fillClrLst meth="repeat">
+      <a:schemeClr val="accent1"/>
+    </dgm:fillClrLst>
+    <dgm:linClrLst meth="repeat">
+      <a:schemeClr val="lt1"/>
+    </dgm:linClrLst>
+    <dgm:effectClrLst/>
+    <dgm:txLinClrLst/>
+    <dgm:txFillClrLst/>
+    <dgm:txEffectClrLst/>
+  </dgm:styleLbl>
+  <dgm:styleLbl name="asst1">
+    <dgm:fillClrLst meth="repeat">
+      <a:schemeClr val="accent1"/>
+    </dgm:fillClrLst>
+    <dgm:linClrLst meth="repeat">
+      <a:schemeClr val="lt1"/>
+    </dgm:linClrLst>
+    <dgm:effectClrLst/>
+    <dgm:txLinClrLst/>
+    <dgm:txFillClrLst/>
+    <dgm:txEffectClrLst/>
+  </dgm:styleLbl>
+  <dgm:styleLbl name="asst2">
+    <dgm:fillClrLst meth="repeat">
+      <a:schemeClr val="accent1"/>
+    </dgm:fillClrLst>
+    <dgm:linClrLst meth="repeat">
+      <a:schemeClr val="lt1"/>
+    </dgm:linClrLst>
+    <dgm:effectClrLst/>
+    <dgm:txLinClrLst/>
+    <dgm:txFillClrLst/>
+    <dgm:txEffectClrLst/>
+  </dgm:styleLbl>
+  <dgm:styleLbl name="asst3">
+    <dgm:fillClrLst meth="repeat">
+      <a:schemeClr val="accent1"/>
+    </dgm:fillClrLst>
+    <dgm:linClrLst meth="repeat">
+      <a:schemeClr val="lt1"/>
+    </dgm:linClrLst>
+    <dgm:effectClrLst/>
+    <dgm:txLinClrLst/>
+    <dgm:txFillClrLst/>
+    <dgm:txEffectClrLst/>
+  </dgm:styleLbl>
+  <dgm:styleLbl name="asst4">
+    <dgm:fillClrLst meth="repeat">
+      <a:schemeClr val="accent1"/>
+    </dgm:fillClrLst>
+    <dgm:linClrLst meth="repeat">
+      <a:schemeClr val="lt1"/>
+    </dgm:linClrLst>
+    <dgm:effectClrLst/>
+    <dgm:txLinClrLst/>
+    <dgm:txFillClrLst/>
+    <dgm:txEffectClrLst/>
+  </dgm:styleLbl>
+  <dgm:styleLbl name="parChTrans2D1">
+    <dgm:fillClrLst meth="repeat">
+      <a:schemeClr val="accent1">
+        <a:tint val="60000"/>
+      </a:schemeClr>
+    </dgm:fillClrLst>
+    <dgm:linClrLst meth="repeat">
+      <a:schemeClr val="accent1">
+        <a:tint val="60000"/>
+      </a:schemeClr>
+    </dgm:linClrLst>
+    <dgm:effectClrLst/>
+    <dgm:txLinClrLst/>
+    <dgm:txFillClrLst meth="repeat">
+      <a:schemeClr val="lt1"/>
+    </dgm:txFillClrLst>
+    <dgm:txEffectClrLst/>
+  </dgm:styleLbl>
+  <dgm:styleLbl name="parChTrans2D2">
+    <dgm:fillClrLst meth="repeat">
+      <a:schemeClr val="accent1"/>
+    </dgm:fillClrLst>
+    <dgm:linClrLst meth="repeat">
+      <a:schemeClr val="accent1"/>
+    </dgm:linClrLst>
+    <dgm:effectClrLst/>
+    <dgm:txLinClrLst/>
+    <dgm:txFillClrLst meth="repeat">
+      <a:schemeClr val="lt1"/>
+    </dgm:txFillClrLst>
+    <dgm:txEffectClrLst/>
+  </dgm:styleLbl>
+  <dgm:styleLbl name="parChTrans2D3">
+    <dgm:fillClrLst meth="repeat">
+      <a:schemeClr val="accent1"/>
+    </dgm:fillClrLst>
+    <dgm:linClrLst meth="repeat">
+      <a:schemeClr val="accent1"/>
+    </dgm:linClrLst>
+    <dgm:effectClrLst/>
+    <dgm:txLinClrLst/>
+    <dgm:txFillClrLst meth="repeat">
+      <a:schemeClr val="lt1"/>
+    </dgm:txFillClrLst>
+    <dgm:txEffectClrLst/>
+  </dgm:styleLbl>
+  <dgm:styleLbl name="parChTrans2D4">
+    <dgm:fillClrLst meth="repeat">
+      <a:schemeClr val="accent1"/>
+    </dgm:fillClrLst>
+    <dgm:linClrLst meth="repeat">
+      <a:schemeClr val="accent1"/>
+    </dgm:linClrLst>
+    <dgm:effectClrLst/>
+    <dgm:txLinClrLst/>
+    <dgm:txFillClrLst meth="repeat">
+      <a:schemeClr val="lt1"/>
+    </dgm:txFillClrLst>
+    <dgm:txEffectClrLst/>
+  </dgm:styleLbl>
+  <dgm:styleLbl name="parChTrans1D1">
+    <dgm:fillClrLst meth="repeat">
+      <a:schemeClr val="accent1"/>
+    </dgm:fillClrLst>
+    <dgm:linClrLst meth="repeat">
+      <a:schemeClr val="accent1">
+        <a:shade val="60000"/>
+      </a:schemeClr>
+    </dgm:linClrLst>
+    <dgm:effectClrLst/>
+    <dgm:txLinClrLst/>
+    <dgm:txFillClrLst meth="repeat">
+      <a:schemeClr val="tx1"/>
+    </dgm:txFillClrLst>
+    <dgm:txEffectClrLst/>
+  </dgm:styleLbl>
+  <dgm:styleLbl name="parChTrans1D2">
+    <dgm:fillClrLst meth="repeat">
+      <a:schemeClr val="accent1"/>
+    </dgm:fillClrLst>
+    <dgm:linClrLst meth="repeat">
+      <a:schemeClr val="accent1">
+        <a:shade val="60000"/>
+      </a:schemeClr>
+    </dgm:linClrLst>
+    <dgm:effectClrLst/>
+    <dgm:txLinClrLst/>
+    <dgm:txFillClrLst meth="repeat">
+      <a:schemeClr val="tx1"/>
+    </dgm:txFillClrLst>
+    <dgm:txEffectClrLst/>
+  </dgm:styleLbl>
+  <dgm:styleLbl name="parChTrans1D3">
+    <dgm:fillClrLst meth="repeat">
+      <a:schemeClr val="accent1"/>
+    </dgm:fillClrLst>
+    <dgm:linClrLst meth="repeat">
+      <a:schemeClr val="accent1">
+        <a:shade val="80000"/>
+      </a:schemeClr>
+    </dgm:linClrLst>
+    <dgm:effectClrLst/>
+    <dgm:txLinClrLst/>
+    <dgm:txFillClrLst meth="repeat">
+      <a:schemeClr val="tx1"/>
+    </dgm:txFillClrLst>
+    <dgm:txEffectClrLst/>
+  </dgm:styleLbl>
+  <dgm:styleLbl name="parChTrans1D4">
+    <dgm:fillClrLst meth="repeat">
+      <a:schemeClr val="accent1"/>
+    </dgm:fillClrLst>
+    <dgm:linClrLst meth="repeat">
+      <a:schemeClr val="accent1">
+        <a:shade val="80000"/>
+      </a:schemeClr>
+    </dgm:linClrLst>
+    <dgm:effectClrLst/>
+    <dgm:txLinClrLst/>
+    <dgm:txFillClrLst meth="repeat">
+      <a:schemeClr val="tx1"/>
+    </dgm:txFillClrLst>
+    <dgm:txEffectClrLst/>
+  </dgm:styleLbl>
+  <dgm:styleLbl name="fgAcc1">
+    <dgm:fillClrLst meth="repeat">
+      <a:schemeClr val="lt1">
+        <a:alpha val="90000"/>
+      </a:schemeClr>
+    </dgm:fillClrLst>
+    <dgm:linClrLst meth="repeat">
+      <a:schemeClr val="accent1"/>
+    </dgm:linClrLst>
+    <dgm:effectClrLst/>
+    <dgm:txLinClrLst/>
+    <dgm:txFillClrLst meth="repeat">
+      <a:schemeClr val="dk1"/>
+    </dgm:txFillClrLst>
+    <dgm:txEffectClrLst/>
+  </dgm:styleLbl>
+  <dgm:styleLbl name="conFgAcc1">
+    <dgm:fillClrLst meth="repeat">
+      <a:schemeClr val="lt1">
+        <a:alpha val="90000"/>
+      </a:schemeClr>
+    </dgm:fillClrLst>
+    <dgm:linClrLst meth="repeat">
+      <a:schemeClr val="accent1"/>
+    </dgm:linClrLst>
+    <dgm:effectClrLst/>
+    <dgm:txLinClrLst/>
+    <dgm:txFillClrLst meth="repeat">
+      <a:schemeClr val="dk1"/>
+    </dgm:txFillClrLst>
+    <dgm:txEffectClrLst/>
+  </dgm:styleLbl>
+  <dgm:styleLbl name="alignAcc1">
+    <dgm:fillClrLst meth="repeat">
+      <a:schemeClr val="lt1">
+        <a:alpha val="90000"/>
+      </a:schemeClr>
+    </dgm:fillClrLst>
+    <dgm:linClrLst meth="repeat">
+      <a:schemeClr val="accent1"/>
+    </dgm:linClrLst>
+    <dgm:effectClrLst/>
+    <dgm:txLinClrLst/>
+    <dgm:txFillClrLst meth="repeat">
+      <a:schemeClr val="dk1"/>
+    </dgm:txFillClrLst>
+    <dgm:txEffectClrLst/>
+  </dgm:styleLbl>
+  <dgm:styleLbl name="trAlignAcc1">
+    <dgm:fillClrLst meth="repeat">
+      <a:schemeClr val="lt1">
+        <a:alpha val="40000"/>
+      </a:schemeClr>
+    </dgm:fillClrLst>
+    <dgm:linClrLst meth="repeat">
+      <a:schemeClr val="accent1"/>
+    </dgm:linClrLst>
+    <dgm:effectClrLst/>
+    <dgm:txLinClrLst/>
+    <dgm:txFillClrLst meth="repeat">
+      <a:schemeClr val="dk1"/>
+    </dgm:txFillClrLst>
+    <dgm:txEffectClrLst/>
+  </dgm:styleLbl>
+  <dgm:styleLbl name="bgAcc1">
+    <dgm:fillClrLst meth="repeat">
+      <a:schemeClr val="lt1">
+        <a:alpha val="90000"/>
+      </a:schemeClr>
+    </dgm:fillClrLst>
+    <dgm:linClrLst meth="repeat">
+      <a:schemeClr val="accent1"/>
+    </dgm:linClrLst>
+    <dgm:effectClrLst/>
+    <dgm:txLinClrLst/>
+    <dgm:txFillClrLst meth="repeat">
+      <a:schemeClr val="dk1"/>
+    </dgm:txFillClrLst>
+    <dgm:txEffectClrLst/>
+  </dgm:styleLbl>
+  <dgm:styleLbl name="solidFgAcc1">
+    <dgm:fillClrLst meth="repeat">
+      <a:schemeClr val="lt1"/>
+    </dgm:fillClrLst>
+    <dgm:linClrLst meth="repeat">
+      <a:schemeClr val="accent1"/>
+    </dgm:linClrLst>
+    <dgm:effectClrLst/>
+    <dgm:txLinClrLst/>
+    <dgm:txFillClrLst meth="repeat">
+      <a:schemeClr val="dk1"/>
+    </dgm:txFillClrLst>
+    <dgm:txEffectClrLst/>
+  </dgm:styleLbl>
+  <dgm:styleLbl name="solidAlignAcc1">
+    <dgm:fillClrLst meth="repeat">
+      <a:schemeClr val="lt1"/>
+    </dgm:fillClrLst>
+    <dgm:linClrLst meth="repeat">
+      <a:schemeClr val="accent1"/>
+    </dgm:linClrLst>
+    <dgm:effectClrLst/>
+    <dgm:txLinClrLst/>
+    <dgm:txFillClrLst meth="repeat">
+      <a:schemeClr val="dk1"/>
+    </dgm:txFillClrLst>
+    <dgm:txEffectClrLst/>
+  </dgm:styleLbl>
+  <dgm:styleLbl name="solidBgAcc1">
+    <dgm:fillClrLst meth="repeat">
+      <a:schemeClr val="lt1"/>
+    </dgm:fillClrLst>
+    <dgm:linClrLst meth="repeat">
+      <a:schemeClr val="accent1"/>
+    </dgm:linClrLst>
+    <dgm:effectClrLst/>
+    <dgm:txLinClrLst/>
+    <dgm:txFillClrLst meth="repeat">
+      <a:schemeClr val="dk1"/>
+    </dgm:txFillClrLst>
+    <dgm:txEffectClrLst/>
+  </dgm:styleLbl>
+  <dgm:styleLbl name="fgAccFollowNode1">
+    <dgm:fillClrLst meth="repeat">
+      <a:schemeClr val="accent1">
+        <a:alpha val="90000"/>
+        <a:tint val="40000"/>
+      </a:schemeClr>
+    </dgm:fillClrLst>
+    <dgm:linClrLst meth="repeat">
+      <a:schemeClr val="accent1">
+        <a:alpha val="90000"/>
+        <a:tint val="40000"/>
+      </a:schemeClr>
+    </dgm:linClrLst>
+    <dgm:effectClrLst/>
+    <dgm:txLinClrLst/>
+    <dgm:txFillClrLst meth="repeat">
+      <a:schemeClr val="dk1"/>
+    </dgm:txFillClrLst>
+    <dgm:txEffectClrLst/>
+  </dgm:styleLbl>
+  <dgm:styleLbl name="alignAccFollowNode1">
+    <dgm:fillClrLst meth="repeat">
+      <a:schemeClr val="accent1">
+        <a:alpha val="90000"/>
+        <a:tint val="40000"/>
+      </a:schemeClr>
+    </dgm:fillClrLst>
+    <dgm:linClrLst meth="repeat">
+      <a:schemeClr val="accent1">
+        <a:alpha val="90000"/>
+        <a:tint val="40000"/>
+      </a:schemeClr>
+    </dgm:linClrLst>
+    <dgm:effectClrLst/>
+    <dgm:txLinClrLst/>
+    <dgm:txFillClrLst meth="repeat">
+      <a:schemeClr val="dk1"/>
+    </dgm:txFillClrLst>
+    <dgm:txEffectClrLst/>
+  </dgm:styleLbl>
+  <dgm:styleLbl name="bgAccFollowNode1">
+    <dgm:fillClrLst meth="repeat">
+      <a:schemeClr val="accent1">
+        <a:alpha val="90000"/>
+        <a:tint val="40000"/>
+      </a:schemeClr>
+    </dgm:fillClrLst>
+    <dgm:linClrLst meth="repeat">
+      <a:schemeClr val="accent1">
+        <a:alpha val="90000"/>
+        <a:tint val="40000"/>
+      </a:schemeClr>
+    </dgm:linClrLst>
+    <dgm:effectClrLst/>
+    <dgm:txLinClrLst/>
+    <dgm:txFillClrLst meth="repeat">
+      <a:schemeClr val="dk1"/>
+    </dgm:txFillClrLst>
+    <dgm:txEffectClrLst/>
+  </dgm:styleLbl>
+  <dgm:styleLbl name="fgAcc0">
+    <dgm:fillClrLst meth="repeat">
+      <a:schemeClr val="lt1">
+        <a:alpha val="90000"/>
+      </a:schemeClr>
+    </dgm:fillClrLst>
+    <dgm:linClrLst meth="repeat">
+      <a:schemeClr val="accent1"/>
+    </dgm:linClrLst>
+    <dgm:effectClrLst/>
+    <dgm:txLinClrLst/>
+    <dgm:txFillClrLst meth="repeat">
+      <a:schemeClr val="dk1"/>
+    </dgm:txFillClrLst>
+    <dgm:txEffectClrLst/>
+  </dgm:styleLbl>
+  <dgm:styleLbl name="fgAcc2">
+    <dgm:fillClrLst meth="repeat">
+      <a:schemeClr val="lt1">
+        <a:alpha val="90000"/>
+      </a:schemeClr>
+    </dgm:fillClrLst>
+    <dgm:linClrLst meth="repeat">
+      <a:schemeClr val="accent1"/>
+    </dgm:linClrLst>
+    <dgm:effectClrLst/>
+    <dgm:txLinClrLst/>
+    <dgm:txFillClrLst meth="repeat">
+      <a:schemeClr val="dk1"/>
+    </dgm:txFillClrLst>
+    <dgm:txEffectClrLst/>
+  </dgm:styleLbl>
+  <dgm:styleLbl name="fgAcc3">
+    <dgm:fillClrLst meth="repeat">
+      <a:schemeClr val="lt1">
+        <a:alpha val="90000"/>
+      </a:schemeClr>
+    </dgm:fillClrLst>
+    <dgm:linClrLst meth="repeat">
+      <a:schemeClr val="accent1"/>
+    </dgm:linClrLst>
+    <dgm:effectClrLst/>
+    <dgm:txLinClrLst/>
+    <dgm:txFillClrLst meth="repeat">
+      <a:schemeClr val="dk1"/>
+    </dgm:txFillClrLst>
+    <dgm:txEffectClrLst/>
+  </dgm:styleLbl>
+  <dgm:styleLbl name="fgAcc4">
+    <dgm:fillClrLst meth="repeat">
+      <a:schemeClr val="lt1">
+        <a:alpha val="90000"/>
+      </a:schemeClr>
+    </dgm:fillClrLst>
+    <dgm:linClrLst meth="repeat">
+      <a:schemeClr val="accent1"/>
+    </dgm:linClrLst>
+    <dgm:effectClrLst/>
+    <dgm:txLinClrLst/>
+    <dgm:txFillClrLst meth="repeat">
+      <a:schemeClr val="dk1"/>
+    </dgm:txFillClrLst>
+    <dgm:txEffectClrLst/>
+  </dgm:styleLbl>
+  <dgm:styleLbl name="bgShp">
+    <dgm:fillClrLst meth="repeat">
+      <a:schemeClr val="accent1">
+        <a:tint val="40000"/>
+      </a:schemeClr>
+    </dgm:fillClrLst>
+    <dgm:linClrLst meth="repeat">
+      <a:schemeClr val="accent1"/>
+    </dgm:linClrLst>
+    <dgm:effectClrLst/>
+    <dgm:txLinClrLst/>
+    <dgm:txFillClrLst meth="repeat">
+      <a:schemeClr val="dk1"/>
+    </dgm:txFillClrLst>
+    <dgm:txEffectClrLst/>
+  </dgm:styleLbl>
+  <dgm:styleLbl name="dkBgShp">
+    <dgm:fillClrLst meth="repeat">
+      <a:schemeClr val="accent1">
+        <a:shade val="80000"/>
+      </a:schemeClr>
+    </dgm:fillClrLst>
+    <dgm:linClrLst meth="repeat">
+      <a:schemeClr val="accent1"/>
+    </dgm:linClrLst>
+    <dgm:effectClrLst/>
+    <dgm:txLinClrLst/>
+    <dgm:txFillClrLst meth="repeat">
+      <a:schemeClr val="lt1"/>
+    </dgm:txFillClrLst>
+    <dgm:txEffectClrLst/>
+  </dgm:styleLbl>
+  <dgm:styleLbl name="trBgShp">
+    <dgm:fillClrLst meth="repeat">
+      <a:schemeClr val="accent1">
+        <a:tint val="50000"/>
+        <a:alpha val="40000"/>
+      </a:schemeClr>
+    </dgm:fillClrLst>
+    <dgm:linClrLst meth="repeat">
+      <a:schemeClr val="accent1"/>
+    </dgm:linClrLst>
+    <dgm:effectClrLst/>
+    <dgm:txLinClrLst/>
+    <dgm:txFillClrLst meth="repeat">
+      <a:schemeClr val="lt1"/>
+    </dgm:txFillClrLst>
+    <dgm:txEffectClrLst/>
+  </dgm:styleLbl>
+  <dgm:styleLbl name="fgShp">
+    <dgm:fillClrLst meth="repeat">
+      <a:schemeClr val="accent1">
+        <a:tint val="60000"/>
+      </a:schemeClr>
+    </dgm:fillClrLst>
+    <dgm:linClrLst meth="repeat">
+      <a:schemeClr val="lt1"/>
+    </dgm:linClrLst>
+    <dgm:effectClrLst/>
+    <dgm:txLinClrLst/>
+    <dgm:txFillClrLst meth="repeat">
+      <a:schemeClr val="dk1"/>
+    </dgm:txFillClrLst>
+    <dgm:txEffectClrLst/>
+  </dgm:styleLbl>
+  <dgm:styleLbl name="revTx">
+    <dgm:fillClrLst meth="repeat">
+      <a:schemeClr val="lt1">
+        <a:alpha val="0"/>
+      </a:schemeClr>
+    </dgm:fillClrLst>
+    <dgm:linClrLst meth="repeat">
+      <a:schemeClr val="dk1">
+        <a:alpha val="0"/>
+      </a:schemeClr>
+    </dgm:linClrLst>
+    <dgm:effectClrLst/>
+    <dgm:txLinClrLst/>
+    <dgm:txFillClrLst meth="repeat">
+      <a:schemeClr val="tx1"/>
+    </dgm:txFillClrLst>
+    <dgm:txEffectClrLst/>
+  </dgm:styleLbl>
+</dgm:colorsDef>
+</file>
+
+<file path=ppt/diagrams/colors2.xml><?xml version="1.0" encoding="utf-8"?>
 <dgm:colorsDef xmlns:dgm="http://schemas.openxmlformats.org/drawingml/2006/diagram" xmlns:a="http://schemas.openxmlformats.org/drawingml/2006/main" uniqueId="urn:microsoft.com/office/officeart/2005/8/colors/accent1_2">
   <dgm:title val=""/>
   <dgm:desc val=""/>
@@ -994,16 +1739,24 @@
         <a:lstStyle/>
         <a:p>
           <a:r>
-            <a:rPr lang="es-AR" sz="1400" dirty="0" smtClean="0"/>
+            <a:rPr lang="es-AR" sz="1600" dirty="0" smtClean="0"/>
             <a:t>Generación de </a:t>
           </a:r>
           <a:r>
-            <a:rPr lang="es-AR" sz="1400" dirty="0" err="1" smtClean="0"/>
+            <a:rPr lang="es-AR" sz="1600" dirty="0" err="1" smtClean="0"/>
             <a:t>Features</a:t>
           </a:r>
           <a:r>
+            <a:rPr lang="es-AR" sz="1600" dirty="0" smtClean="0"/>
+            <a:t> utilizando Bag of </a:t>
+          </a:r>
+          <a:r>
+            <a:rPr lang="es-AR" sz="1600" dirty="0" err="1" smtClean="0"/>
+            <a:t>Words</a:t>
+          </a:r>
+          <a:r>
             <a:rPr lang="es-AR" sz="1400" dirty="0" smtClean="0"/>
-            <a:t>. </a:t>
+            <a:t> </a:t>
           </a:r>
           <a:endParaRPr lang="es-ES" sz="1400" dirty="0"/>
         </a:p>
@@ -1076,10 +1829,10 @@
         <a:lstStyle/>
         <a:p>
           <a:r>
-            <a:rPr lang="es-AR" sz="1200" dirty="0" smtClean="0"/>
+            <a:rPr lang="es-AR" sz="1400" dirty="0" smtClean="0"/>
             <a:t>Aplicación de Modelos de clasificación</a:t>
           </a:r>
-          <a:endParaRPr lang="es-ES" sz="1200" dirty="0"/>
+          <a:endParaRPr lang="es-ES" sz="1400" dirty="0"/>
         </a:p>
       </dgm:t>
     </dgm:pt>
@@ -1154,10 +1907,18 @@
         <a:lstStyle/>
         <a:p>
           <a:r>
-            <a:rPr lang="es-AR" sz="1200" dirty="0" smtClean="0"/>
-            <a:t>Integración de todos los modelos utilizados</a:t>
+            <a:rPr lang="es-AR" sz="1400" dirty="0" smtClean="0"/>
+            <a:t>Ensamble de los </a:t>
           </a:r>
-          <a:endParaRPr lang="es-ES" sz="1200" dirty="0"/>
+          <a:r>
+            <a:rPr lang="es-AR" sz="1400" dirty="0" smtClean="0"/>
+            <a:t>modelos </a:t>
+          </a:r>
+          <a:r>
+            <a:rPr lang="es-AR" sz="1400" dirty="0" smtClean="0"/>
+            <a:t>utilizados</a:t>
+          </a:r>
+          <a:endParaRPr lang="es-ES" sz="1400" dirty="0"/>
         </a:p>
       </dgm:t>
     </dgm:pt>
@@ -1210,43 +1971,6 @@
       </dgm:t>
     </dgm:pt>
     <dgm:pt modelId="{BE3C337D-C173-4437-AB79-0231B6CAF494}" type="parTrans" cxnId="{051C1E82-CC6A-410F-8D2E-CE7E503030A0}">
-      <dgm:prSet/>
-      <dgm:spPr/>
-      <dgm:t>
-        <a:bodyPr/>
-        <a:lstStyle/>
-        <a:p>
-          <a:endParaRPr lang="es-ES"/>
-        </a:p>
-      </dgm:t>
-    </dgm:pt>
-    <dgm:pt modelId="{9F04FA2D-8C55-4C81-A313-BA2D755338DA}">
-      <dgm:prSet phldrT="[Texto]" custT="1"/>
-      <dgm:spPr/>
-      <dgm:t>
-        <a:bodyPr/>
-        <a:lstStyle/>
-        <a:p>
-          <a:r>
-            <a:rPr lang="es-AR" sz="1200" dirty="0" smtClean="0"/>
-            <a:t>Clasificación Final</a:t>
-          </a:r>
-          <a:endParaRPr lang="es-ES" sz="1200" dirty="0"/>
-        </a:p>
-      </dgm:t>
-    </dgm:pt>
-    <dgm:pt modelId="{FA026C9C-B9CC-4553-A482-89A5C212DADE}" type="parTrans" cxnId="{9EB1C1B9-B5D7-4BF7-B7E4-37035590B05E}">
-      <dgm:prSet/>
-      <dgm:spPr/>
-      <dgm:t>
-        <a:bodyPr/>
-        <a:lstStyle/>
-        <a:p>
-          <a:endParaRPr lang="es-ES"/>
-        </a:p>
-      </dgm:t>
-    </dgm:pt>
-    <dgm:pt modelId="{AB7BBB4D-E046-44E0-B34A-3353EB002685}" type="sibTrans" cxnId="{9EB1C1B9-B5D7-4BF7-B7E4-37035590B05E}">
       <dgm:prSet/>
       <dgm:spPr/>
       <dgm:t>
@@ -1597,8 +2321,6 @@
     <dgm:cxn modelId="{D2E31F1C-4745-4AAA-BB15-C2B12551812F}" type="presOf" srcId="{CC83C62A-5E43-4022-A7DF-82A3CB39B621}" destId="{A994D205-0403-4659-9106-D95711C82434}" srcOrd="1" destOrd="0" presId="urn:microsoft.com/office/officeart/2005/8/layout/hProcess4"/>
     <dgm:cxn modelId="{3712BF53-293E-4816-8031-F8E2E36B0810}" type="presOf" srcId="{9AB2CF6B-34F5-4374-987B-AE12962DC744}" destId="{38D5B11F-D9BC-430C-86A8-BE224A5B5BE7}" srcOrd="0" destOrd="0" presId="urn:microsoft.com/office/officeart/2005/8/layout/hProcess4"/>
     <dgm:cxn modelId="{9AA925EC-2DA9-44FE-B016-6D37D1758C9D}" srcId="{D4647EFA-9A60-4EF7-BC6D-EF3BA2CDE174}" destId="{9AB2CF6B-34F5-4374-987B-AE12962DC744}" srcOrd="0" destOrd="0" parTransId="{2DE111D9-86FB-4B95-BB05-438CC25E6AE8}" sibTransId="{23E00EE7-D785-45EA-A721-FA7E76916E61}"/>
-    <dgm:cxn modelId="{DFA3C4FF-AA57-453D-AA70-E5186E829B1A}" type="presOf" srcId="{9F04FA2D-8C55-4C81-A313-BA2D755338DA}" destId="{26663E0D-60AB-4DCD-97C7-8A2A1BC21A9F}" srcOrd="1" destOrd="2" presId="urn:microsoft.com/office/officeart/2005/8/layout/hProcess4"/>
-    <dgm:cxn modelId="{EC78A149-DAFA-47F4-B6B5-76D37B23A27C}" type="presOf" srcId="{9F04FA2D-8C55-4C81-A313-BA2D755338DA}" destId="{C4FD92FB-32AB-4CFC-A8B8-FB7BF1FE63E9}" srcOrd="0" destOrd="2" presId="urn:microsoft.com/office/officeart/2005/8/layout/hProcess4"/>
     <dgm:cxn modelId="{2A4DDE30-52B9-438E-B6A6-BDBB6C998DB2}" srcId="{3F2EB502-7960-4593-88DF-D37844FEA1C7}" destId="{59779AB2-A212-49A7-8E58-D89BD7731081}" srcOrd="1" destOrd="0" parTransId="{3DA5F70F-0465-44B1-A2B7-7EABE37B3790}" sibTransId="{863BC75F-7315-4FC3-9B97-E569EF800480}"/>
     <dgm:cxn modelId="{2468E934-B0F5-4888-B6EE-B80D5B7E42FA}" srcId="{9AB2CF6B-34F5-4374-987B-AE12962DC744}" destId="{2932E159-F43E-496D-B439-CB0734474D56}" srcOrd="0" destOrd="0" parTransId="{36508227-ACD8-46D8-AB36-8C7E03F2FDF4}" sibTransId="{529B478B-8F00-4A42-A456-0CAF100FFF17}"/>
     <dgm:cxn modelId="{14B6D7EF-449F-441C-B2F6-9851D0D51DFA}" type="presOf" srcId="{3F2EB502-7960-4593-88DF-D37844FEA1C7}" destId="{5C81CFBE-A250-4D32-AEA9-72D94AB0486D}" srcOrd="0" destOrd="0" presId="urn:microsoft.com/office/officeart/2005/8/layout/hProcess4"/>
@@ -1607,7 +2329,6 @@
     <dgm:cxn modelId="{8062F1A2-8EDA-4953-B4D8-939D77EBD54F}" type="presOf" srcId="{CC83C62A-5E43-4022-A7DF-82A3CB39B621}" destId="{B631D268-588F-4C37-B5DC-65406624E4F3}" srcOrd="0" destOrd="0" presId="urn:microsoft.com/office/officeart/2005/8/layout/hProcess4"/>
     <dgm:cxn modelId="{86279209-7742-4661-9420-01A7E54FEF3F}" type="presOf" srcId="{59779AB2-A212-49A7-8E58-D89BD7731081}" destId="{26663E0D-60AB-4DCD-97C7-8A2A1BC21A9F}" srcOrd="1" destOrd="1" presId="urn:microsoft.com/office/officeart/2005/8/layout/hProcess4"/>
     <dgm:cxn modelId="{573E6274-E975-438D-B92E-96FB2C2CEF24}" type="presOf" srcId="{59779AB2-A212-49A7-8E58-D89BD7731081}" destId="{C4FD92FB-32AB-4CFC-A8B8-FB7BF1FE63E9}" srcOrd="0" destOrd="1" presId="urn:microsoft.com/office/officeart/2005/8/layout/hProcess4"/>
-    <dgm:cxn modelId="{9EB1C1B9-B5D7-4BF7-B7E4-37035590B05E}" srcId="{3F2EB502-7960-4593-88DF-D37844FEA1C7}" destId="{9F04FA2D-8C55-4C81-A313-BA2D755338DA}" srcOrd="2" destOrd="0" parTransId="{FA026C9C-B9CC-4553-A482-89A5C212DADE}" sibTransId="{AB7BBB4D-E046-44E0-B34A-3353EB002685}"/>
     <dgm:cxn modelId="{80D50B71-284C-4EEE-BAA4-DDD3C3B32915}" type="presOf" srcId="{2932E159-F43E-496D-B439-CB0734474D56}" destId="{C4673B9C-291F-4998-8513-6A093A381570}" srcOrd="0" destOrd="0" presId="urn:microsoft.com/office/officeart/2005/8/layout/hProcess4"/>
     <dgm:cxn modelId="{6E2A567A-FB8B-4566-A741-52385E459603}" type="presOf" srcId="{D4647EFA-9A60-4EF7-BC6D-EF3BA2CDE174}" destId="{C3058F6A-8B8C-4037-A255-350541D22E4D}" srcOrd="0" destOrd="0" presId="urn:microsoft.com/office/officeart/2005/8/layout/hProcess4"/>
     <dgm:cxn modelId="{123EF343-1F9B-455A-BC52-10201EA42210}" type="presOf" srcId="{EBBBDCC9-B96A-4757-9D74-5E0E73F684C2}" destId="{26663E0D-60AB-4DCD-97C7-8A2A1BC21A9F}" srcOrd="1" destOrd="0" presId="urn:microsoft.com/office/officeart/2005/8/layout/hProcess4"/>
@@ -1653,6 +2374,535 @@
     <dgm:cxn modelId="{A83661C3-9A2E-4A8B-9896-87ADDD429075}" type="presParOf" srcId="{4F7335D7-8457-4B4D-9C24-08205B6EB3C0}" destId="{156FCE68-4CFF-475C-AD99-15C113F6BBED}" srcOrd="2" destOrd="0" presId="urn:microsoft.com/office/officeart/2005/8/layout/hProcess4"/>
     <dgm:cxn modelId="{9F6FFBDB-A453-4E47-89B6-D1FAA42779C5}" type="presParOf" srcId="{4F7335D7-8457-4B4D-9C24-08205B6EB3C0}" destId="{3C869808-34B8-4AD1-8960-6B0854DAAAF6}" srcOrd="3" destOrd="0" presId="urn:microsoft.com/office/officeart/2005/8/layout/hProcess4"/>
     <dgm:cxn modelId="{2FE9CCD2-66E9-492D-9B67-B8190F4C2B27}" type="presParOf" srcId="{4F7335D7-8457-4B4D-9C24-08205B6EB3C0}" destId="{D7710065-2D35-423B-A00C-28C0904B263D}" srcOrd="4" destOrd="0" presId="urn:microsoft.com/office/officeart/2005/8/layout/hProcess4"/>
+  </dgm:cxnLst>
+  <dgm:bg/>
+  <dgm:whole/>
+  <dgm:extLst>
+    <a:ext uri="http://schemas.microsoft.com/office/drawing/2008/diagram">
+      <dsp:dataModelExt xmlns:dsp="http://schemas.microsoft.com/office/drawing/2008/diagram" relId="rId6" minVer="http://schemas.openxmlformats.org/drawingml/2006/diagram"/>
+    </a:ext>
+  </dgm:extLst>
+</dgm:dataModel>
+</file>
+
+<file path=ppt/diagrams/data2.xml><?xml version="1.0" encoding="utf-8"?>
+<dgm:dataModel xmlns:dgm="http://schemas.openxmlformats.org/drawingml/2006/diagram" xmlns:a="http://schemas.openxmlformats.org/drawingml/2006/main">
+  <dgm:ptLst>
+    <dgm:pt modelId="{83F357FB-D351-46E0-AD02-F4E08E9EFFF1}" type="doc">
+      <dgm:prSet loTypeId="urn:microsoft.com/office/officeart/2005/8/layout/radial4" loCatId="relationship" qsTypeId="urn:microsoft.com/office/officeart/2005/8/quickstyle/simple1" qsCatId="simple" csTypeId="urn:microsoft.com/office/officeart/2005/8/colors/accent1_2" csCatId="accent1" phldr="1"/>
+      <dgm:spPr/>
+      <dgm:t>
+        <a:bodyPr/>
+        <a:lstStyle/>
+        <a:p>
+          <a:endParaRPr lang="es-ES"/>
+        </a:p>
+      </dgm:t>
+    </dgm:pt>
+    <dgm:pt modelId="{A5A3197C-DB71-414F-963E-13ABA7AE2E73}">
+      <dgm:prSet phldrT="[Texto]"/>
+      <dgm:spPr/>
+      <dgm:t>
+        <a:bodyPr/>
+        <a:lstStyle/>
+        <a:p>
+          <a:r>
+            <a:rPr lang="es-AR" b="1" dirty="0" smtClean="0"/>
+            <a:t>Regresión </a:t>
+          </a:r>
+          <a:r>
+            <a:rPr lang="es-AR" b="1" dirty="0" err="1" smtClean="0"/>
+            <a:t>Logistica</a:t>
+          </a:r>
+          <a:endParaRPr lang="es-ES" b="1" dirty="0"/>
+        </a:p>
+      </dgm:t>
+    </dgm:pt>
+    <dgm:pt modelId="{2D760F6D-A048-43D2-A783-BB7B1FEE5340}" type="parTrans" cxnId="{F9C0ECCF-7D01-40E2-A34C-136D9C35AAA1}">
+      <dgm:prSet/>
+      <dgm:spPr/>
+      <dgm:t>
+        <a:bodyPr/>
+        <a:lstStyle/>
+        <a:p>
+          <a:endParaRPr lang="es-ES" b="1"/>
+        </a:p>
+      </dgm:t>
+    </dgm:pt>
+    <dgm:pt modelId="{7DB91451-CBE4-46E6-91D8-9CC3D73B3AC8}" type="sibTrans" cxnId="{F9C0ECCF-7D01-40E2-A34C-136D9C35AAA1}">
+      <dgm:prSet/>
+      <dgm:spPr/>
+      <dgm:t>
+        <a:bodyPr/>
+        <a:lstStyle/>
+        <a:p>
+          <a:endParaRPr lang="es-ES" b="1"/>
+        </a:p>
+      </dgm:t>
+    </dgm:pt>
+    <dgm:pt modelId="{707BEF3B-6CE8-4802-8399-7B3074BB3553}">
+      <dgm:prSet phldrT="[Texto]"/>
+      <dgm:spPr/>
+      <dgm:t>
+        <a:bodyPr/>
+        <a:lstStyle/>
+        <a:p>
+          <a:r>
+            <a:rPr lang="es-AR" b="1" dirty="0" err="1" smtClean="0"/>
+            <a:t>Naive</a:t>
+          </a:r>
+          <a:r>
+            <a:rPr lang="es-AR" b="1" dirty="0" smtClean="0"/>
+            <a:t> </a:t>
+          </a:r>
+          <a:r>
+            <a:rPr lang="es-AR" b="1" dirty="0" err="1" smtClean="0"/>
+            <a:t>Bayes</a:t>
+          </a:r>
+          <a:endParaRPr lang="es-ES" b="1" dirty="0"/>
+        </a:p>
+      </dgm:t>
+    </dgm:pt>
+    <dgm:pt modelId="{0542E1FE-B398-4C2B-AF87-B118C953F747}" type="parTrans" cxnId="{52DA54AA-BEF5-4134-977B-6359E9F1DD5B}">
+      <dgm:prSet/>
+      <dgm:spPr/>
+      <dgm:t>
+        <a:bodyPr/>
+        <a:lstStyle/>
+        <a:p>
+          <a:endParaRPr lang="es-ES" b="1"/>
+        </a:p>
+      </dgm:t>
+    </dgm:pt>
+    <dgm:pt modelId="{D0038509-3710-40CB-8276-43395E7C875B}" type="sibTrans" cxnId="{52DA54AA-BEF5-4134-977B-6359E9F1DD5B}">
+      <dgm:prSet/>
+      <dgm:spPr/>
+      <dgm:t>
+        <a:bodyPr/>
+        <a:lstStyle/>
+        <a:p>
+          <a:endParaRPr lang="es-ES" b="1"/>
+        </a:p>
+      </dgm:t>
+    </dgm:pt>
+    <dgm:pt modelId="{5F4F90B7-DE33-48CE-9F46-0F71F96D33F1}">
+      <dgm:prSet phldrT="[Texto]"/>
+      <dgm:spPr/>
+      <dgm:t>
+        <a:bodyPr/>
+        <a:lstStyle/>
+        <a:p>
+          <a:r>
+            <a:rPr lang="es-AR" b="1" dirty="0" smtClean="0"/>
+            <a:t>Regresión logística </a:t>
+          </a:r>
+          <a:endParaRPr lang="es-ES" b="1" dirty="0"/>
+        </a:p>
+      </dgm:t>
+    </dgm:pt>
+    <dgm:pt modelId="{948B56D9-A4A8-49A4-A29F-283318EAACCB}" type="parTrans" cxnId="{EE0B7864-C9F5-4A21-B5C4-0B1017556D7E}">
+      <dgm:prSet/>
+      <dgm:spPr/>
+      <dgm:t>
+        <a:bodyPr/>
+        <a:lstStyle/>
+        <a:p>
+          <a:endParaRPr lang="es-ES" b="1"/>
+        </a:p>
+      </dgm:t>
+    </dgm:pt>
+    <dgm:pt modelId="{BC3F97E8-0815-4F61-A81F-1C388119A1FB}" type="sibTrans" cxnId="{EE0B7864-C9F5-4A21-B5C4-0B1017556D7E}">
+      <dgm:prSet/>
+      <dgm:spPr/>
+      <dgm:t>
+        <a:bodyPr/>
+        <a:lstStyle/>
+        <a:p>
+          <a:endParaRPr lang="es-ES" b="1"/>
+        </a:p>
+      </dgm:t>
+    </dgm:pt>
+    <dgm:pt modelId="{12F60F36-23BB-4D3C-AF49-22B73683FBCE}">
+      <dgm:prSet phldrT="[Texto]"/>
+      <dgm:spPr/>
+      <dgm:t>
+        <a:bodyPr/>
+        <a:lstStyle/>
+        <a:p>
+          <a:r>
+            <a:rPr lang="es-AR" b="1" dirty="0" err="1" smtClean="0"/>
+            <a:t>Xgboost</a:t>
+          </a:r>
+          <a:endParaRPr lang="es-AR" b="1" dirty="0" smtClean="0"/>
+        </a:p>
+      </dgm:t>
+    </dgm:pt>
+    <dgm:pt modelId="{A451BB02-A3FA-4184-9786-27C4E4DC1EF0}" type="parTrans" cxnId="{AB85EFC2-E33E-4865-B205-CF578EBD2CAB}">
+      <dgm:prSet/>
+      <dgm:spPr/>
+      <dgm:t>
+        <a:bodyPr/>
+        <a:lstStyle/>
+        <a:p>
+          <a:endParaRPr lang="es-ES" b="1"/>
+        </a:p>
+      </dgm:t>
+    </dgm:pt>
+    <dgm:pt modelId="{895D2B1F-15D6-49CB-8914-00462B5F93C4}" type="sibTrans" cxnId="{AB85EFC2-E33E-4865-B205-CF578EBD2CAB}">
+      <dgm:prSet/>
+      <dgm:spPr/>
+      <dgm:t>
+        <a:bodyPr/>
+        <a:lstStyle/>
+        <a:p>
+          <a:endParaRPr lang="es-ES" b="1"/>
+        </a:p>
+      </dgm:t>
+    </dgm:pt>
+    <dgm:pt modelId="{B8839D15-27CE-4431-9614-4C43708EF2EA}">
+      <dgm:prSet phldrT="[Texto]"/>
+      <dgm:spPr/>
+      <dgm:t>
+        <a:bodyPr/>
+        <a:lstStyle/>
+        <a:p>
+          <a:r>
+            <a:rPr lang="es-AR" b="1" dirty="0" smtClean="0"/>
+            <a:t>Light </a:t>
+          </a:r>
+          <a:r>
+            <a:rPr lang="es-AR" b="1" dirty="0" err="1" smtClean="0"/>
+            <a:t>xgboost</a:t>
+          </a:r>
+          <a:endParaRPr lang="es-AR" b="1" dirty="0" smtClean="0"/>
+        </a:p>
+      </dgm:t>
+    </dgm:pt>
+    <dgm:pt modelId="{8ECA1081-D97C-4146-8AB9-4888CCFEA506}" type="parTrans" cxnId="{FDC1B24E-9816-4D9F-B07D-B17C52025962}">
+      <dgm:prSet/>
+      <dgm:spPr/>
+      <dgm:t>
+        <a:bodyPr/>
+        <a:lstStyle/>
+        <a:p>
+          <a:endParaRPr lang="es-ES" b="1"/>
+        </a:p>
+      </dgm:t>
+    </dgm:pt>
+    <dgm:pt modelId="{93F379BC-7447-4116-962D-189003DCABC7}" type="sibTrans" cxnId="{FDC1B24E-9816-4D9F-B07D-B17C52025962}">
+      <dgm:prSet/>
+      <dgm:spPr/>
+      <dgm:t>
+        <a:bodyPr/>
+        <a:lstStyle/>
+        <a:p>
+          <a:endParaRPr lang="es-ES" b="1"/>
+        </a:p>
+      </dgm:t>
+    </dgm:pt>
+    <dgm:pt modelId="{B207DF24-CB60-4EBD-A388-840B1384DF13}">
+      <dgm:prSet phldrT="[Texto]"/>
+      <dgm:spPr/>
+      <dgm:t>
+        <a:bodyPr/>
+        <a:lstStyle/>
+        <a:p>
+          <a:r>
+            <a:rPr lang="es-AR" b="1" dirty="0" err="1" smtClean="0"/>
+            <a:t>Adaboost</a:t>
+          </a:r>
+          <a:endParaRPr lang="es-AR" b="1" dirty="0" smtClean="0"/>
+        </a:p>
+      </dgm:t>
+    </dgm:pt>
+    <dgm:pt modelId="{63E66A6D-99B1-4988-8867-66883AC577FC}" type="parTrans" cxnId="{4D8E9503-5D66-46F4-A730-180DAF85F37B}">
+      <dgm:prSet/>
+      <dgm:spPr/>
+      <dgm:t>
+        <a:bodyPr/>
+        <a:lstStyle/>
+        <a:p>
+          <a:endParaRPr lang="es-ES" b="1"/>
+        </a:p>
+      </dgm:t>
+    </dgm:pt>
+    <dgm:pt modelId="{562EE18C-30C7-40BB-BAF1-F09E73B31F5F}" type="sibTrans" cxnId="{4D8E9503-5D66-46F4-A730-180DAF85F37B}">
+      <dgm:prSet/>
+      <dgm:spPr/>
+      <dgm:t>
+        <a:bodyPr/>
+        <a:lstStyle/>
+        <a:p>
+          <a:endParaRPr lang="es-ES" b="1"/>
+        </a:p>
+      </dgm:t>
+    </dgm:pt>
+    <dgm:pt modelId="{017BD967-5666-4328-BA16-79E44B79AEA8}">
+      <dgm:prSet phldrT="[Texto]"/>
+      <dgm:spPr/>
+      <dgm:t>
+        <a:bodyPr/>
+        <a:lstStyle/>
+        <a:p>
+          <a:r>
+            <a:rPr lang="es-AR" b="1" dirty="0" err="1" smtClean="0"/>
+            <a:t>Random</a:t>
+          </a:r>
+          <a:r>
+            <a:rPr lang="es-AR" b="1" dirty="0" smtClean="0"/>
+            <a:t> </a:t>
+          </a:r>
+          <a:r>
+            <a:rPr lang="es-AR" b="1" dirty="0" err="1" smtClean="0"/>
+            <a:t>forest</a:t>
+          </a:r>
+          <a:endParaRPr lang="es-AR" b="1" dirty="0" smtClean="0"/>
+        </a:p>
+      </dgm:t>
+    </dgm:pt>
+    <dgm:pt modelId="{D71F24D0-7885-427E-8931-F49F585A087F}" type="parTrans" cxnId="{0B094DFD-A698-4126-A395-CE5CFBC7F6AE}">
+      <dgm:prSet/>
+      <dgm:spPr/>
+      <dgm:t>
+        <a:bodyPr/>
+        <a:lstStyle/>
+        <a:p>
+          <a:endParaRPr lang="es-ES" b="1"/>
+        </a:p>
+      </dgm:t>
+    </dgm:pt>
+    <dgm:pt modelId="{EB3BC6A1-E35F-4946-BDE3-D8CD36B76844}" type="sibTrans" cxnId="{0B094DFD-A698-4126-A395-CE5CFBC7F6AE}">
+      <dgm:prSet/>
+      <dgm:spPr/>
+      <dgm:t>
+        <a:bodyPr/>
+        <a:lstStyle/>
+        <a:p>
+          <a:endParaRPr lang="es-ES" b="1"/>
+        </a:p>
+      </dgm:t>
+    </dgm:pt>
+    <dgm:pt modelId="{5E540149-65DB-429F-A3F3-A8BD4D9DDE05}">
+      <dgm:prSet phldrT="[Texto]"/>
+      <dgm:spPr/>
+      <dgm:t>
+        <a:bodyPr/>
+        <a:lstStyle/>
+        <a:p>
+          <a:r>
+            <a:rPr lang="es-AR" b="1" dirty="0" err="1" smtClean="0"/>
+            <a:t>Features</a:t>
+          </a:r>
+          <a:r>
+            <a:rPr lang="es-AR" b="1" dirty="0" smtClean="0"/>
+            <a:t> Comportamiento</a:t>
+          </a:r>
+        </a:p>
+        <a:p>
+          <a:r>
+            <a:rPr lang="es-AR" b="1" dirty="0" smtClean="0"/>
+            <a:t>*</a:t>
+          </a:r>
+        </a:p>
+      </dgm:t>
+    </dgm:pt>
+    <dgm:pt modelId="{D34060F8-22E5-4588-8E94-F6A6879BEBBD}" type="parTrans" cxnId="{E7272556-7D78-40D5-9EA1-7C64E27593DB}">
+      <dgm:prSet/>
+      <dgm:spPr/>
+      <dgm:t>
+        <a:bodyPr/>
+        <a:lstStyle/>
+        <a:p>
+          <a:endParaRPr lang="es-ES" b="1"/>
+        </a:p>
+      </dgm:t>
+    </dgm:pt>
+    <dgm:pt modelId="{361DE6C5-879A-4BD2-ABE7-D44A7860681F}" type="sibTrans" cxnId="{E7272556-7D78-40D5-9EA1-7C64E27593DB}">
+      <dgm:prSet/>
+      <dgm:spPr/>
+      <dgm:t>
+        <a:bodyPr/>
+        <a:lstStyle/>
+        <a:p>
+          <a:endParaRPr lang="es-ES" b="1"/>
+        </a:p>
+      </dgm:t>
+    </dgm:pt>
+    <dgm:pt modelId="{973CC83A-5679-4990-9344-4DA7CECDC2ED}" type="pres">
+      <dgm:prSet presAssocID="{83F357FB-D351-46E0-AD02-F4E08E9EFFF1}" presName="cycle" presStyleCnt="0">
+        <dgm:presLayoutVars>
+          <dgm:chMax val="1"/>
+          <dgm:dir/>
+          <dgm:animLvl val="ctr"/>
+          <dgm:resizeHandles val="exact"/>
+        </dgm:presLayoutVars>
+      </dgm:prSet>
+      <dgm:spPr/>
+    </dgm:pt>
+    <dgm:pt modelId="{07EE1AFD-BBE2-417A-8645-91E2DB518E8E}" type="pres">
+      <dgm:prSet presAssocID="{A5A3197C-DB71-414F-963E-13ABA7AE2E73}" presName="centerShape" presStyleLbl="node0" presStyleIdx="0" presStyleCnt="1"/>
+      <dgm:spPr/>
+      <dgm:t>
+        <a:bodyPr/>
+        <a:lstStyle/>
+        <a:p>
+          <a:endParaRPr lang="es-ES"/>
+        </a:p>
+      </dgm:t>
+    </dgm:pt>
+    <dgm:pt modelId="{1FE83C03-E1EC-4412-9327-63EC1DE4F44F}" type="pres">
+      <dgm:prSet presAssocID="{0542E1FE-B398-4C2B-AF87-B118C953F747}" presName="parTrans" presStyleLbl="bgSibTrans2D1" presStyleIdx="0" presStyleCnt="7"/>
+      <dgm:spPr/>
+    </dgm:pt>
+    <dgm:pt modelId="{70EC6468-9B8E-4DE7-A63C-AF2E3CA35EEE}" type="pres">
+      <dgm:prSet presAssocID="{707BEF3B-6CE8-4802-8399-7B3074BB3553}" presName="node" presStyleLbl="node1" presStyleIdx="0" presStyleCnt="7">
+        <dgm:presLayoutVars>
+          <dgm:bulletEnabled val="1"/>
+        </dgm:presLayoutVars>
+      </dgm:prSet>
+      <dgm:spPr/>
+    </dgm:pt>
+    <dgm:pt modelId="{4D5EBBD6-8A5E-40A3-BC9E-02AC1060DEA0}" type="pres">
+      <dgm:prSet presAssocID="{948B56D9-A4A8-49A4-A29F-283318EAACCB}" presName="parTrans" presStyleLbl="bgSibTrans2D1" presStyleIdx="1" presStyleCnt="7"/>
+      <dgm:spPr/>
+    </dgm:pt>
+    <dgm:pt modelId="{00A92E9F-EE94-436E-A82A-6549E15CEB03}" type="pres">
+      <dgm:prSet presAssocID="{5F4F90B7-DE33-48CE-9F46-0F71F96D33F1}" presName="node" presStyleLbl="node1" presStyleIdx="1" presStyleCnt="7">
+        <dgm:presLayoutVars>
+          <dgm:bulletEnabled val="1"/>
+        </dgm:presLayoutVars>
+      </dgm:prSet>
+      <dgm:spPr/>
+      <dgm:t>
+        <a:bodyPr/>
+        <a:lstStyle/>
+        <a:p>
+          <a:endParaRPr lang="es-ES"/>
+        </a:p>
+      </dgm:t>
+    </dgm:pt>
+    <dgm:pt modelId="{A535552F-3861-4D3B-8880-3B911743D6C9}" type="pres">
+      <dgm:prSet presAssocID="{A451BB02-A3FA-4184-9786-27C4E4DC1EF0}" presName="parTrans" presStyleLbl="bgSibTrans2D1" presStyleIdx="2" presStyleCnt="7"/>
+      <dgm:spPr/>
+    </dgm:pt>
+    <dgm:pt modelId="{32CB75F2-8978-4296-BBDE-AAEDAA6C4F0A}" type="pres">
+      <dgm:prSet presAssocID="{12F60F36-23BB-4D3C-AF49-22B73683FBCE}" presName="node" presStyleLbl="node1" presStyleIdx="2" presStyleCnt="7">
+        <dgm:presLayoutVars>
+          <dgm:bulletEnabled val="1"/>
+        </dgm:presLayoutVars>
+      </dgm:prSet>
+      <dgm:spPr/>
+      <dgm:t>
+        <a:bodyPr/>
+        <a:lstStyle/>
+        <a:p>
+          <a:endParaRPr lang="es-ES"/>
+        </a:p>
+      </dgm:t>
+    </dgm:pt>
+    <dgm:pt modelId="{A4A90565-FAC4-4B51-AE40-6B122753D79B}" type="pres">
+      <dgm:prSet presAssocID="{8ECA1081-D97C-4146-8AB9-4888CCFEA506}" presName="parTrans" presStyleLbl="bgSibTrans2D1" presStyleIdx="3" presStyleCnt="7"/>
+      <dgm:spPr/>
+    </dgm:pt>
+    <dgm:pt modelId="{5B993DB2-14AF-4E51-96B6-F1A35E79CC3F}" type="pres">
+      <dgm:prSet presAssocID="{B8839D15-27CE-4431-9614-4C43708EF2EA}" presName="node" presStyleLbl="node1" presStyleIdx="3" presStyleCnt="7">
+        <dgm:presLayoutVars>
+          <dgm:bulletEnabled val="1"/>
+        </dgm:presLayoutVars>
+      </dgm:prSet>
+      <dgm:spPr/>
+      <dgm:t>
+        <a:bodyPr/>
+        <a:lstStyle/>
+        <a:p>
+          <a:endParaRPr lang="es-ES"/>
+        </a:p>
+      </dgm:t>
+    </dgm:pt>
+    <dgm:pt modelId="{6746D7EA-6F9F-414D-81A9-9672234A73B8}" type="pres">
+      <dgm:prSet presAssocID="{63E66A6D-99B1-4988-8867-66883AC577FC}" presName="parTrans" presStyleLbl="bgSibTrans2D1" presStyleIdx="4" presStyleCnt="7"/>
+      <dgm:spPr/>
+    </dgm:pt>
+    <dgm:pt modelId="{38C87598-36B8-4EE7-9458-AB406A8D339A}" type="pres">
+      <dgm:prSet presAssocID="{B207DF24-CB60-4EBD-A388-840B1384DF13}" presName="node" presStyleLbl="node1" presStyleIdx="4" presStyleCnt="7">
+        <dgm:presLayoutVars>
+          <dgm:bulletEnabled val="1"/>
+        </dgm:presLayoutVars>
+      </dgm:prSet>
+      <dgm:spPr/>
+    </dgm:pt>
+    <dgm:pt modelId="{77EF4A3E-0C64-438C-B1EF-62E7B3282A94}" type="pres">
+      <dgm:prSet presAssocID="{D71F24D0-7885-427E-8931-F49F585A087F}" presName="parTrans" presStyleLbl="bgSibTrans2D1" presStyleIdx="5" presStyleCnt="7"/>
+      <dgm:spPr/>
+    </dgm:pt>
+    <dgm:pt modelId="{562732B9-9C71-41CA-9171-C7E15BE301B0}" type="pres">
+      <dgm:prSet presAssocID="{017BD967-5666-4328-BA16-79E44B79AEA8}" presName="node" presStyleLbl="node1" presStyleIdx="5" presStyleCnt="7">
+        <dgm:presLayoutVars>
+          <dgm:bulletEnabled val="1"/>
+        </dgm:presLayoutVars>
+      </dgm:prSet>
+      <dgm:spPr/>
+    </dgm:pt>
+    <dgm:pt modelId="{98B66048-085F-4E0E-A5F5-7DB7FBBDC2F2}" type="pres">
+      <dgm:prSet presAssocID="{D34060F8-22E5-4588-8E94-F6A6879BEBBD}" presName="parTrans" presStyleLbl="bgSibTrans2D1" presStyleIdx="6" presStyleCnt="7"/>
+      <dgm:spPr/>
+    </dgm:pt>
+    <dgm:pt modelId="{16C27731-8B7E-4FC7-A124-AAAB2AFBB7A5}" type="pres">
+      <dgm:prSet presAssocID="{5E540149-65DB-429F-A3F3-A8BD4D9DDE05}" presName="node" presStyleLbl="node1" presStyleIdx="6" presStyleCnt="7" custScaleX="150435" custScaleY="148619">
+        <dgm:presLayoutVars>
+          <dgm:bulletEnabled val="1"/>
+        </dgm:presLayoutVars>
+      </dgm:prSet>
+      <dgm:spPr/>
+      <dgm:t>
+        <a:bodyPr/>
+        <a:lstStyle/>
+        <a:p>
+          <a:endParaRPr lang="es-ES"/>
+        </a:p>
+      </dgm:t>
+    </dgm:pt>
+  </dgm:ptLst>
+  <dgm:cxnLst>
+    <dgm:cxn modelId="{4D8E9503-5D66-46F4-A730-180DAF85F37B}" srcId="{A5A3197C-DB71-414F-963E-13ABA7AE2E73}" destId="{B207DF24-CB60-4EBD-A388-840B1384DF13}" srcOrd="4" destOrd="0" parTransId="{63E66A6D-99B1-4988-8867-66883AC577FC}" sibTransId="{562EE18C-30C7-40BB-BAF1-F09E73B31F5F}"/>
+    <dgm:cxn modelId="{52DA54AA-BEF5-4134-977B-6359E9F1DD5B}" srcId="{A5A3197C-DB71-414F-963E-13ABA7AE2E73}" destId="{707BEF3B-6CE8-4802-8399-7B3074BB3553}" srcOrd="0" destOrd="0" parTransId="{0542E1FE-B398-4C2B-AF87-B118C953F747}" sibTransId="{D0038509-3710-40CB-8276-43395E7C875B}"/>
+    <dgm:cxn modelId="{D6ECD728-89EC-4C9B-88F5-B0B4D9E2160D}" type="presOf" srcId="{D34060F8-22E5-4588-8E94-F6A6879BEBBD}" destId="{98B66048-085F-4E0E-A5F5-7DB7FBBDC2F2}" srcOrd="0" destOrd="0" presId="urn:microsoft.com/office/officeart/2005/8/layout/radial4"/>
+    <dgm:cxn modelId="{0B094DFD-A698-4126-A395-CE5CFBC7F6AE}" srcId="{A5A3197C-DB71-414F-963E-13ABA7AE2E73}" destId="{017BD967-5666-4328-BA16-79E44B79AEA8}" srcOrd="5" destOrd="0" parTransId="{D71F24D0-7885-427E-8931-F49F585A087F}" sibTransId="{EB3BC6A1-E35F-4946-BDE3-D8CD36B76844}"/>
+    <dgm:cxn modelId="{A1F2C677-CC34-4BD1-A5A7-D303BC51470D}" type="presOf" srcId="{12F60F36-23BB-4D3C-AF49-22B73683FBCE}" destId="{32CB75F2-8978-4296-BBDE-AAEDAA6C4F0A}" srcOrd="0" destOrd="0" presId="urn:microsoft.com/office/officeart/2005/8/layout/radial4"/>
+    <dgm:cxn modelId="{930D772C-7E63-4057-8976-70BBFA6A4AF1}" type="presOf" srcId="{017BD967-5666-4328-BA16-79E44B79AEA8}" destId="{562732B9-9C71-41CA-9171-C7E15BE301B0}" srcOrd="0" destOrd="0" presId="urn:microsoft.com/office/officeart/2005/8/layout/radial4"/>
+    <dgm:cxn modelId="{F9C0ECCF-7D01-40E2-A34C-136D9C35AAA1}" srcId="{83F357FB-D351-46E0-AD02-F4E08E9EFFF1}" destId="{A5A3197C-DB71-414F-963E-13ABA7AE2E73}" srcOrd="0" destOrd="0" parTransId="{2D760F6D-A048-43D2-A783-BB7B1FEE5340}" sibTransId="{7DB91451-CBE4-46E6-91D8-9CC3D73B3AC8}"/>
+    <dgm:cxn modelId="{FDC1B24E-9816-4D9F-B07D-B17C52025962}" srcId="{A5A3197C-DB71-414F-963E-13ABA7AE2E73}" destId="{B8839D15-27CE-4431-9614-4C43708EF2EA}" srcOrd="3" destOrd="0" parTransId="{8ECA1081-D97C-4146-8AB9-4888CCFEA506}" sibTransId="{93F379BC-7447-4116-962D-189003DCABC7}"/>
+    <dgm:cxn modelId="{35A61AB0-AA12-46FC-8191-C81C6D6A52DF}" type="presOf" srcId="{948B56D9-A4A8-49A4-A29F-283318EAACCB}" destId="{4D5EBBD6-8A5E-40A3-BC9E-02AC1060DEA0}" srcOrd="0" destOrd="0" presId="urn:microsoft.com/office/officeart/2005/8/layout/radial4"/>
+    <dgm:cxn modelId="{EE0B7864-C9F5-4A21-B5C4-0B1017556D7E}" srcId="{A5A3197C-DB71-414F-963E-13ABA7AE2E73}" destId="{5F4F90B7-DE33-48CE-9F46-0F71F96D33F1}" srcOrd="1" destOrd="0" parTransId="{948B56D9-A4A8-49A4-A29F-283318EAACCB}" sibTransId="{BC3F97E8-0815-4F61-A81F-1C388119A1FB}"/>
+    <dgm:cxn modelId="{5628F384-4951-4863-BE4A-1A82F87181B3}" type="presOf" srcId="{5E540149-65DB-429F-A3F3-A8BD4D9DDE05}" destId="{16C27731-8B7E-4FC7-A124-AAAB2AFBB7A5}" srcOrd="0" destOrd="0" presId="urn:microsoft.com/office/officeart/2005/8/layout/radial4"/>
+    <dgm:cxn modelId="{960ABB07-6577-469F-A422-75E80CBB8C2E}" type="presOf" srcId="{B207DF24-CB60-4EBD-A388-840B1384DF13}" destId="{38C87598-36B8-4EE7-9458-AB406A8D339A}" srcOrd="0" destOrd="0" presId="urn:microsoft.com/office/officeart/2005/8/layout/radial4"/>
+    <dgm:cxn modelId="{5DF2647E-5811-4229-B732-5AC5567ED117}" type="presOf" srcId="{B8839D15-27CE-4431-9614-4C43708EF2EA}" destId="{5B993DB2-14AF-4E51-96B6-F1A35E79CC3F}" srcOrd="0" destOrd="0" presId="urn:microsoft.com/office/officeart/2005/8/layout/radial4"/>
+    <dgm:cxn modelId="{D384A70A-C6FA-41DB-AE1E-760AB5D704D8}" type="presOf" srcId="{A451BB02-A3FA-4184-9786-27C4E4DC1EF0}" destId="{A535552F-3861-4D3B-8880-3B911743D6C9}" srcOrd="0" destOrd="0" presId="urn:microsoft.com/office/officeart/2005/8/layout/radial4"/>
+    <dgm:cxn modelId="{883F4CF1-566E-45ED-85E0-A66556F7E8EA}" type="presOf" srcId="{63E66A6D-99B1-4988-8867-66883AC577FC}" destId="{6746D7EA-6F9F-414D-81A9-9672234A73B8}" srcOrd="0" destOrd="0" presId="urn:microsoft.com/office/officeart/2005/8/layout/radial4"/>
+    <dgm:cxn modelId="{ABF66FA1-1571-4126-9E2D-E83848ACDFF3}" type="presOf" srcId="{A5A3197C-DB71-414F-963E-13ABA7AE2E73}" destId="{07EE1AFD-BBE2-417A-8645-91E2DB518E8E}" srcOrd="0" destOrd="0" presId="urn:microsoft.com/office/officeart/2005/8/layout/radial4"/>
+    <dgm:cxn modelId="{DA2F572A-EACC-48A2-B450-CD8F3A1A04E9}" type="presOf" srcId="{8ECA1081-D97C-4146-8AB9-4888CCFEA506}" destId="{A4A90565-FAC4-4B51-AE40-6B122753D79B}" srcOrd="0" destOrd="0" presId="urn:microsoft.com/office/officeart/2005/8/layout/radial4"/>
+    <dgm:cxn modelId="{93D7AA81-6F51-4F90-BEDB-064F10548365}" type="presOf" srcId="{D71F24D0-7885-427E-8931-F49F585A087F}" destId="{77EF4A3E-0C64-438C-B1EF-62E7B3282A94}" srcOrd="0" destOrd="0" presId="urn:microsoft.com/office/officeart/2005/8/layout/radial4"/>
+    <dgm:cxn modelId="{05766060-D483-4B8C-A403-C782E319EA41}" type="presOf" srcId="{0542E1FE-B398-4C2B-AF87-B118C953F747}" destId="{1FE83C03-E1EC-4412-9327-63EC1DE4F44F}" srcOrd="0" destOrd="0" presId="urn:microsoft.com/office/officeart/2005/8/layout/radial4"/>
+    <dgm:cxn modelId="{0F1E36BD-6CC1-4CEB-BA6F-77D7CB356765}" type="presOf" srcId="{5F4F90B7-DE33-48CE-9F46-0F71F96D33F1}" destId="{00A92E9F-EE94-436E-A82A-6549E15CEB03}" srcOrd="0" destOrd="0" presId="urn:microsoft.com/office/officeart/2005/8/layout/radial4"/>
+    <dgm:cxn modelId="{24811747-3826-493D-92A7-2DEA50F42D58}" type="presOf" srcId="{707BEF3B-6CE8-4802-8399-7B3074BB3553}" destId="{70EC6468-9B8E-4DE7-A63C-AF2E3CA35EEE}" srcOrd="0" destOrd="0" presId="urn:microsoft.com/office/officeart/2005/8/layout/radial4"/>
+    <dgm:cxn modelId="{E7272556-7D78-40D5-9EA1-7C64E27593DB}" srcId="{A5A3197C-DB71-414F-963E-13ABA7AE2E73}" destId="{5E540149-65DB-429F-A3F3-A8BD4D9DDE05}" srcOrd="6" destOrd="0" parTransId="{D34060F8-22E5-4588-8E94-F6A6879BEBBD}" sibTransId="{361DE6C5-879A-4BD2-ABE7-D44A7860681F}"/>
+    <dgm:cxn modelId="{AB85EFC2-E33E-4865-B205-CF578EBD2CAB}" srcId="{A5A3197C-DB71-414F-963E-13ABA7AE2E73}" destId="{12F60F36-23BB-4D3C-AF49-22B73683FBCE}" srcOrd="2" destOrd="0" parTransId="{A451BB02-A3FA-4184-9786-27C4E4DC1EF0}" sibTransId="{895D2B1F-15D6-49CB-8914-00462B5F93C4}"/>
+    <dgm:cxn modelId="{C73AFB8D-45F7-4304-8ABC-AFE1485E2DF3}" type="presOf" srcId="{83F357FB-D351-46E0-AD02-F4E08E9EFFF1}" destId="{973CC83A-5679-4990-9344-4DA7CECDC2ED}" srcOrd="0" destOrd="0" presId="urn:microsoft.com/office/officeart/2005/8/layout/radial4"/>
+    <dgm:cxn modelId="{CD769BD9-A8AE-403E-AD52-CBD629BC3F71}" type="presParOf" srcId="{973CC83A-5679-4990-9344-4DA7CECDC2ED}" destId="{07EE1AFD-BBE2-417A-8645-91E2DB518E8E}" srcOrd="0" destOrd="0" presId="urn:microsoft.com/office/officeart/2005/8/layout/radial4"/>
+    <dgm:cxn modelId="{E5239360-B47A-42E5-9768-F73F2F22BCF9}" type="presParOf" srcId="{973CC83A-5679-4990-9344-4DA7CECDC2ED}" destId="{1FE83C03-E1EC-4412-9327-63EC1DE4F44F}" srcOrd="1" destOrd="0" presId="urn:microsoft.com/office/officeart/2005/8/layout/radial4"/>
+    <dgm:cxn modelId="{93C0B261-127E-4A3A-85EA-9FF05683E939}" type="presParOf" srcId="{973CC83A-5679-4990-9344-4DA7CECDC2ED}" destId="{70EC6468-9B8E-4DE7-A63C-AF2E3CA35EEE}" srcOrd="2" destOrd="0" presId="urn:microsoft.com/office/officeart/2005/8/layout/radial4"/>
+    <dgm:cxn modelId="{950166C4-1511-466F-A288-DA2ADCB8284D}" type="presParOf" srcId="{973CC83A-5679-4990-9344-4DA7CECDC2ED}" destId="{4D5EBBD6-8A5E-40A3-BC9E-02AC1060DEA0}" srcOrd="3" destOrd="0" presId="urn:microsoft.com/office/officeart/2005/8/layout/radial4"/>
+    <dgm:cxn modelId="{750612B9-51F4-428E-B645-2E02BD792FF3}" type="presParOf" srcId="{973CC83A-5679-4990-9344-4DA7CECDC2ED}" destId="{00A92E9F-EE94-436E-A82A-6549E15CEB03}" srcOrd="4" destOrd="0" presId="urn:microsoft.com/office/officeart/2005/8/layout/radial4"/>
+    <dgm:cxn modelId="{BA313A34-E6FE-4B84-AAD0-A05A1590EFA8}" type="presParOf" srcId="{973CC83A-5679-4990-9344-4DA7CECDC2ED}" destId="{A535552F-3861-4D3B-8880-3B911743D6C9}" srcOrd="5" destOrd="0" presId="urn:microsoft.com/office/officeart/2005/8/layout/radial4"/>
+    <dgm:cxn modelId="{3B02E4FA-757B-4341-BE80-A16F8E79E8A2}" type="presParOf" srcId="{973CC83A-5679-4990-9344-4DA7CECDC2ED}" destId="{32CB75F2-8978-4296-BBDE-AAEDAA6C4F0A}" srcOrd="6" destOrd="0" presId="urn:microsoft.com/office/officeart/2005/8/layout/radial4"/>
+    <dgm:cxn modelId="{454C5D9A-DE22-49DB-AB5A-968C13B95D75}" type="presParOf" srcId="{973CC83A-5679-4990-9344-4DA7CECDC2ED}" destId="{A4A90565-FAC4-4B51-AE40-6B122753D79B}" srcOrd="7" destOrd="0" presId="urn:microsoft.com/office/officeart/2005/8/layout/radial4"/>
+    <dgm:cxn modelId="{932E1C39-DEDC-4257-AA77-9265C5031BBB}" type="presParOf" srcId="{973CC83A-5679-4990-9344-4DA7CECDC2ED}" destId="{5B993DB2-14AF-4E51-96B6-F1A35E79CC3F}" srcOrd="8" destOrd="0" presId="urn:microsoft.com/office/officeart/2005/8/layout/radial4"/>
+    <dgm:cxn modelId="{5F0801C4-A099-439E-9E74-20B91164E6EA}" type="presParOf" srcId="{973CC83A-5679-4990-9344-4DA7CECDC2ED}" destId="{6746D7EA-6F9F-414D-81A9-9672234A73B8}" srcOrd="9" destOrd="0" presId="urn:microsoft.com/office/officeart/2005/8/layout/radial4"/>
+    <dgm:cxn modelId="{FD224C39-F673-4141-9112-54FA7DFE2E3F}" type="presParOf" srcId="{973CC83A-5679-4990-9344-4DA7CECDC2ED}" destId="{38C87598-36B8-4EE7-9458-AB406A8D339A}" srcOrd="10" destOrd="0" presId="urn:microsoft.com/office/officeart/2005/8/layout/radial4"/>
+    <dgm:cxn modelId="{5DD70F92-2AA4-4E4D-9518-E7970978065B}" type="presParOf" srcId="{973CC83A-5679-4990-9344-4DA7CECDC2ED}" destId="{77EF4A3E-0C64-438C-B1EF-62E7B3282A94}" srcOrd="11" destOrd="0" presId="urn:microsoft.com/office/officeart/2005/8/layout/radial4"/>
+    <dgm:cxn modelId="{DFE96D81-B6C5-4BDC-8152-15E2CC83EF9F}" type="presParOf" srcId="{973CC83A-5679-4990-9344-4DA7CECDC2ED}" destId="{562732B9-9C71-41CA-9171-C7E15BE301B0}" srcOrd="12" destOrd="0" presId="urn:microsoft.com/office/officeart/2005/8/layout/radial4"/>
+    <dgm:cxn modelId="{43DD953F-E7AF-4FAC-AED1-1869FA64310B}" type="presParOf" srcId="{973CC83A-5679-4990-9344-4DA7CECDC2ED}" destId="{98B66048-085F-4E0E-A5F5-7DB7FBBDC2F2}" srcOrd="13" destOrd="0" presId="urn:microsoft.com/office/officeart/2005/8/layout/radial4"/>
+    <dgm:cxn modelId="{7137EB65-8799-484F-8307-35E496ED4C19}" type="presParOf" srcId="{973CC83A-5679-4990-9344-4DA7CECDC2ED}" destId="{16C27731-8B7E-4FC7-A124-AAAB2AFBB7A5}" srcOrd="14" destOrd="0" presId="urn:microsoft.com/office/officeart/2005/8/layout/radial4"/>
   </dgm:cxnLst>
   <dgm:bg/>
   <dgm:whole/>
@@ -1956,7 +3206,7 @@
         </a:bodyPr>
         <a:lstStyle/>
         <a:p>
-          <a:pPr marL="114300" lvl="1" indent="-114300" algn="l" defTabSz="622300">
+          <a:pPr marL="171450" lvl="1" indent="-171450" algn="l" defTabSz="711200">
             <a:lnSpc>
               <a:spcPct val="90000"/>
             </a:lnSpc>
@@ -1969,16 +3219,24 @@
             <a:buChar char="••"/>
           </a:pPr>
           <a:r>
-            <a:rPr lang="es-AR" sz="1400" kern="1200" dirty="0" smtClean="0"/>
+            <a:rPr lang="es-AR" sz="1600" kern="1200" dirty="0" smtClean="0"/>
             <a:t>Generación de </a:t>
           </a:r>
           <a:r>
-            <a:rPr lang="es-AR" sz="1400" kern="1200" dirty="0" err="1" smtClean="0"/>
+            <a:rPr lang="es-AR" sz="1600" kern="1200" dirty="0" err="1" smtClean="0"/>
             <a:t>Features</a:t>
           </a:r>
           <a:r>
+            <a:rPr lang="es-AR" sz="1600" kern="1200" dirty="0" smtClean="0"/>
+            <a:t> utilizando Bag of </a:t>
+          </a:r>
+          <a:r>
+            <a:rPr lang="es-AR" sz="1600" kern="1200" dirty="0" err="1" smtClean="0"/>
+            <a:t>Words</a:t>
+          </a:r>
+          <a:r>
             <a:rPr lang="es-AR" sz="1400" kern="1200" dirty="0" smtClean="0"/>
-            <a:t>. </a:t>
+            <a:t> </a:t>
           </a:r>
           <a:endParaRPr lang="es-ES" sz="1400" kern="1200" dirty="0"/>
         </a:p>
@@ -2170,7 +3428,7 @@
         </a:bodyPr>
         <a:lstStyle/>
         <a:p>
-          <a:pPr marL="114300" lvl="1" indent="-114300" algn="l" defTabSz="533400">
+          <a:pPr marL="114300" lvl="1" indent="-114300" algn="l" defTabSz="622300">
             <a:lnSpc>
               <a:spcPct val="90000"/>
             </a:lnSpc>
@@ -2183,13 +3441,13 @@
             <a:buChar char="••"/>
           </a:pPr>
           <a:r>
-            <a:rPr lang="es-AR" sz="1200" kern="1200" dirty="0" smtClean="0"/>
+            <a:rPr lang="es-AR" sz="1400" kern="1200" dirty="0" smtClean="0"/>
             <a:t>Aplicación de Modelos de clasificación</a:t>
           </a:r>
-          <a:endParaRPr lang="es-ES" sz="1200" kern="1200" dirty="0"/>
+          <a:endParaRPr lang="es-ES" sz="1400" kern="1200" dirty="0"/>
         </a:p>
         <a:p>
-          <a:pPr marL="114300" lvl="1" indent="-114300" algn="l" defTabSz="533400">
+          <a:pPr marL="114300" lvl="1" indent="-114300" algn="l" defTabSz="622300">
             <a:lnSpc>
               <a:spcPct val="90000"/>
             </a:lnSpc>
@@ -2202,29 +3460,18 @@
             <a:buChar char="••"/>
           </a:pPr>
           <a:r>
-            <a:rPr lang="es-AR" sz="1200" kern="1200" dirty="0" smtClean="0"/>
-            <a:t>Integración de todos los modelos utilizados</a:t>
+            <a:rPr lang="es-AR" sz="1400" kern="1200" dirty="0" smtClean="0"/>
+            <a:t>Ensamble de los </a:t>
           </a:r>
-          <a:endParaRPr lang="es-ES" sz="1200" kern="1200" dirty="0"/>
-        </a:p>
-        <a:p>
-          <a:pPr marL="114300" lvl="1" indent="-114300" algn="l" defTabSz="533400">
-            <a:lnSpc>
-              <a:spcPct val="90000"/>
-            </a:lnSpc>
-            <a:spcBef>
-              <a:spcPct val="0"/>
-            </a:spcBef>
-            <a:spcAft>
-              <a:spcPct val="15000"/>
-            </a:spcAft>
-            <a:buChar char="••"/>
-          </a:pPr>
           <a:r>
-            <a:rPr lang="es-AR" sz="1200" kern="1200" dirty="0" smtClean="0"/>
-            <a:t>Clasificación Final</a:t>
+            <a:rPr lang="es-AR" sz="1400" kern="1200" dirty="0" smtClean="0"/>
+            <a:t>modelos </a:t>
           </a:r>
-          <a:endParaRPr lang="es-ES" sz="1200" kern="1200" dirty="0"/>
+          <a:r>
+            <a:rPr lang="es-AR" sz="1400" kern="1200" dirty="0" smtClean="0"/>
+            <a:t>utilizados</a:t>
+          </a:r>
+          <a:endParaRPr lang="es-ES" sz="1400" kern="1200" dirty="0"/>
         </a:p>
       </dsp:txBody>
       <dsp:txXfrm>
@@ -2515,6 +3762,1007 @@
       <dsp:txXfrm>
         <a:off x="6670466" y="1410772"/>
         <a:ext cx="1448250" cy="555116"/>
+      </dsp:txXfrm>
+    </dsp:sp>
+  </dsp:spTree>
+</dsp:drawing>
+</file>
+
+<file path=ppt/diagrams/drawing2.xml><?xml version="1.0" encoding="utf-8"?>
+<dsp:drawing xmlns:dgm="http://schemas.openxmlformats.org/drawingml/2006/diagram" xmlns:dsp="http://schemas.microsoft.com/office/drawing/2008/diagram" xmlns:a="http://schemas.openxmlformats.org/drawingml/2006/main">
+  <dsp:spTree>
+    <dsp:nvGrpSpPr>
+      <dsp:cNvPr id="0" name=""/>
+      <dsp:cNvGrpSpPr/>
+    </dsp:nvGrpSpPr>
+    <dsp:grpSpPr/>
+    <dsp:sp modelId="{07EE1AFD-BBE2-417A-8645-91E2DB518E8E}">
+      <dsp:nvSpPr>
+        <dsp:cNvPr id="0" name=""/>
+        <dsp:cNvSpPr/>
+      </dsp:nvSpPr>
+      <dsp:spPr>
+        <a:xfrm>
+          <a:off x="2346471" y="3066650"/>
+          <a:ext cx="1641951" cy="1641951"/>
+        </a:xfrm>
+        <a:prstGeom prst="ellipse">
+          <a:avLst/>
+        </a:prstGeom>
+        <a:solidFill>
+          <a:schemeClr val="accent1">
+            <a:hueOff val="0"/>
+            <a:satOff val="0"/>
+            <a:lumOff val="0"/>
+            <a:alphaOff val="0"/>
+          </a:schemeClr>
+        </a:solidFill>
+        <a:ln w="25400" cap="flat" cmpd="sng" algn="ctr">
+          <a:solidFill>
+            <a:schemeClr val="lt1">
+              <a:hueOff val="0"/>
+              <a:satOff val="0"/>
+              <a:lumOff val="0"/>
+              <a:alphaOff val="0"/>
+            </a:schemeClr>
+          </a:solidFill>
+          <a:prstDash val="solid"/>
+        </a:ln>
+        <a:effectLst/>
+      </dsp:spPr>
+      <dsp:style>
+        <a:lnRef idx="2">
+          <a:scrgbClr r="0" g="0" b="0"/>
+        </a:lnRef>
+        <a:fillRef idx="1">
+          <a:scrgbClr r="0" g="0" b="0"/>
+        </a:fillRef>
+        <a:effectRef idx="0">
+          <a:scrgbClr r="0" g="0" b="0"/>
+        </a:effectRef>
+        <a:fontRef idx="minor">
+          <a:schemeClr val="lt1"/>
+        </a:fontRef>
+      </dsp:style>
+      <dsp:txBody>
+        <a:bodyPr spcFirstLastPara="0" vert="horz" wrap="square" lIns="13335" tIns="13335" rIns="13335" bIns="13335" numCol="1" spcCol="1270" anchor="ctr" anchorCtr="0">
+          <a:noAutofit/>
+        </a:bodyPr>
+        <a:lstStyle/>
+        <a:p>
+          <a:pPr lvl="0" algn="ctr" defTabSz="933450">
+            <a:lnSpc>
+              <a:spcPct val="90000"/>
+            </a:lnSpc>
+            <a:spcBef>
+              <a:spcPct val="0"/>
+            </a:spcBef>
+            <a:spcAft>
+              <a:spcPct val="35000"/>
+            </a:spcAft>
+          </a:pPr>
+          <a:r>
+            <a:rPr lang="es-AR" sz="2100" b="1" kern="1200" dirty="0" smtClean="0"/>
+            <a:t>Regresión </a:t>
+          </a:r>
+          <a:r>
+            <a:rPr lang="es-AR" sz="2100" b="1" kern="1200" dirty="0" err="1" smtClean="0"/>
+            <a:t>Logistica</a:t>
+          </a:r>
+          <a:endParaRPr lang="es-ES" sz="2100" b="1" kern="1200" dirty="0"/>
+        </a:p>
+      </dsp:txBody>
+      <dsp:txXfrm>
+        <a:off x="2586929" y="3307108"/>
+        <a:ext cx="1161035" cy="1161035"/>
+      </dsp:txXfrm>
+    </dsp:sp>
+    <dsp:sp modelId="{1FE83C03-E1EC-4412-9327-63EC1DE4F44F}">
+      <dsp:nvSpPr>
+        <dsp:cNvPr id="0" name=""/>
+        <dsp:cNvSpPr/>
+      </dsp:nvSpPr>
+      <dsp:spPr>
+        <a:xfrm rot="10800000">
+          <a:off x="431566" y="3653647"/>
+          <a:ext cx="1809585" cy="467956"/>
+        </a:xfrm>
+        <a:prstGeom prst="leftArrow">
+          <a:avLst>
+            <a:gd name="adj1" fmla="val 60000"/>
+            <a:gd name="adj2" fmla="val 50000"/>
+          </a:avLst>
+        </a:prstGeom>
+        <a:solidFill>
+          <a:schemeClr val="accent1">
+            <a:tint val="60000"/>
+            <a:hueOff val="0"/>
+            <a:satOff val="0"/>
+            <a:lumOff val="0"/>
+            <a:alphaOff val="0"/>
+          </a:schemeClr>
+        </a:solidFill>
+        <a:ln>
+          <a:noFill/>
+        </a:ln>
+        <a:effectLst/>
+      </dsp:spPr>
+      <dsp:style>
+        <a:lnRef idx="0">
+          <a:scrgbClr r="0" g="0" b="0"/>
+        </a:lnRef>
+        <a:fillRef idx="1">
+          <a:scrgbClr r="0" g="0" b="0"/>
+        </a:fillRef>
+        <a:effectRef idx="0">
+          <a:scrgbClr r="0" g="0" b="0"/>
+        </a:effectRef>
+        <a:fontRef idx="minor">
+          <a:schemeClr val="lt1"/>
+        </a:fontRef>
+      </dsp:style>
+    </dsp:sp>
+    <dsp:sp modelId="{70EC6468-9B8E-4DE7-A63C-AF2E3CA35EEE}">
+      <dsp:nvSpPr>
+        <dsp:cNvPr id="0" name=""/>
+        <dsp:cNvSpPr/>
+      </dsp:nvSpPr>
+      <dsp:spPr>
+        <a:xfrm>
+          <a:off x="-143116" y="3427879"/>
+          <a:ext cx="1149365" cy="919492"/>
+        </a:xfrm>
+        <a:prstGeom prst="roundRect">
+          <a:avLst>
+            <a:gd name="adj" fmla="val 10000"/>
+          </a:avLst>
+        </a:prstGeom>
+        <a:solidFill>
+          <a:schemeClr val="accent1">
+            <a:hueOff val="0"/>
+            <a:satOff val="0"/>
+            <a:lumOff val="0"/>
+            <a:alphaOff val="0"/>
+          </a:schemeClr>
+        </a:solidFill>
+        <a:ln w="25400" cap="flat" cmpd="sng" algn="ctr">
+          <a:solidFill>
+            <a:schemeClr val="lt1">
+              <a:hueOff val="0"/>
+              <a:satOff val="0"/>
+              <a:lumOff val="0"/>
+              <a:alphaOff val="0"/>
+            </a:schemeClr>
+          </a:solidFill>
+          <a:prstDash val="solid"/>
+        </a:ln>
+        <a:effectLst/>
+      </dsp:spPr>
+      <dsp:style>
+        <a:lnRef idx="2">
+          <a:scrgbClr r="0" g="0" b="0"/>
+        </a:lnRef>
+        <a:fillRef idx="1">
+          <a:scrgbClr r="0" g="0" b="0"/>
+        </a:fillRef>
+        <a:effectRef idx="0">
+          <a:scrgbClr r="0" g="0" b="0"/>
+        </a:effectRef>
+        <a:fontRef idx="minor">
+          <a:schemeClr val="lt1"/>
+        </a:fontRef>
+      </dsp:style>
+      <dsp:txBody>
+        <a:bodyPr spcFirstLastPara="0" vert="horz" wrap="square" lIns="32385" tIns="32385" rIns="32385" bIns="32385" numCol="1" spcCol="1270" anchor="ctr" anchorCtr="0">
+          <a:noAutofit/>
+        </a:bodyPr>
+        <a:lstStyle/>
+        <a:p>
+          <a:pPr lvl="0" algn="ctr" defTabSz="755650">
+            <a:lnSpc>
+              <a:spcPct val="90000"/>
+            </a:lnSpc>
+            <a:spcBef>
+              <a:spcPct val="0"/>
+            </a:spcBef>
+            <a:spcAft>
+              <a:spcPct val="35000"/>
+            </a:spcAft>
+          </a:pPr>
+          <a:r>
+            <a:rPr lang="es-AR" sz="1700" b="1" kern="1200" dirty="0" err="1" smtClean="0"/>
+            <a:t>Naive</a:t>
+          </a:r>
+          <a:r>
+            <a:rPr lang="es-AR" sz="1700" b="1" kern="1200" dirty="0" smtClean="0"/>
+            <a:t> </a:t>
+          </a:r>
+          <a:r>
+            <a:rPr lang="es-AR" sz="1700" b="1" kern="1200" dirty="0" err="1" smtClean="0"/>
+            <a:t>Bayes</a:t>
+          </a:r>
+          <a:endParaRPr lang="es-ES" sz="1700" b="1" kern="1200" dirty="0"/>
+        </a:p>
+      </dsp:txBody>
+      <dsp:txXfrm>
+        <a:off x="-116185" y="3454810"/>
+        <a:ext cx="1095503" cy="865630"/>
+      </dsp:txXfrm>
+    </dsp:sp>
+    <dsp:sp modelId="{4D5EBBD6-8A5E-40A3-BC9E-02AC1060DEA0}">
+      <dsp:nvSpPr>
+        <dsp:cNvPr id="0" name=""/>
+        <dsp:cNvSpPr/>
+      </dsp:nvSpPr>
+      <dsp:spPr>
+        <a:xfrm rot="12600000">
+          <a:off x="676886" y="2738103"/>
+          <a:ext cx="1809585" cy="467956"/>
+        </a:xfrm>
+        <a:prstGeom prst="leftArrow">
+          <a:avLst>
+            <a:gd name="adj1" fmla="val 60000"/>
+            <a:gd name="adj2" fmla="val 50000"/>
+          </a:avLst>
+        </a:prstGeom>
+        <a:solidFill>
+          <a:schemeClr val="accent1">
+            <a:tint val="60000"/>
+            <a:hueOff val="0"/>
+            <a:satOff val="0"/>
+            <a:lumOff val="0"/>
+            <a:alphaOff val="0"/>
+          </a:schemeClr>
+        </a:solidFill>
+        <a:ln>
+          <a:noFill/>
+        </a:ln>
+        <a:effectLst/>
+      </dsp:spPr>
+      <dsp:style>
+        <a:lnRef idx="0">
+          <a:scrgbClr r="0" g="0" b="0"/>
+        </a:lnRef>
+        <a:fillRef idx="1">
+          <a:scrgbClr r="0" g="0" b="0"/>
+        </a:fillRef>
+        <a:effectRef idx="0">
+          <a:scrgbClr r="0" g="0" b="0"/>
+        </a:effectRef>
+        <a:fontRef idx="minor">
+          <a:schemeClr val="lt1"/>
+        </a:fontRef>
+      </dsp:style>
+    </dsp:sp>
+    <dsp:sp modelId="{00A92E9F-EE94-436E-A82A-6549E15CEB03}">
+      <dsp:nvSpPr>
+        <dsp:cNvPr id="0" name=""/>
+        <dsp:cNvSpPr/>
+      </dsp:nvSpPr>
+      <dsp:spPr>
+        <a:xfrm>
+          <a:off x="223422" y="2059939"/>
+          <a:ext cx="1149365" cy="919492"/>
+        </a:xfrm>
+        <a:prstGeom prst="roundRect">
+          <a:avLst>
+            <a:gd name="adj" fmla="val 10000"/>
+          </a:avLst>
+        </a:prstGeom>
+        <a:solidFill>
+          <a:schemeClr val="accent1">
+            <a:hueOff val="0"/>
+            <a:satOff val="0"/>
+            <a:lumOff val="0"/>
+            <a:alphaOff val="0"/>
+          </a:schemeClr>
+        </a:solidFill>
+        <a:ln w="25400" cap="flat" cmpd="sng" algn="ctr">
+          <a:solidFill>
+            <a:schemeClr val="lt1">
+              <a:hueOff val="0"/>
+              <a:satOff val="0"/>
+              <a:lumOff val="0"/>
+              <a:alphaOff val="0"/>
+            </a:schemeClr>
+          </a:solidFill>
+          <a:prstDash val="solid"/>
+        </a:ln>
+        <a:effectLst/>
+      </dsp:spPr>
+      <dsp:style>
+        <a:lnRef idx="2">
+          <a:scrgbClr r="0" g="0" b="0"/>
+        </a:lnRef>
+        <a:fillRef idx="1">
+          <a:scrgbClr r="0" g="0" b="0"/>
+        </a:fillRef>
+        <a:effectRef idx="0">
+          <a:scrgbClr r="0" g="0" b="0"/>
+        </a:effectRef>
+        <a:fontRef idx="minor">
+          <a:schemeClr val="lt1"/>
+        </a:fontRef>
+      </dsp:style>
+      <dsp:txBody>
+        <a:bodyPr spcFirstLastPara="0" vert="horz" wrap="square" lIns="32385" tIns="32385" rIns="32385" bIns="32385" numCol="1" spcCol="1270" anchor="ctr" anchorCtr="0">
+          <a:noAutofit/>
+        </a:bodyPr>
+        <a:lstStyle/>
+        <a:p>
+          <a:pPr lvl="0" algn="ctr" defTabSz="755650">
+            <a:lnSpc>
+              <a:spcPct val="90000"/>
+            </a:lnSpc>
+            <a:spcBef>
+              <a:spcPct val="0"/>
+            </a:spcBef>
+            <a:spcAft>
+              <a:spcPct val="35000"/>
+            </a:spcAft>
+          </a:pPr>
+          <a:r>
+            <a:rPr lang="es-AR" sz="1700" b="1" kern="1200" dirty="0" smtClean="0"/>
+            <a:t>Regresión logística </a:t>
+          </a:r>
+          <a:endParaRPr lang="es-ES" sz="1700" b="1" kern="1200" dirty="0"/>
+        </a:p>
+      </dsp:txBody>
+      <dsp:txXfrm>
+        <a:off x="250353" y="2086870"/>
+        <a:ext cx="1095503" cy="865630"/>
+      </dsp:txXfrm>
+    </dsp:sp>
+    <dsp:sp modelId="{A535552F-3861-4D3B-8880-3B911743D6C9}">
+      <dsp:nvSpPr>
+        <dsp:cNvPr id="0" name=""/>
+        <dsp:cNvSpPr/>
+      </dsp:nvSpPr>
+      <dsp:spPr>
+        <a:xfrm rot="14400000">
+          <a:off x="1347110" y="2067878"/>
+          <a:ext cx="1809585" cy="467956"/>
+        </a:xfrm>
+        <a:prstGeom prst="leftArrow">
+          <a:avLst>
+            <a:gd name="adj1" fmla="val 60000"/>
+            <a:gd name="adj2" fmla="val 50000"/>
+          </a:avLst>
+        </a:prstGeom>
+        <a:solidFill>
+          <a:schemeClr val="accent1">
+            <a:tint val="60000"/>
+            <a:hueOff val="0"/>
+            <a:satOff val="0"/>
+            <a:lumOff val="0"/>
+            <a:alphaOff val="0"/>
+          </a:schemeClr>
+        </a:solidFill>
+        <a:ln>
+          <a:noFill/>
+        </a:ln>
+        <a:effectLst/>
+      </dsp:spPr>
+      <dsp:style>
+        <a:lnRef idx="0">
+          <a:scrgbClr r="0" g="0" b="0"/>
+        </a:lnRef>
+        <a:fillRef idx="1">
+          <a:scrgbClr r="0" g="0" b="0"/>
+        </a:fillRef>
+        <a:effectRef idx="0">
+          <a:scrgbClr r="0" g="0" b="0"/>
+        </a:effectRef>
+        <a:fontRef idx="minor">
+          <a:schemeClr val="lt1"/>
+        </a:fontRef>
+      </dsp:style>
+    </dsp:sp>
+    <dsp:sp modelId="{32CB75F2-8978-4296-BBDE-AAEDAA6C4F0A}">
+      <dsp:nvSpPr>
+        <dsp:cNvPr id="0" name=""/>
+        <dsp:cNvSpPr/>
+      </dsp:nvSpPr>
+      <dsp:spPr>
+        <a:xfrm>
+          <a:off x="1224824" y="1058537"/>
+          <a:ext cx="1149365" cy="919492"/>
+        </a:xfrm>
+        <a:prstGeom prst="roundRect">
+          <a:avLst>
+            <a:gd name="adj" fmla="val 10000"/>
+          </a:avLst>
+        </a:prstGeom>
+        <a:solidFill>
+          <a:schemeClr val="accent1">
+            <a:hueOff val="0"/>
+            <a:satOff val="0"/>
+            <a:lumOff val="0"/>
+            <a:alphaOff val="0"/>
+          </a:schemeClr>
+        </a:solidFill>
+        <a:ln w="25400" cap="flat" cmpd="sng" algn="ctr">
+          <a:solidFill>
+            <a:schemeClr val="lt1">
+              <a:hueOff val="0"/>
+              <a:satOff val="0"/>
+              <a:lumOff val="0"/>
+              <a:alphaOff val="0"/>
+            </a:schemeClr>
+          </a:solidFill>
+          <a:prstDash val="solid"/>
+        </a:ln>
+        <a:effectLst/>
+      </dsp:spPr>
+      <dsp:style>
+        <a:lnRef idx="2">
+          <a:scrgbClr r="0" g="0" b="0"/>
+        </a:lnRef>
+        <a:fillRef idx="1">
+          <a:scrgbClr r="0" g="0" b="0"/>
+        </a:fillRef>
+        <a:effectRef idx="0">
+          <a:scrgbClr r="0" g="0" b="0"/>
+        </a:effectRef>
+        <a:fontRef idx="minor">
+          <a:schemeClr val="lt1"/>
+        </a:fontRef>
+      </dsp:style>
+      <dsp:txBody>
+        <a:bodyPr spcFirstLastPara="0" vert="horz" wrap="square" lIns="32385" tIns="32385" rIns="32385" bIns="32385" numCol="1" spcCol="1270" anchor="ctr" anchorCtr="0">
+          <a:noAutofit/>
+        </a:bodyPr>
+        <a:lstStyle/>
+        <a:p>
+          <a:pPr lvl="0" algn="ctr" defTabSz="755650">
+            <a:lnSpc>
+              <a:spcPct val="90000"/>
+            </a:lnSpc>
+            <a:spcBef>
+              <a:spcPct val="0"/>
+            </a:spcBef>
+            <a:spcAft>
+              <a:spcPct val="35000"/>
+            </a:spcAft>
+          </a:pPr>
+          <a:r>
+            <a:rPr lang="es-AR" sz="1700" b="1" kern="1200" dirty="0" err="1" smtClean="0"/>
+            <a:t>Xgboost</a:t>
+          </a:r>
+          <a:endParaRPr lang="es-AR" sz="1700" b="1" kern="1200" dirty="0" smtClean="0"/>
+        </a:p>
+      </dsp:txBody>
+      <dsp:txXfrm>
+        <a:off x="1251755" y="1085468"/>
+        <a:ext cx="1095503" cy="865630"/>
+      </dsp:txXfrm>
+    </dsp:sp>
+    <dsp:sp modelId="{A4A90565-FAC4-4B51-AE40-6B122753D79B}">
+      <dsp:nvSpPr>
+        <dsp:cNvPr id="0" name=""/>
+        <dsp:cNvSpPr/>
+      </dsp:nvSpPr>
+      <dsp:spPr>
+        <a:xfrm rot="16200000">
+          <a:off x="2262654" y="1822559"/>
+          <a:ext cx="1809585" cy="467956"/>
+        </a:xfrm>
+        <a:prstGeom prst="leftArrow">
+          <a:avLst>
+            <a:gd name="adj1" fmla="val 60000"/>
+            <a:gd name="adj2" fmla="val 50000"/>
+          </a:avLst>
+        </a:prstGeom>
+        <a:solidFill>
+          <a:schemeClr val="accent1">
+            <a:tint val="60000"/>
+            <a:hueOff val="0"/>
+            <a:satOff val="0"/>
+            <a:lumOff val="0"/>
+            <a:alphaOff val="0"/>
+          </a:schemeClr>
+        </a:solidFill>
+        <a:ln>
+          <a:noFill/>
+        </a:ln>
+        <a:effectLst/>
+      </dsp:spPr>
+      <dsp:style>
+        <a:lnRef idx="0">
+          <a:scrgbClr r="0" g="0" b="0"/>
+        </a:lnRef>
+        <a:fillRef idx="1">
+          <a:scrgbClr r="0" g="0" b="0"/>
+        </a:fillRef>
+        <a:effectRef idx="0">
+          <a:scrgbClr r="0" g="0" b="0"/>
+        </a:effectRef>
+        <a:fontRef idx="minor">
+          <a:schemeClr val="lt1"/>
+        </a:fontRef>
+      </dsp:style>
+    </dsp:sp>
+    <dsp:sp modelId="{5B993DB2-14AF-4E51-96B6-F1A35E79CC3F}">
+      <dsp:nvSpPr>
+        <dsp:cNvPr id="0" name=""/>
+        <dsp:cNvSpPr/>
+      </dsp:nvSpPr>
+      <dsp:spPr>
+        <a:xfrm>
+          <a:off x="2592764" y="691998"/>
+          <a:ext cx="1149365" cy="919492"/>
+        </a:xfrm>
+        <a:prstGeom prst="roundRect">
+          <a:avLst>
+            <a:gd name="adj" fmla="val 10000"/>
+          </a:avLst>
+        </a:prstGeom>
+        <a:solidFill>
+          <a:schemeClr val="accent1">
+            <a:hueOff val="0"/>
+            <a:satOff val="0"/>
+            <a:lumOff val="0"/>
+            <a:alphaOff val="0"/>
+          </a:schemeClr>
+        </a:solidFill>
+        <a:ln w="25400" cap="flat" cmpd="sng" algn="ctr">
+          <a:solidFill>
+            <a:schemeClr val="lt1">
+              <a:hueOff val="0"/>
+              <a:satOff val="0"/>
+              <a:lumOff val="0"/>
+              <a:alphaOff val="0"/>
+            </a:schemeClr>
+          </a:solidFill>
+          <a:prstDash val="solid"/>
+        </a:ln>
+        <a:effectLst/>
+      </dsp:spPr>
+      <dsp:style>
+        <a:lnRef idx="2">
+          <a:scrgbClr r="0" g="0" b="0"/>
+        </a:lnRef>
+        <a:fillRef idx="1">
+          <a:scrgbClr r="0" g="0" b="0"/>
+        </a:fillRef>
+        <a:effectRef idx="0">
+          <a:scrgbClr r="0" g="0" b="0"/>
+        </a:effectRef>
+        <a:fontRef idx="minor">
+          <a:schemeClr val="lt1"/>
+        </a:fontRef>
+      </dsp:style>
+      <dsp:txBody>
+        <a:bodyPr spcFirstLastPara="0" vert="horz" wrap="square" lIns="32385" tIns="32385" rIns="32385" bIns="32385" numCol="1" spcCol="1270" anchor="ctr" anchorCtr="0">
+          <a:noAutofit/>
+        </a:bodyPr>
+        <a:lstStyle/>
+        <a:p>
+          <a:pPr lvl="0" algn="ctr" defTabSz="755650">
+            <a:lnSpc>
+              <a:spcPct val="90000"/>
+            </a:lnSpc>
+            <a:spcBef>
+              <a:spcPct val="0"/>
+            </a:spcBef>
+            <a:spcAft>
+              <a:spcPct val="35000"/>
+            </a:spcAft>
+          </a:pPr>
+          <a:r>
+            <a:rPr lang="es-AR" sz="1700" b="1" kern="1200" dirty="0" smtClean="0"/>
+            <a:t>Light </a:t>
+          </a:r>
+          <a:r>
+            <a:rPr lang="es-AR" sz="1700" b="1" kern="1200" dirty="0" err="1" smtClean="0"/>
+            <a:t>xgboost</a:t>
+          </a:r>
+          <a:endParaRPr lang="es-AR" sz="1700" b="1" kern="1200" dirty="0" smtClean="0"/>
+        </a:p>
+      </dsp:txBody>
+      <dsp:txXfrm>
+        <a:off x="2619695" y="718929"/>
+        <a:ext cx="1095503" cy="865630"/>
+      </dsp:txXfrm>
+    </dsp:sp>
+    <dsp:sp modelId="{6746D7EA-6F9F-414D-81A9-9672234A73B8}">
+      <dsp:nvSpPr>
+        <dsp:cNvPr id="0" name=""/>
+        <dsp:cNvSpPr/>
+      </dsp:nvSpPr>
+      <dsp:spPr>
+        <a:xfrm rot="18000000">
+          <a:off x="3178198" y="2067878"/>
+          <a:ext cx="1809585" cy="467956"/>
+        </a:xfrm>
+        <a:prstGeom prst="leftArrow">
+          <a:avLst>
+            <a:gd name="adj1" fmla="val 60000"/>
+            <a:gd name="adj2" fmla="val 50000"/>
+          </a:avLst>
+        </a:prstGeom>
+        <a:solidFill>
+          <a:schemeClr val="accent1">
+            <a:tint val="60000"/>
+            <a:hueOff val="0"/>
+            <a:satOff val="0"/>
+            <a:lumOff val="0"/>
+            <a:alphaOff val="0"/>
+          </a:schemeClr>
+        </a:solidFill>
+        <a:ln>
+          <a:noFill/>
+        </a:ln>
+        <a:effectLst/>
+      </dsp:spPr>
+      <dsp:style>
+        <a:lnRef idx="0">
+          <a:scrgbClr r="0" g="0" b="0"/>
+        </a:lnRef>
+        <a:fillRef idx="1">
+          <a:scrgbClr r="0" g="0" b="0"/>
+        </a:fillRef>
+        <a:effectRef idx="0">
+          <a:scrgbClr r="0" g="0" b="0"/>
+        </a:effectRef>
+        <a:fontRef idx="minor">
+          <a:schemeClr val="lt1"/>
+        </a:fontRef>
+      </dsp:style>
+    </dsp:sp>
+    <dsp:sp modelId="{38C87598-36B8-4EE7-9458-AB406A8D339A}">
+      <dsp:nvSpPr>
+        <dsp:cNvPr id="0" name=""/>
+        <dsp:cNvSpPr/>
+      </dsp:nvSpPr>
+      <dsp:spPr>
+        <a:xfrm>
+          <a:off x="3960704" y="1058537"/>
+          <a:ext cx="1149365" cy="919492"/>
+        </a:xfrm>
+        <a:prstGeom prst="roundRect">
+          <a:avLst>
+            <a:gd name="adj" fmla="val 10000"/>
+          </a:avLst>
+        </a:prstGeom>
+        <a:solidFill>
+          <a:schemeClr val="accent1">
+            <a:hueOff val="0"/>
+            <a:satOff val="0"/>
+            <a:lumOff val="0"/>
+            <a:alphaOff val="0"/>
+          </a:schemeClr>
+        </a:solidFill>
+        <a:ln w="25400" cap="flat" cmpd="sng" algn="ctr">
+          <a:solidFill>
+            <a:schemeClr val="lt1">
+              <a:hueOff val="0"/>
+              <a:satOff val="0"/>
+              <a:lumOff val="0"/>
+              <a:alphaOff val="0"/>
+            </a:schemeClr>
+          </a:solidFill>
+          <a:prstDash val="solid"/>
+        </a:ln>
+        <a:effectLst/>
+      </dsp:spPr>
+      <dsp:style>
+        <a:lnRef idx="2">
+          <a:scrgbClr r="0" g="0" b="0"/>
+        </a:lnRef>
+        <a:fillRef idx="1">
+          <a:scrgbClr r="0" g="0" b="0"/>
+        </a:fillRef>
+        <a:effectRef idx="0">
+          <a:scrgbClr r="0" g="0" b="0"/>
+        </a:effectRef>
+        <a:fontRef idx="minor">
+          <a:schemeClr val="lt1"/>
+        </a:fontRef>
+      </dsp:style>
+      <dsp:txBody>
+        <a:bodyPr spcFirstLastPara="0" vert="horz" wrap="square" lIns="32385" tIns="32385" rIns="32385" bIns="32385" numCol="1" spcCol="1270" anchor="ctr" anchorCtr="0">
+          <a:noAutofit/>
+        </a:bodyPr>
+        <a:lstStyle/>
+        <a:p>
+          <a:pPr lvl="0" algn="ctr" defTabSz="755650">
+            <a:lnSpc>
+              <a:spcPct val="90000"/>
+            </a:lnSpc>
+            <a:spcBef>
+              <a:spcPct val="0"/>
+            </a:spcBef>
+            <a:spcAft>
+              <a:spcPct val="35000"/>
+            </a:spcAft>
+          </a:pPr>
+          <a:r>
+            <a:rPr lang="es-AR" sz="1700" b="1" kern="1200" dirty="0" err="1" smtClean="0"/>
+            <a:t>Adaboost</a:t>
+          </a:r>
+          <a:endParaRPr lang="es-AR" sz="1700" b="1" kern="1200" dirty="0" smtClean="0"/>
+        </a:p>
+      </dsp:txBody>
+      <dsp:txXfrm>
+        <a:off x="3987635" y="1085468"/>
+        <a:ext cx="1095503" cy="865630"/>
+      </dsp:txXfrm>
+    </dsp:sp>
+    <dsp:sp modelId="{77EF4A3E-0C64-438C-B1EF-62E7B3282A94}">
+      <dsp:nvSpPr>
+        <dsp:cNvPr id="0" name=""/>
+        <dsp:cNvSpPr/>
+      </dsp:nvSpPr>
+      <dsp:spPr>
+        <a:xfrm rot="19800000">
+          <a:off x="3848423" y="2738103"/>
+          <a:ext cx="1809585" cy="467956"/>
+        </a:xfrm>
+        <a:prstGeom prst="leftArrow">
+          <a:avLst>
+            <a:gd name="adj1" fmla="val 60000"/>
+            <a:gd name="adj2" fmla="val 50000"/>
+          </a:avLst>
+        </a:prstGeom>
+        <a:solidFill>
+          <a:schemeClr val="accent1">
+            <a:tint val="60000"/>
+            <a:hueOff val="0"/>
+            <a:satOff val="0"/>
+            <a:lumOff val="0"/>
+            <a:alphaOff val="0"/>
+          </a:schemeClr>
+        </a:solidFill>
+        <a:ln>
+          <a:noFill/>
+        </a:ln>
+        <a:effectLst/>
+      </dsp:spPr>
+      <dsp:style>
+        <a:lnRef idx="0">
+          <a:scrgbClr r="0" g="0" b="0"/>
+        </a:lnRef>
+        <a:fillRef idx="1">
+          <a:scrgbClr r="0" g="0" b="0"/>
+        </a:fillRef>
+        <a:effectRef idx="0">
+          <a:scrgbClr r="0" g="0" b="0"/>
+        </a:effectRef>
+        <a:fontRef idx="minor">
+          <a:schemeClr val="lt1"/>
+        </a:fontRef>
+      </dsp:style>
+    </dsp:sp>
+    <dsp:sp modelId="{562732B9-9C71-41CA-9171-C7E15BE301B0}">
+      <dsp:nvSpPr>
+        <dsp:cNvPr id="0" name=""/>
+        <dsp:cNvSpPr/>
+      </dsp:nvSpPr>
+      <dsp:spPr>
+        <a:xfrm>
+          <a:off x="4962106" y="2059939"/>
+          <a:ext cx="1149365" cy="919492"/>
+        </a:xfrm>
+        <a:prstGeom prst="roundRect">
+          <a:avLst>
+            <a:gd name="adj" fmla="val 10000"/>
+          </a:avLst>
+        </a:prstGeom>
+        <a:solidFill>
+          <a:schemeClr val="accent1">
+            <a:hueOff val="0"/>
+            <a:satOff val="0"/>
+            <a:lumOff val="0"/>
+            <a:alphaOff val="0"/>
+          </a:schemeClr>
+        </a:solidFill>
+        <a:ln w="25400" cap="flat" cmpd="sng" algn="ctr">
+          <a:solidFill>
+            <a:schemeClr val="lt1">
+              <a:hueOff val="0"/>
+              <a:satOff val="0"/>
+              <a:lumOff val="0"/>
+              <a:alphaOff val="0"/>
+            </a:schemeClr>
+          </a:solidFill>
+          <a:prstDash val="solid"/>
+        </a:ln>
+        <a:effectLst/>
+      </dsp:spPr>
+      <dsp:style>
+        <a:lnRef idx="2">
+          <a:scrgbClr r="0" g="0" b="0"/>
+        </a:lnRef>
+        <a:fillRef idx="1">
+          <a:scrgbClr r="0" g="0" b="0"/>
+        </a:fillRef>
+        <a:effectRef idx="0">
+          <a:scrgbClr r="0" g="0" b="0"/>
+        </a:effectRef>
+        <a:fontRef idx="minor">
+          <a:schemeClr val="lt1"/>
+        </a:fontRef>
+      </dsp:style>
+      <dsp:txBody>
+        <a:bodyPr spcFirstLastPara="0" vert="horz" wrap="square" lIns="32385" tIns="32385" rIns="32385" bIns="32385" numCol="1" spcCol="1270" anchor="ctr" anchorCtr="0">
+          <a:noAutofit/>
+        </a:bodyPr>
+        <a:lstStyle/>
+        <a:p>
+          <a:pPr lvl="0" algn="ctr" defTabSz="755650">
+            <a:lnSpc>
+              <a:spcPct val="90000"/>
+            </a:lnSpc>
+            <a:spcBef>
+              <a:spcPct val="0"/>
+            </a:spcBef>
+            <a:spcAft>
+              <a:spcPct val="35000"/>
+            </a:spcAft>
+          </a:pPr>
+          <a:r>
+            <a:rPr lang="es-AR" sz="1700" b="1" kern="1200" dirty="0" err="1" smtClean="0"/>
+            <a:t>Random</a:t>
+          </a:r>
+          <a:r>
+            <a:rPr lang="es-AR" sz="1700" b="1" kern="1200" dirty="0" smtClean="0"/>
+            <a:t> </a:t>
+          </a:r>
+          <a:r>
+            <a:rPr lang="es-AR" sz="1700" b="1" kern="1200" dirty="0" err="1" smtClean="0"/>
+            <a:t>forest</a:t>
+          </a:r>
+          <a:endParaRPr lang="es-AR" sz="1700" b="1" kern="1200" dirty="0" smtClean="0"/>
+        </a:p>
+      </dsp:txBody>
+      <dsp:txXfrm>
+        <a:off x="4989037" y="2086870"/>
+        <a:ext cx="1095503" cy="865630"/>
+      </dsp:txXfrm>
+    </dsp:sp>
+    <dsp:sp modelId="{98B66048-085F-4E0E-A5F5-7DB7FBBDC2F2}">
+      <dsp:nvSpPr>
+        <dsp:cNvPr id="0" name=""/>
+        <dsp:cNvSpPr/>
+      </dsp:nvSpPr>
+      <dsp:spPr>
+        <a:xfrm>
+          <a:off x="4093742" y="3653647"/>
+          <a:ext cx="1809585" cy="467956"/>
+        </a:xfrm>
+        <a:prstGeom prst="leftArrow">
+          <a:avLst>
+            <a:gd name="adj1" fmla="val 60000"/>
+            <a:gd name="adj2" fmla="val 50000"/>
+          </a:avLst>
+        </a:prstGeom>
+        <a:solidFill>
+          <a:schemeClr val="accent1">
+            <a:tint val="60000"/>
+            <a:hueOff val="0"/>
+            <a:satOff val="0"/>
+            <a:lumOff val="0"/>
+            <a:alphaOff val="0"/>
+          </a:schemeClr>
+        </a:solidFill>
+        <a:ln>
+          <a:noFill/>
+        </a:ln>
+        <a:effectLst/>
+      </dsp:spPr>
+      <dsp:style>
+        <a:lnRef idx="0">
+          <a:scrgbClr r="0" g="0" b="0"/>
+        </a:lnRef>
+        <a:fillRef idx="1">
+          <a:scrgbClr r="0" g="0" b="0"/>
+        </a:fillRef>
+        <a:effectRef idx="0">
+          <a:scrgbClr r="0" g="0" b="0"/>
+        </a:effectRef>
+        <a:fontRef idx="minor">
+          <a:schemeClr val="lt1"/>
+        </a:fontRef>
+      </dsp:style>
+    </dsp:sp>
+    <dsp:sp modelId="{16C27731-8B7E-4FC7-A124-AAAB2AFBB7A5}">
+      <dsp:nvSpPr>
+        <dsp:cNvPr id="0" name=""/>
+        <dsp:cNvSpPr/>
+      </dsp:nvSpPr>
+      <dsp:spPr>
+        <a:xfrm>
+          <a:off x="5038803" y="3204355"/>
+          <a:ext cx="1729048" cy="1366540"/>
+        </a:xfrm>
+        <a:prstGeom prst="roundRect">
+          <a:avLst>
+            <a:gd name="adj" fmla="val 10000"/>
+          </a:avLst>
+        </a:prstGeom>
+        <a:solidFill>
+          <a:schemeClr val="accent1">
+            <a:hueOff val="0"/>
+            <a:satOff val="0"/>
+            <a:lumOff val="0"/>
+            <a:alphaOff val="0"/>
+          </a:schemeClr>
+        </a:solidFill>
+        <a:ln w="25400" cap="flat" cmpd="sng" algn="ctr">
+          <a:solidFill>
+            <a:schemeClr val="lt1">
+              <a:hueOff val="0"/>
+              <a:satOff val="0"/>
+              <a:lumOff val="0"/>
+              <a:alphaOff val="0"/>
+            </a:schemeClr>
+          </a:solidFill>
+          <a:prstDash val="solid"/>
+        </a:ln>
+        <a:effectLst/>
+      </dsp:spPr>
+      <dsp:style>
+        <a:lnRef idx="2">
+          <a:scrgbClr r="0" g="0" b="0"/>
+        </a:lnRef>
+        <a:fillRef idx="1">
+          <a:scrgbClr r="0" g="0" b="0"/>
+        </a:fillRef>
+        <a:effectRef idx="0">
+          <a:scrgbClr r="0" g="0" b="0"/>
+        </a:effectRef>
+        <a:fontRef idx="minor">
+          <a:schemeClr val="lt1"/>
+        </a:fontRef>
+      </dsp:style>
+      <dsp:txBody>
+        <a:bodyPr spcFirstLastPara="0" vert="horz" wrap="square" lIns="32385" tIns="32385" rIns="32385" bIns="32385" numCol="1" spcCol="1270" anchor="ctr" anchorCtr="0">
+          <a:noAutofit/>
+        </a:bodyPr>
+        <a:lstStyle/>
+        <a:p>
+          <a:pPr lvl="0" algn="ctr" defTabSz="755650">
+            <a:lnSpc>
+              <a:spcPct val="90000"/>
+            </a:lnSpc>
+            <a:spcBef>
+              <a:spcPct val="0"/>
+            </a:spcBef>
+            <a:spcAft>
+              <a:spcPct val="35000"/>
+            </a:spcAft>
+          </a:pPr>
+          <a:r>
+            <a:rPr lang="es-AR" sz="1700" b="1" kern="1200" dirty="0" err="1" smtClean="0"/>
+            <a:t>Features</a:t>
+          </a:r>
+          <a:r>
+            <a:rPr lang="es-AR" sz="1700" b="1" kern="1200" dirty="0" smtClean="0"/>
+            <a:t> Comportamiento</a:t>
+          </a:r>
+        </a:p>
+        <a:p>
+          <a:pPr lvl="0" algn="ctr" defTabSz="755650">
+            <a:lnSpc>
+              <a:spcPct val="90000"/>
+            </a:lnSpc>
+            <a:spcBef>
+              <a:spcPct val="0"/>
+            </a:spcBef>
+            <a:spcAft>
+              <a:spcPct val="35000"/>
+            </a:spcAft>
+          </a:pPr>
+          <a:r>
+            <a:rPr lang="es-AR" sz="1700" b="1" kern="1200" dirty="0" smtClean="0"/>
+            <a:t>*</a:t>
+          </a:r>
+        </a:p>
+      </dsp:txBody>
+      <dsp:txXfrm>
+        <a:off x="5078828" y="3244380"/>
+        <a:ext cx="1648998" cy="1286490"/>
       </dsp:txXfrm>
     </dsp:sp>
   </dsp:spTree>
@@ -3065,7 +5313,1301 @@
 </dgm:layoutDef>
 </file>
 
+<file path=ppt/diagrams/layout2.xml><?xml version="1.0" encoding="utf-8"?>
+<dgm:layoutDef xmlns:dgm="http://schemas.openxmlformats.org/drawingml/2006/diagram" xmlns:a="http://schemas.openxmlformats.org/drawingml/2006/main" uniqueId="urn:microsoft.com/office/officeart/2005/8/layout/radial4">
+  <dgm:title val=""/>
+  <dgm:desc val=""/>
+  <dgm:catLst>
+    <dgm:cat type="relationship" pri="19000"/>
+  </dgm:catLst>
+  <dgm:sampData>
+    <dgm:dataModel>
+      <dgm:ptLst>
+        <dgm:pt modelId="0" type="doc"/>
+        <dgm:pt modelId="1">
+          <dgm:prSet phldr="1"/>
+        </dgm:pt>
+        <dgm:pt modelId="11">
+          <dgm:prSet phldr="1"/>
+        </dgm:pt>
+        <dgm:pt modelId="12">
+          <dgm:prSet phldr="1"/>
+        </dgm:pt>
+        <dgm:pt modelId="13">
+          <dgm:prSet phldr="1"/>
+        </dgm:pt>
+      </dgm:ptLst>
+      <dgm:cxnLst>
+        <dgm:cxn modelId="2" srcId="0" destId="1" srcOrd="0" destOrd="0"/>
+        <dgm:cxn modelId="3" srcId="1" destId="11" srcOrd="0" destOrd="0"/>
+        <dgm:cxn modelId="4" srcId="1" destId="12" srcOrd="1" destOrd="0"/>
+        <dgm:cxn modelId="5" srcId="1" destId="13" srcOrd="2" destOrd="0"/>
+      </dgm:cxnLst>
+      <dgm:bg/>
+      <dgm:whole/>
+    </dgm:dataModel>
+  </dgm:sampData>
+  <dgm:styleData>
+    <dgm:dataModel>
+      <dgm:ptLst>
+        <dgm:pt modelId="0" type="doc"/>
+        <dgm:pt modelId="1"/>
+        <dgm:pt modelId="11"/>
+        <dgm:pt modelId="12"/>
+      </dgm:ptLst>
+      <dgm:cxnLst>
+        <dgm:cxn modelId="2" srcId="0" destId="1" srcOrd="0" destOrd="0"/>
+        <dgm:cxn modelId="15" srcId="1" destId="11" srcOrd="0" destOrd="0"/>
+        <dgm:cxn modelId="16" srcId="1" destId="12" srcOrd="1" destOrd="0"/>
+      </dgm:cxnLst>
+      <dgm:bg/>
+      <dgm:whole/>
+    </dgm:dataModel>
+  </dgm:styleData>
+  <dgm:clrData>
+    <dgm:dataModel>
+      <dgm:ptLst>
+        <dgm:pt modelId="0" type="doc"/>
+        <dgm:pt modelId="1"/>
+        <dgm:pt modelId="11"/>
+        <dgm:pt modelId="12"/>
+        <dgm:pt modelId="13"/>
+        <dgm:pt modelId="14"/>
+        <dgm:pt modelId="15"/>
+        <dgm:pt modelId="16"/>
+      </dgm:ptLst>
+      <dgm:cxnLst>
+        <dgm:cxn modelId="2" srcId="0" destId="1" srcOrd="0" destOrd="0"/>
+        <dgm:cxn modelId="16" srcId="1" destId="11" srcOrd="0" destOrd="0"/>
+        <dgm:cxn modelId="17" srcId="1" destId="12" srcOrd="1" destOrd="0"/>
+        <dgm:cxn modelId="18" srcId="1" destId="13" srcOrd="2" destOrd="0"/>
+        <dgm:cxn modelId="19" srcId="1" destId="14" srcOrd="3" destOrd="0"/>
+        <dgm:cxn modelId="20" srcId="1" destId="15" srcOrd="4" destOrd="0"/>
+        <dgm:cxn modelId="21" srcId="1" destId="16" srcOrd="5" destOrd="0"/>
+      </dgm:cxnLst>
+      <dgm:bg/>
+      <dgm:whole/>
+    </dgm:dataModel>
+  </dgm:clrData>
+  <dgm:layoutNode name="cycle">
+    <dgm:varLst>
+      <dgm:chMax val="1"/>
+      <dgm:dir/>
+      <dgm:animLvl val="ctr"/>
+      <dgm:resizeHandles val="exact"/>
+    </dgm:varLst>
+    <dgm:choose name="Name0">
+      <dgm:if name="Name1" func="var" arg="dir" op="equ" val="norm">
+        <dgm:choose name="Name2">
+          <dgm:if name="Name3" axis="ch ch" ptType="node node" st="1 1" cnt="1 0" func="cnt" op="lte" val="1">
+            <dgm:alg type="cycle">
+              <dgm:param type="stAng" val="0"/>
+              <dgm:param type="spanAng" val="360"/>
+              <dgm:param type="ctrShpMap" val="fNode"/>
+            </dgm:alg>
+          </dgm:if>
+          <dgm:else name="Name4">
+            <dgm:choose name="Name5">
+              <dgm:if name="Name6" axis="ch ch" ptType="node node" st="1 1" cnt="1 0" func="cnt" op="lte" val="3">
+                <dgm:alg type="cycle">
+                  <dgm:param type="stAng" val="-55"/>
+                  <dgm:param type="spanAng" val="110"/>
+                  <dgm:param type="ctrShpMap" val="fNode"/>
+                </dgm:alg>
+              </dgm:if>
+              <dgm:else name="Name7">
+                <dgm:choose name="Name8">
+                  <dgm:if name="Name9" axis="ch ch" ptType="node node" st="1 1" cnt="1 0" func="cnt" op="equ" val="4">
+                    <dgm:alg type="cycle">
+                      <dgm:param type="stAng" val="-75"/>
+                      <dgm:param type="spanAng" val="150"/>
+                      <dgm:param type="ctrShpMap" val="fNode"/>
+                    </dgm:alg>
+                  </dgm:if>
+                  <dgm:else name="Name10">
+                    <dgm:alg type="cycle">
+                      <dgm:param type="stAng" val="-90"/>
+                      <dgm:param type="spanAng" val="180"/>
+                      <dgm:param type="ctrShpMap" val="fNode"/>
+                    </dgm:alg>
+                  </dgm:else>
+                </dgm:choose>
+              </dgm:else>
+            </dgm:choose>
+          </dgm:else>
+        </dgm:choose>
+      </dgm:if>
+      <dgm:else name="Name11">
+        <dgm:choose name="Name12">
+          <dgm:if name="Name13" axis="ch ch" ptType="node node" st="1 1" cnt="1 0" func="cnt" op="lte" val="1">
+            <dgm:alg type="cycle">
+              <dgm:param type="stAng" val="0"/>
+              <dgm:param type="spanAng" val="-360"/>
+              <dgm:param type="ctrShpMap" val="fNode"/>
+            </dgm:alg>
+          </dgm:if>
+          <dgm:else name="Name14">
+            <dgm:choose name="Name15">
+              <dgm:if name="Name16" axis="ch ch" ptType="node node" st="1 1" cnt="1 0" func="cnt" op="lte" val="3">
+                <dgm:alg type="cycle">
+                  <dgm:param type="stAng" val="55"/>
+                  <dgm:param type="spanAng" val="-110"/>
+                  <dgm:param type="ctrShpMap" val="fNode"/>
+                </dgm:alg>
+              </dgm:if>
+              <dgm:else name="Name17">
+                <dgm:choose name="Name18">
+                  <dgm:if name="Name19" axis="ch ch" ptType="node node" st="1 1" cnt="1 0" func="cnt" op="equ" val="4">
+                    <dgm:alg type="cycle">
+                      <dgm:param type="stAng" val="75"/>
+                      <dgm:param type="spanAng" val="-150"/>
+                      <dgm:param type="ctrShpMap" val="fNode"/>
+                    </dgm:alg>
+                  </dgm:if>
+                  <dgm:else name="Name20">
+                    <dgm:alg type="cycle">
+                      <dgm:param type="stAng" val="90"/>
+                      <dgm:param type="spanAng" val="-180"/>
+                      <dgm:param type="ctrShpMap" val="fNode"/>
+                    </dgm:alg>
+                  </dgm:else>
+                </dgm:choose>
+              </dgm:else>
+            </dgm:choose>
+          </dgm:else>
+        </dgm:choose>
+      </dgm:else>
+    </dgm:choose>
+    <dgm:shape xmlns:r="http://schemas.openxmlformats.org/officeDocument/2006/relationships" r:blip="">
+      <dgm:adjLst/>
+    </dgm:shape>
+    <dgm:presOf/>
+    <dgm:constrLst>
+      <dgm:constr type="w" for="ch" forName="centerShape" refType="w"/>
+      <dgm:constr type="w" for="ch" forName="node" refType="w" refFor="ch" refForName="centerShape" fact="0.95"/>
+      <dgm:constr type="h" for="ch" forName="parTrans" refType="w" refFor="ch" refForName="centerShape" fact="0.285"/>
+      <dgm:constr type="sp" refType="w" refFor="ch" refForName="centerShape" op="equ" fact="0.23"/>
+      <dgm:constr type="sibSp" refType="w" refFor="ch" refForName="node" fact="0.1"/>
+      <dgm:constr type="primFontSz" for="ch" forName="node" op="equ"/>
+    </dgm:constrLst>
+    <dgm:choose name="Name21">
+      <dgm:if name="Name22" axis="ch ch" ptType="node node" st="1 1" cnt="1 0" func="cnt" op="lte" val="5">
+        <dgm:ruleLst>
+          <dgm:rule type="w" for="ch" forName="centerShape" val="NaN" fact="0.27" max="NaN"/>
+        </dgm:ruleLst>
+      </dgm:if>
+      <dgm:else name="Name23">
+        <dgm:ruleLst>
+          <dgm:rule type="w" for="ch" forName="centerShape" val="NaN" fact="0.27" max="NaN"/>
+          <dgm:rule type="w" for="ch" forName="node" val="NaN" fact="0.7" max="NaN"/>
+        </dgm:ruleLst>
+      </dgm:else>
+    </dgm:choose>
+    <dgm:forEach name="Name24" axis="ch" ptType="node" cnt="1">
+      <dgm:layoutNode name="centerShape" styleLbl="node0">
+        <dgm:alg type="tx"/>
+        <dgm:shape xmlns:r="http://schemas.openxmlformats.org/officeDocument/2006/relationships" type="ellipse" r:blip="">
+          <dgm:adjLst/>
+        </dgm:shape>
+        <dgm:presOf axis="self"/>
+        <dgm:constrLst>
+          <dgm:constr type="tMarg" refType="primFontSz" fact="0.05"/>
+          <dgm:constr type="bMarg" refType="primFontSz" fact="0.05"/>
+          <dgm:constr type="lMarg" refType="primFontSz" fact="0.05"/>
+          <dgm:constr type="rMarg" refType="primFontSz" fact="0.05"/>
+          <dgm:constr type="primFontSz" val="65"/>
+          <dgm:constr type="h" refType="w"/>
+        </dgm:constrLst>
+        <dgm:ruleLst>
+          <dgm:rule type="primFontSz" val="5" fact="NaN" max="NaN"/>
+        </dgm:ruleLst>
+      </dgm:layoutNode>
+      <dgm:forEach name="Name25" axis="ch">
+        <dgm:forEach name="Name26" axis="self" ptType="parTrans">
+          <dgm:layoutNode name="parTrans" styleLbl="bgSibTrans2D1">
+            <dgm:alg type="conn">
+              <dgm:param type="begPts" val="auto"/>
+              <dgm:param type="endPts" val="ctr"/>
+              <dgm:param type="endSty" val="noArr"/>
+              <dgm:param type="begSty" val="arr"/>
+            </dgm:alg>
+            <dgm:shape xmlns:r="http://schemas.openxmlformats.org/officeDocument/2006/relationships" type="conn" r:blip="">
+              <dgm:adjLst/>
+            </dgm:shape>
+            <dgm:presOf axis="self"/>
+            <dgm:constrLst>
+              <dgm:constr type="begPad" refType="connDist" fact="0.055"/>
+              <dgm:constr type="endPad"/>
+            </dgm:constrLst>
+            <dgm:ruleLst/>
+          </dgm:layoutNode>
+        </dgm:forEach>
+        <dgm:forEach name="Name27" axis="self" ptType="node">
+          <dgm:layoutNode name="node" styleLbl="node1">
+            <dgm:varLst>
+              <dgm:bulletEnabled val="1"/>
+            </dgm:varLst>
+            <dgm:alg type="tx"/>
+            <dgm:shape xmlns:r="http://schemas.openxmlformats.org/officeDocument/2006/relationships" type="roundRect" r:blip="">
+              <dgm:adjLst>
+                <dgm:adj idx="1" val="0.1"/>
+              </dgm:adjLst>
+            </dgm:shape>
+            <dgm:presOf axis="desOrSelf" ptType="node"/>
+            <dgm:constrLst>
+              <dgm:constr type="primFontSz" val="65"/>
+              <dgm:constr type="h" refType="w" fact="0.8"/>
+              <dgm:constr type="tMarg" refType="primFontSz" fact="0.15"/>
+              <dgm:constr type="bMarg" refType="primFontSz" fact="0.15"/>
+              <dgm:constr type="lMarg" refType="primFontSz" fact="0.15"/>
+              <dgm:constr type="rMarg" refType="primFontSz" fact="0.15"/>
+            </dgm:constrLst>
+            <dgm:ruleLst>
+              <dgm:rule type="primFontSz" val="5" fact="NaN" max="NaN"/>
+            </dgm:ruleLst>
+          </dgm:layoutNode>
+        </dgm:forEach>
+      </dgm:forEach>
+    </dgm:forEach>
+  </dgm:layoutNode>
+</dgm:layoutDef>
+</file>
+
 <file path=ppt/diagrams/quickStyle1.xml><?xml version="1.0" encoding="utf-8"?>
+<dgm:styleDef xmlns:dgm="http://schemas.openxmlformats.org/drawingml/2006/diagram" xmlns:a="http://schemas.openxmlformats.org/drawingml/2006/main" uniqueId="urn:microsoft.com/office/officeart/2005/8/quickstyle/simple1">
+  <dgm:title val=""/>
+  <dgm:desc val=""/>
+  <dgm:catLst>
+    <dgm:cat type="simple" pri="10100"/>
+  </dgm:catLst>
+  <dgm:scene3d>
+    <a:camera prst="orthographicFront"/>
+    <a:lightRig rig="threePt" dir="t"/>
+  </dgm:scene3d>
+  <dgm:styleLbl name="node0">
+    <dgm:scene3d>
+      <a:camera prst="orthographicFront"/>
+      <a:lightRig rig="threePt" dir="t"/>
+    </dgm:scene3d>
+    <dgm:sp3d/>
+    <dgm:txPr/>
+    <dgm:style>
+      <a:lnRef idx="2">
+        <a:scrgbClr r="0" g="0" b="0"/>
+      </a:lnRef>
+      <a:fillRef idx="1">
+        <a:scrgbClr r="0" g="0" b="0"/>
+      </a:fillRef>
+      <a:effectRef idx="0">
+        <a:scrgbClr r="0" g="0" b="0"/>
+      </a:effectRef>
+      <a:fontRef idx="minor">
+        <a:schemeClr val="lt1"/>
+      </a:fontRef>
+    </dgm:style>
+  </dgm:styleLbl>
+  <dgm:styleLbl name="lnNode1">
+    <dgm:scene3d>
+      <a:camera prst="orthographicFront"/>
+      <a:lightRig rig="threePt" dir="t"/>
+    </dgm:scene3d>
+    <dgm:sp3d/>
+    <dgm:txPr/>
+    <dgm:style>
+      <a:lnRef idx="2">
+        <a:scrgbClr r="0" g="0" b="0"/>
+      </a:lnRef>
+      <a:fillRef idx="1">
+        <a:scrgbClr r="0" g="0" b="0"/>
+      </a:fillRef>
+      <a:effectRef idx="0">
+        <a:scrgbClr r="0" g="0" b="0"/>
+      </a:effectRef>
+      <a:fontRef idx="minor">
+        <a:schemeClr val="lt1"/>
+      </a:fontRef>
+    </dgm:style>
+  </dgm:styleLbl>
+  <dgm:styleLbl name="vennNode1">
+    <dgm:scene3d>
+      <a:camera prst="orthographicFront"/>
+      <a:lightRig rig="threePt" dir="t"/>
+    </dgm:scene3d>
+    <dgm:sp3d/>
+    <dgm:txPr/>
+    <dgm:style>
+      <a:lnRef idx="2">
+        <a:scrgbClr r="0" g="0" b="0"/>
+      </a:lnRef>
+      <a:fillRef idx="1">
+        <a:scrgbClr r="0" g="0" b="0"/>
+      </a:fillRef>
+      <a:effectRef idx="0">
+        <a:scrgbClr r="0" g="0" b="0"/>
+      </a:effectRef>
+      <a:fontRef idx="minor">
+        <a:schemeClr val="tx1"/>
+      </a:fontRef>
+    </dgm:style>
+  </dgm:styleLbl>
+  <dgm:styleLbl name="alignNode1">
+    <dgm:scene3d>
+      <a:camera prst="orthographicFront"/>
+      <a:lightRig rig="threePt" dir="t"/>
+    </dgm:scene3d>
+    <dgm:sp3d/>
+    <dgm:txPr/>
+    <dgm:style>
+      <a:lnRef idx="2">
+        <a:scrgbClr r="0" g="0" b="0"/>
+      </a:lnRef>
+      <a:fillRef idx="1">
+        <a:scrgbClr r="0" g="0" b="0"/>
+      </a:fillRef>
+      <a:effectRef idx="0">
+        <a:scrgbClr r="0" g="0" b="0"/>
+      </a:effectRef>
+      <a:fontRef idx="minor">
+        <a:schemeClr val="lt1"/>
+      </a:fontRef>
+    </dgm:style>
+  </dgm:styleLbl>
+  <dgm:styleLbl name="node1">
+    <dgm:scene3d>
+      <a:camera prst="orthographicFront"/>
+      <a:lightRig rig="threePt" dir="t"/>
+    </dgm:scene3d>
+    <dgm:sp3d/>
+    <dgm:txPr/>
+    <dgm:style>
+      <a:lnRef idx="2">
+        <a:scrgbClr r="0" g="0" b="0"/>
+      </a:lnRef>
+      <a:fillRef idx="1">
+        <a:scrgbClr r="0" g="0" b="0"/>
+      </a:fillRef>
+      <a:effectRef idx="0">
+        <a:scrgbClr r="0" g="0" b="0"/>
+      </a:effectRef>
+      <a:fontRef idx="minor">
+        <a:schemeClr val="lt1"/>
+      </a:fontRef>
+    </dgm:style>
+  </dgm:styleLbl>
+  <dgm:styleLbl name="node2">
+    <dgm:scene3d>
+      <a:camera prst="orthographicFront"/>
+      <a:lightRig rig="threePt" dir="t"/>
+    </dgm:scene3d>
+    <dgm:sp3d/>
+    <dgm:txPr/>
+    <dgm:style>
+      <a:lnRef idx="2">
+        <a:scrgbClr r="0" g="0" b="0"/>
+      </a:lnRef>
+      <a:fillRef idx="1">
+        <a:scrgbClr r="0" g="0" b="0"/>
+      </a:fillRef>
+      <a:effectRef idx="0">
+        <a:scrgbClr r="0" g="0" b="0"/>
+      </a:effectRef>
+      <a:fontRef idx="minor">
+        <a:schemeClr val="lt1"/>
+      </a:fontRef>
+    </dgm:style>
+  </dgm:styleLbl>
+  <dgm:styleLbl name="node3">
+    <dgm:scene3d>
+      <a:camera prst="orthographicFront"/>
+      <a:lightRig rig="threePt" dir="t"/>
+    </dgm:scene3d>
+    <dgm:sp3d/>
+    <dgm:txPr/>
+    <dgm:style>
+      <a:lnRef idx="2">
+        <a:scrgbClr r="0" g="0" b="0"/>
+      </a:lnRef>
+      <a:fillRef idx="1">
+        <a:scrgbClr r="0" g="0" b="0"/>
+      </a:fillRef>
+      <a:effectRef idx="0">
+        <a:scrgbClr r="0" g="0" b="0"/>
+      </a:effectRef>
+      <a:fontRef idx="minor">
+        <a:schemeClr val="lt1"/>
+      </a:fontRef>
+    </dgm:style>
+  </dgm:styleLbl>
+  <dgm:styleLbl name="node4">
+    <dgm:scene3d>
+      <a:camera prst="orthographicFront"/>
+      <a:lightRig rig="threePt" dir="t"/>
+    </dgm:scene3d>
+    <dgm:sp3d/>
+    <dgm:txPr/>
+    <dgm:style>
+      <a:lnRef idx="2">
+        <a:scrgbClr r="0" g="0" b="0"/>
+      </a:lnRef>
+      <a:fillRef idx="1">
+        <a:scrgbClr r="0" g="0" b="0"/>
+      </a:fillRef>
+      <a:effectRef idx="0">
+        <a:scrgbClr r="0" g="0" b="0"/>
+      </a:effectRef>
+      <a:fontRef idx="minor">
+        <a:schemeClr val="lt1"/>
+      </a:fontRef>
+    </dgm:style>
+  </dgm:styleLbl>
+  <dgm:styleLbl name="fgImgPlace1">
+    <dgm:scene3d>
+      <a:camera prst="orthographicFront"/>
+      <a:lightRig rig="threePt" dir="t"/>
+    </dgm:scene3d>
+    <dgm:sp3d/>
+    <dgm:txPr/>
+    <dgm:style>
+      <a:lnRef idx="2">
+        <a:scrgbClr r="0" g="0" b="0"/>
+      </a:lnRef>
+      <a:fillRef idx="1">
+        <a:scrgbClr r="0" g="0" b="0"/>
+      </a:fillRef>
+      <a:effectRef idx="0">
+        <a:scrgbClr r="0" g="0" b="0"/>
+      </a:effectRef>
+      <a:fontRef idx="minor"/>
+    </dgm:style>
+  </dgm:styleLbl>
+  <dgm:styleLbl name="alignImgPlace1">
+    <dgm:scene3d>
+      <a:camera prst="orthographicFront"/>
+      <a:lightRig rig="threePt" dir="t"/>
+    </dgm:scene3d>
+    <dgm:sp3d/>
+    <dgm:txPr/>
+    <dgm:style>
+      <a:lnRef idx="2">
+        <a:scrgbClr r="0" g="0" b="0"/>
+      </a:lnRef>
+      <a:fillRef idx="1">
+        <a:scrgbClr r="0" g="0" b="0"/>
+      </a:fillRef>
+      <a:effectRef idx="0">
+        <a:scrgbClr r="0" g="0" b="0"/>
+      </a:effectRef>
+      <a:fontRef idx="minor"/>
+    </dgm:style>
+  </dgm:styleLbl>
+  <dgm:styleLbl name="bgImgPlace1">
+    <dgm:scene3d>
+      <a:camera prst="orthographicFront"/>
+      <a:lightRig rig="threePt" dir="t"/>
+    </dgm:scene3d>
+    <dgm:sp3d/>
+    <dgm:txPr/>
+    <dgm:style>
+      <a:lnRef idx="2">
+        <a:scrgbClr r="0" g="0" b="0"/>
+      </a:lnRef>
+      <a:fillRef idx="1">
+        <a:scrgbClr r="0" g="0" b="0"/>
+      </a:fillRef>
+      <a:effectRef idx="0">
+        <a:scrgbClr r="0" g="0" b="0"/>
+      </a:effectRef>
+      <a:fontRef idx="minor"/>
+    </dgm:style>
+  </dgm:styleLbl>
+  <dgm:styleLbl name="sibTrans2D1">
+    <dgm:scene3d>
+      <a:camera prst="orthographicFront"/>
+      <a:lightRig rig="threePt" dir="t"/>
+    </dgm:scene3d>
+    <dgm:sp3d/>
+    <dgm:txPr/>
+    <dgm:style>
+      <a:lnRef idx="0">
+        <a:scrgbClr r="0" g="0" b="0"/>
+      </a:lnRef>
+      <a:fillRef idx="1">
+        <a:scrgbClr r="0" g="0" b="0"/>
+      </a:fillRef>
+      <a:effectRef idx="0">
+        <a:scrgbClr r="0" g="0" b="0"/>
+      </a:effectRef>
+      <a:fontRef idx="minor">
+        <a:schemeClr val="lt1"/>
+      </a:fontRef>
+    </dgm:style>
+  </dgm:styleLbl>
+  <dgm:styleLbl name="fgSibTrans2D1">
+    <dgm:scene3d>
+      <a:camera prst="orthographicFront"/>
+      <a:lightRig rig="threePt" dir="t"/>
+    </dgm:scene3d>
+    <dgm:sp3d/>
+    <dgm:txPr/>
+    <dgm:style>
+      <a:lnRef idx="0">
+        <a:scrgbClr r="0" g="0" b="0"/>
+      </a:lnRef>
+      <a:fillRef idx="1">
+        <a:scrgbClr r="0" g="0" b="0"/>
+      </a:fillRef>
+      <a:effectRef idx="0">
+        <a:scrgbClr r="0" g="0" b="0"/>
+      </a:effectRef>
+      <a:fontRef idx="minor">
+        <a:schemeClr val="lt1"/>
+      </a:fontRef>
+    </dgm:style>
+  </dgm:styleLbl>
+  <dgm:styleLbl name="bgSibTrans2D1">
+    <dgm:scene3d>
+      <a:camera prst="orthographicFront"/>
+      <a:lightRig rig="threePt" dir="t"/>
+    </dgm:scene3d>
+    <dgm:sp3d/>
+    <dgm:txPr/>
+    <dgm:style>
+      <a:lnRef idx="0">
+        <a:scrgbClr r="0" g="0" b="0"/>
+      </a:lnRef>
+      <a:fillRef idx="1">
+        <a:scrgbClr r="0" g="0" b="0"/>
+      </a:fillRef>
+      <a:effectRef idx="0">
+        <a:scrgbClr r="0" g="0" b="0"/>
+      </a:effectRef>
+      <a:fontRef idx="minor">
+        <a:schemeClr val="lt1"/>
+      </a:fontRef>
+    </dgm:style>
+  </dgm:styleLbl>
+  <dgm:styleLbl name="sibTrans1D1">
+    <dgm:scene3d>
+      <a:camera prst="orthographicFront"/>
+      <a:lightRig rig="threePt" dir="t"/>
+    </dgm:scene3d>
+    <dgm:sp3d/>
+    <dgm:txPr/>
+    <dgm:style>
+      <a:lnRef idx="1">
+        <a:scrgbClr r="0" g="0" b="0"/>
+      </a:lnRef>
+      <a:fillRef idx="0">
+        <a:scrgbClr r="0" g="0" b="0"/>
+      </a:fillRef>
+      <a:effectRef idx="0">
+        <a:scrgbClr r="0" g="0" b="0"/>
+      </a:effectRef>
+      <a:fontRef idx="minor"/>
+    </dgm:style>
+  </dgm:styleLbl>
+  <dgm:styleLbl name="callout">
+    <dgm:scene3d>
+      <a:camera prst="orthographicFront"/>
+      <a:lightRig rig="threePt" dir="t"/>
+    </dgm:scene3d>
+    <dgm:sp3d/>
+    <dgm:txPr/>
+    <dgm:style>
+      <a:lnRef idx="2">
+        <a:scrgbClr r="0" g="0" b="0"/>
+      </a:lnRef>
+      <a:fillRef idx="1">
+        <a:scrgbClr r="0" g="0" b="0"/>
+      </a:fillRef>
+      <a:effectRef idx="0">
+        <a:scrgbClr r="0" g="0" b="0"/>
+      </a:effectRef>
+      <a:fontRef idx="minor"/>
+    </dgm:style>
+  </dgm:styleLbl>
+  <dgm:styleLbl name="asst0">
+    <dgm:scene3d>
+      <a:camera prst="orthographicFront"/>
+      <a:lightRig rig="threePt" dir="t"/>
+    </dgm:scene3d>
+    <dgm:sp3d/>
+    <dgm:txPr/>
+    <dgm:style>
+      <a:lnRef idx="2">
+        <a:scrgbClr r="0" g="0" b="0"/>
+      </a:lnRef>
+      <a:fillRef idx="1">
+        <a:scrgbClr r="0" g="0" b="0"/>
+      </a:fillRef>
+      <a:effectRef idx="0">
+        <a:scrgbClr r="0" g="0" b="0"/>
+      </a:effectRef>
+      <a:fontRef idx="minor">
+        <a:schemeClr val="lt1"/>
+      </a:fontRef>
+    </dgm:style>
+  </dgm:styleLbl>
+  <dgm:styleLbl name="asst1">
+    <dgm:scene3d>
+      <a:camera prst="orthographicFront"/>
+      <a:lightRig rig="threePt" dir="t"/>
+    </dgm:scene3d>
+    <dgm:sp3d/>
+    <dgm:txPr/>
+    <dgm:style>
+      <a:lnRef idx="2">
+        <a:scrgbClr r="0" g="0" b="0"/>
+      </a:lnRef>
+      <a:fillRef idx="1">
+        <a:scrgbClr r="0" g="0" b="0"/>
+      </a:fillRef>
+      <a:effectRef idx="0">
+        <a:scrgbClr r="0" g="0" b="0"/>
+      </a:effectRef>
+      <a:fontRef idx="minor">
+        <a:schemeClr val="lt1"/>
+      </a:fontRef>
+    </dgm:style>
+  </dgm:styleLbl>
+  <dgm:styleLbl name="asst2">
+    <dgm:scene3d>
+      <a:camera prst="orthographicFront"/>
+      <a:lightRig rig="threePt" dir="t"/>
+    </dgm:scene3d>
+    <dgm:sp3d/>
+    <dgm:txPr/>
+    <dgm:style>
+      <a:lnRef idx="2">
+        <a:scrgbClr r="0" g="0" b="0"/>
+      </a:lnRef>
+      <a:fillRef idx="1">
+        <a:scrgbClr r="0" g="0" b="0"/>
+      </a:fillRef>
+      <a:effectRef idx="0">
+        <a:scrgbClr r="0" g="0" b="0"/>
+      </a:effectRef>
+      <a:fontRef idx="minor">
+        <a:schemeClr val="lt1"/>
+      </a:fontRef>
+    </dgm:style>
+  </dgm:styleLbl>
+  <dgm:styleLbl name="asst3">
+    <dgm:scene3d>
+      <a:camera prst="orthographicFront"/>
+      <a:lightRig rig="threePt" dir="t"/>
+    </dgm:scene3d>
+    <dgm:sp3d/>
+    <dgm:txPr/>
+    <dgm:style>
+      <a:lnRef idx="2">
+        <a:scrgbClr r="0" g="0" b="0"/>
+      </a:lnRef>
+      <a:fillRef idx="1">
+        <a:scrgbClr r="0" g="0" b="0"/>
+      </a:fillRef>
+      <a:effectRef idx="0">
+        <a:scrgbClr r="0" g="0" b="0"/>
+      </a:effectRef>
+      <a:fontRef idx="minor">
+        <a:schemeClr val="lt1"/>
+      </a:fontRef>
+    </dgm:style>
+  </dgm:styleLbl>
+  <dgm:styleLbl name="asst4">
+    <dgm:scene3d>
+      <a:camera prst="orthographicFront"/>
+      <a:lightRig rig="threePt" dir="t"/>
+    </dgm:scene3d>
+    <dgm:sp3d/>
+    <dgm:txPr/>
+    <dgm:style>
+      <a:lnRef idx="2">
+        <a:scrgbClr r="0" g="0" b="0"/>
+      </a:lnRef>
+      <a:fillRef idx="1">
+        <a:scrgbClr r="0" g="0" b="0"/>
+      </a:fillRef>
+      <a:effectRef idx="0">
+        <a:scrgbClr r="0" g="0" b="0"/>
+      </a:effectRef>
+      <a:fontRef idx="minor">
+        <a:schemeClr val="lt1"/>
+      </a:fontRef>
+    </dgm:style>
+  </dgm:styleLbl>
+  <dgm:styleLbl name="parChTrans2D1">
+    <dgm:scene3d>
+      <a:camera prst="orthographicFront"/>
+      <a:lightRig rig="threePt" dir="t"/>
+    </dgm:scene3d>
+    <dgm:sp3d/>
+    <dgm:txPr/>
+    <dgm:style>
+      <a:lnRef idx="2">
+        <a:scrgbClr r="0" g="0" b="0"/>
+      </a:lnRef>
+      <a:fillRef idx="1">
+        <a:scrgbClr r="0" g="0" b="0"/>
+      </a:fillRef>
+      <a:effectRef idx="0">
+        <a:scrgbClr r="0" g="0" b="0"/>
+      </a:effectRef>
+      <a:fontRef idx="minor">
+        <a:schemeClr val="lt1"/>
+      </a:fontRef>
+    </dgm:style>
+  </dgm:styleLbl>
+  <dgm:styleLbl name="parChTrans2D2">
+    <dgm:scene3d>
+      <a:camera prst="orthographicFront"/>
+      <a:lightRig rig="threePt" dir="t"/>
+    </dgm:scene3d>
+    <dgm:sp3d/>
+    <dgm:txPr/>
+    <dgm:style>
+      <a:lnRef idx="2">
+        <a:scrgbClr r="0" g="0" b="0"/>
+      </a:lnRef>
+      <a:fillRef idx="1">
+        <a:scrgbClr r="0" g="0" b="0"/>
+      </a:fillRef>
+      <a:effectRef idx="0">
+        <a:scrgbClr r="0" g="0" b="0"/>
+      </a:effectRef>
+      <a:fontRef idx="minor">
+        <a:schemeClr val="lt1"/>
+      </a:fontRef>
+    </dgm:style>
+  </dgm:styleLbl>
+  <dgm:styleLbl name="parChTrans2D3">
+    <dgm:scene3d>
+      <a:camera prst="orthographicFront"/>
+      <a:lightRig rig="threePt" dir="t"/>
+    </dgm:scene3d>
+    <dgm:sp3d/>
+    <dgm:txPr/>
+    <dgm:style>
+      <a:lnRef idx="2">
+        <a:scrgbClr r="0" g="0" b="0"/>
+      </a:lnRef>
+      <a:fillRef idx="1">
+        <a:scrgbClr r="0" g="0" b="0"/>
+      </a:fillRef>
+      <a:effectRef idx="0">
+        <a:scrgbClr r="0" g="0" b="0"/>
+      </a:effectRef>
+      <a:fontRef idx="minor">
+        <a:schemeClr val="lt1"/>
+      </a:fontRef>
+    </dgm:style>
+  </dgm:styleLbl>
+  <dgm:styleLbl name="parChTrans2D4">
+    <dgm:scene3d>
+      <a:camera prst="orthographicFront"/>
+      <a:lightRig rig="threePt" dir="t"/>
+    </dgm:scene3d>
+    <dgm:sp3d/>
+    <dgm:txPr/>
+    <dgm:style>
+      <a:lnRef idx="2">
+        <a:scrgbClr r="0" g="0" b="0"/>
+      </a:lnRef>
+      <a:fillRef idx="1">
+        <a:scrgbClr r="0" g="0" b="0"/>
+      </a:fillRef>
+      <a:effectRef idx="0">
+        <a:scrgbClr r="0" g="0" b="0"/>
+      </a:effectRef>
+      <a:fontRef idx="minor">
+        <a:schemeClr val="lt1"/>
+      </a:fontRef>
+    </dgm:style>
+  </dgm:styleLbl>
+  <dgm:styleLbl name="parChTrans1D1">
+    <dgm:scene3d>
+      <a:camera prst="orthographicFront"/>
+      <a:lightRig rig="threePt" dir="t"/>
+    </dgm:scene3d>
+    <dgm:sp3d/>
+    <dgm:txPr/>
+    <dgm:style>
+      <a:lnRef idx="2">
+        <a:scrgbClr r="0" g="0" b="0"/>
+      </a:lnRef>
+      <a:fillRef idx="0">
+        <a:scrgbClr r="0" g="0" b="0"/>
+      </a:fillRef>
+      <a:effectRef idx="0">
+        <a:scrgbClr r="0" g="0" b="0"/>
+      </a:effectRef>
+      <a:fontRef idx="minor"/>
+    </dgm:style>
+  </dgm:styleLbl>
+  <dgm:styleLbl name="parChTrans1D2">
+    <dgm:scene3d>
+      <a:camera prst="orthographicFront"/>
+      <a:lightRig rig="threePt" dir="t"/>
+    </dgm:scene3d>
+    <dgm:sp3d/>
+    <dgm:txPr/>
+    <dgm:style>
+      <a:lnRef idx="2">
+        <a:scrgbClr r="0" g="0" b="0"/>
+      </a:lnRef>
+      <a:fillRef idx="0">
+        <a:scrgbClr r="0" g="0" b="0"/>
+      </a:fillRef>
+      <a:effectRef idx="0">
+        <a:scrgbClr r="0" g="0" b="0"/>
+      </a:effectRef>
+      <a:fontRef idx="minor"/>
+    </dgm:style>
+  </dgm:styleLbl>
+  <dgm:styleLbl name="parChTrans1D3">
+    <dgm:scene3d>
+      <a:camera prst="orthographicFront"/>
+      <a:lightRig rig="threePt" dir="t"/>
+    </dgm:scene3d>
+    <dgm:sp3d/>
+    <dgm:txPr/>
+    <dgm:style>
+      <a:lnRef idx="2">
+        <a:scrgbClr r="0" g="0" b="0"/>
+      </a:lnRef>
+      <a:fillRef idx="0">
+        <a:scrgbClr r="0" g="0" b="0"/>
+      </a:fillRef>
+      <a:effectRef idx="0">
+        <a:scrgbClr r="0" g="0" b="0"/>
+      </a:effectRef>
+      <a:fontRef idx="minor"/>
+    </dgm:style>
+  </dgm:styleLbl>
+  <dgm:styleLbl name="parChTrans1D4">
+    <dgm:scene3d>
+      <a:camera prst="orthographicFront"/>
+      <a:lightRig rig="threePt" dir="t"/>
+    </dgm:scene3d>
+    <dgm:sp3d/>
+    <dgm:txPr/>
+    <dgm:style>
+      <a:lnRef idx="2">
+        <a:scrgbClr r="0" g="0" b="0"/>
+      </a:lnRef>
+      <a:fillRef idx="0">
+        <a:scrgbClr r="0" g="0" b="0"/>
+      </a:fillRef>
+      <a:effectRef idx="0">
+        <a:scrgbClr r="0" g="0" b="0"/>
+      </a:effectRef>
+      <a:fontRef idx="minor"/>
+    </dgm:style>
+  </dgm:styleLbl>
+  <dgm:styleLbl name="fgAcc1">
+    <dgm:scene3d>
+      <a:camera prst="orthographicFront"/>
+      <a:lightRig rig="threePt" dir="t"/>
+    </dgm:scene3d>
+    <dgm:sp3d/>
+    <dgm:txPr/>
+    <dgm:style>
+      <a:lnRef idx="2">
+        <a:scrgbClr r="0" g="0" b="0"/>
+      </a:lnRef>
+      <a:fillRef idx="1">
+        <a:scrgbClr r="0" g="0" b="0"/>
+      </a:fillRef>
+      <a:effectRef idx="0">
+        <a:scrgbClr r="0" g="0" b="0"/>
+      </a:effectRef>
+      <a:fontRef idx="minor"/>
+    </dgm:style>
+  </dgm:styleLbl>
+  <dgm:styleLbl name="conFgAcc1">
+    <dgm:scene3d>
+      <a:camera prst="orthographicFront"/>
+      <a:lightRig rig="threePt" dir="t"/>
+    </dgm:scene3d>
+    <dgm:sp3d/>
+    <dgm:txPr/>
+    <dgm:style>
+      <a:lnRef idx="2">
+        <a:scrgbClr r="0" g="0" b="0"/>
+      </a:lnRef>
+      <a:fillRef idx="1">
+        <a:scrgbClr r="0" g="0" b="0"/>
+      </a:fillRef>
+      <a:effectRef idx="0">
+        <a:scrgbClr r="0" g="0" b="0"/>
+      </a:effectRef>
+      <a:fontRef idx="minor"/>
+    </dgm:style>
+  </dgm:styleLbl>
+  <dgm:styleLbl name="alignAcc1">
+    <dgm:scene3d>
+      <a:camera prst="orthographicFront"/>
+      <a:lightRig rig="threePt" dir="t"/>
+    </dgm:scene3d>
+    <dgm:sp3d/>
+    <dgm:txPr/>
+    <dgm:style>
+      <a:lnRef idx="2">
+        <a:scrgbClr r="0" g="0" b="0"/>
+      </a:lnRef>
+      <a:fillRef idx="1">
+        <a:scrgbClr r="0" g="0" b="0"/>
+      </a:fillRef>
+      <a:effectRef idx="0">
+        <a:scrgbClr r="0" g="0" b="0"/>
+      </a:effectRef>
+      <a:fontRef idx="minor"/>
+    </dgm:style>
+  </dgm:styleLbl>
+  <dgm:styleLbl name="trAlignAcc1">
+    <dgm:scene3d>
+      <a:camera prst="orthographicFront"/>
+      <a:lightRig rig="threePt" dir="t"/>
+    </dgm:scene3d>
+    <dgm:sp3d/>
+    <dgm:txPr/>
+    <dgm:style>
+      <a:lnRef idx="1">
+        <a:scrgbClr r="0" g="0" b="0"/>
+      </a:lnRef>
+      <a:fillRef idx="1">
+        <a:scrgbClr r="0" g="0" b="0"/>
+      </a:fillRef>
+      <a:effectRef idx="0">
+        <a:scrgbClr r="0" g="0" b="0"/>
+      </a:effectRef>
+      <a:fontRef idx="minor"/>
+    </dgm:style>
+  </dgm:styleLbl>
+  <dgm:styleLbl name="bgAcc1">
+    <dgm:scene3d>
+      <a:camera prst="orthographicFront"/>
+      <a:lightRig rig="threePt" dir="t"/>
+    </dgm:scene3d>
+    <dgm:sp3d/>
+    <dgm:txPr/>
+    <dgm:style>
+      <a:lnRef idx="2">
+        <a:scrgbClr r="0" g="0" b="0"/>
+      </a:lnRef>
+      <a:fillRef idx="1">
+        <a:scrgbClr r="0" g="0" b="0"/>
+      </a:fillRef>
+      <a:effectRef idx="0">
+        <a:scrgbClr r="0" g="0" b="0"/>
+      </a:effectRef>
+      <a:fontRef idx="minor"/>
+    </dgm:style>
+  </dgm:styleLbl>
+  <dgm:styleLbl name="solidFgAcc1">
+    <dgm:scene3d>
+      <a:camera prst="orthographicFront"/>
+      <a:lightRig rig="threePt" dir="t"/>
+    </dgm:scene3d>
+    <dgm:sp3d/>
+    <dgm:txPr/>
+    <dgm:style>
+      <a:lnRef idx="2">
+        <a:scrgbClr r="0" g="0" b="0"/>
+      </a:lnRef>
+      <a:fillRef idx="1">
+        <a:scrgbClr r="0" g="0" b="0"/>
+      </a:fillRef>
+      <a:effectRef idx="0">
+        <a:scrgbClr r="0" g="0" b="0"/>
+      </a:effectRef>
+      <a:fontRef idx="minor"/>
+    </dgm:style>
+  </dgm:styleLbl>
+  <dgm:styleLbl name="solidAlignAcc1">
+    <dgm:scene3d>
+      <a:camera prst="orthographicFront"/>
+      <a:lightRig rig="threePt" dir="t"/>
+    </dgm:scene3d>
+    <dgm:sp3d/>
+    <dgm:txPr/>
+    <dgm:style>
+      <a:lnRef idx="2">
+        <a:scrgbClr r="0" g="0" b="0"/>
+      </a:lnRef>
+      <a:fillRef idx="1">
+        <a:scrgbClr r="0" g="0" b="0"/>
+      </a:fillRef>
+      <a:effectRef idx="0">
+        <a:scrgbClr r="0" g="0" b="0"/>
+      </a:effectRef>
+      <a:fontRef idx="minor"/>
+    </dgm:style>
+  </dgm:styleLbl>
+  <dgm:styleLbl name="solidBgAcc1">
+    <dgm:scene3d>
+      <a:camera prst="orthographicFront"/>
+      <a:lightRig rig="threePt" dir="t"/>
+    </dgm:scene3d>
+    <dgm:sp3d/>
+    <dgm:txPr/>
+    <dgm:style>
+      <a:lnRef idx="2">
+        <a:scrgbClr r="0" g="0" b="0"/>
+      </a:lnRef>
+      <a:fillRef idx="1">
+        <a:scrgbClr r="0" g="0" b="0"/>
+      </a:fillRef>
+      <a:effectRef idx="0">
+        <a:scrgbClr r="0" g="0" b="0"/>
+      </a:effectRef>
+      <a:fontRef idx="minor"/>
+    </dgm:style>
+  </dgm:styleLbl>
+  <dgm:styleLbl name="fgAccFollowNode1">
+    <dgm:scene3d>
+      <a:camera prst="orthographicFront"/>
+      <a:lightRig rig="threePt" dir="t"/>
+    </dgm:scene3d>
+    <dgm:sp3d/>
+    <dgm:txPr/>
+    <dgm:style>
+      <a:lnRef idx="2">
+        <a:scrgbClr r="0" g="0" b="0"/>
+      </a:lnRef>
+      <a:fillRef idx="1">
+        <a:scrgbClr r="0" g="0" b="0"/>
+      </a:fillRef>
+      <a:effectRef idx="0">
+        <a:scrgbClr r="0" g="0" b="0"/>
+      </a:effectRef>
+      <a:fontRef idx="minor"/>
+    </dgm:style>
+  </dgm:styleLbl>
+  <dgm:styleLbl name="alignAccFollowNode1">
+    <dgm:scene3d>
+      <a:camera prst="orthographicFront"/>
+      <a:lightRig rig="threePt" dir="t"/>
+    </dgm:scene3d>
+    <dgm:sp3d/>
+    <dgm:txPr/>
+    <dgm:style>
+      <a:lnRef idx="2">
+        <a:scrgbClr r="0" g="0" b="0"/>
+      </a:lnRef>
+      <a:fillRef idx="1">
+        <a:scrgbClr r="0" g="0" b="0"/>
+      </a:fillRef>
+      <a:effectRef idx="0">
+        <a:scrgbClr r="0" g="0" b="0"/>
+      </a:effectRef>
+      <a:fontRef idx="minor"/>
+    </dgm:style>
+  </dgm:styleLbl>
+  <dgm:styleLbl name="bgAccFollowNode1">
+    <dgm:scene3d>
+      <a:camera prst="orthographicFront"/>
+      <a:lightRig rig="threePt" dir="t"/>
+    </dgm:scene3d>
+    <dgm:sp3d/>
+    <dgm:txPr/>
+    <dgm:style>
+      <a:lnRef idx="2">
+        <a:scrgbClr r="0" g="0" b="0"/>
+      </a:lnRef>
+      <a:fillRef idx="1">
+        <a:scrgbClr r="0" g="0" b="0"/>
+      </a:fillRef>
+      <a:effectRef idx="0">
+        <a:scrgbClr r="0" g="0" b="0"/>
+      </a:effectRef>
+      <a:fontRef idx="minor"/>
+    </dgm:style>
+  </dgm:styleLbl>
+  <dgm:styleLbl name="fgAcc0">
+    <dgm:scene3d>
+      <a:camera prst="orthographicFront"/>
+      <a:lightRig rig="threePt" dir="t"/>
+    </dgm:scene3d>
+    <dgm:sp3d/>
+    <dgm:txPr/>
+    <dgm:style>
+      <a:lnRef idx="2">
+        <a:scrgbClr r="0" g="0" b="0"/>
+      </a:lnRef>
+      <a:fillRef idx="1">
+        <a:scrgbClr r="0" g="0" b="0"/>
+      </a:fillRef>
+      <a:effectRef idx="0">
+        <a:scrgbClr r="0" g="0" b="0"/>
+      </a:effectRef>
+      <a:fontRef idx="minor"/>
+    </dgm:style>
+  </dgm:styleLbl>
+  <dgm:styleLbl name="fgAcc2">
+    <dgm:scene3d>
+      <a:camera prst="orthographicFront"/>
+      <a:lightRig rig="threePt" dir="t"/>
+    </dgm:scene3d>
+    <dgm:sp3d/>
+    <dgm:txPr/>
+    <dgm:style>
+      <a:lnRef idx="2">
+        <a:scrgbClr r="0" g="0" b="0"/>
+      </a:lnRef>
+      <a:fillRef idx="1">
+        <a:scrgbClr r="0" g="0" b="0"/>
+      </a:fillRef>
+      <a:effectRef idx="0">
+        <a:scrgbClr r="0" g="0" b="0"/>
+      </a:effectRef>
+      <a:fontRef idx="minor"/>
+    </dgm:style>
+  </dgm:styleLbl>
+  <dgm:styleLbl name="fgAcc3">
+    <dgm:scene3d>
+      <a:camera prst="orthographicFront"/>
+      <a:lightRig rig="threePt" dir="t"/>
+    </dgm:scene3d>
+    <dgm:sp3d/>
+    <dgm:txPr/>
+    <dgm:style>
+      <a:lnRef idx="2">
+        <a:scrgbClr r="0" g="0" b="0"/>
+      </a:lnRef>
+      <a:fillRef idx="1">
+        <a:scrgbClr r="0" g="0" b="0"/>
+      </a:fillRef>
+      <a:effectRef idx="0">
+        <a:scrgbClr r="0" g="0" b="0"/>
+      </a:effectRef>
+      <a:fontRef idx="minor"/>
+    </dgm:style>
+  </dgm:styleLbl>
+  <dgm:styleLbl name="fgAcc4">
+    <dgm:scene3d>
+      <a:camera prst="orthographicFront"/>
+      <a:lightRig rig="threePt" dir="t"/>
+    </dgm:scene3d>
+    <dgm:sp3d/>
+    <dgm:txPr/>
+    <dgm:style>
+      <a:lnRef idx="2">
+        <a:scrgbClr r="0" g="0" b="0"/>
+      </a:lnRef>
+      <a:fillRef idx="1">
+        <a:scrgbClr r="0" g="0" b="0"/>
+      </a:fillRef>
+      <a:effectRef idx="0">
+        <a:scrgbClr r="0" g="0" b="0"/>
+      </a:effectRef>
+      <a:fontRef idx="minor"/>
+    </dgm:style>
+  </dgm:styleLbl>
+  <dgm:styleLbl name="bgShp">
+    <dgm:scene3d>
+      <a:camera prst="orthographicFront"/>
+      <a:lightRig rig="threePt" dir="t"/>
+    </dgm:scene3d>
+    <dgm:sp3d/>
+    <dgm:txPr/>
+    <dgm:style>
+      <a:lnRef idx="0">
+        <a:scrgbClr r="0" g="0" b="0"/>
+      </a:lnRef>
+      <a:fillRef idx="1">
+        <a:scrgbClr r="0" g="0" b="0"/>
+      </a:fillRef>
+      <a:effectRef idx="0">
+        <a:scrgbClr r="0" g="0" b="0"/>
+      </a:effectRef>
+      <a:fontRef idx="minor"/>
+    </dgm:style>
+  </dgm:styleLbl>
+  <dgm:styleLbl name="dkBgShp">
+    <dgm:scene3d>
+      <a:camera prst="orthographicFront"/>
+      <a:lightRig rig="threePt" dir="t"/>
+    </dgm:scene3d>
+    <dgm:sp3d/>
+    <dgm:txPr/>
+    <dgm:style>
+      <a:lnRef idx="0">
+        <a:scrgbClr r="0" g="0" b="0"/>
+      </a:lnRef>
+      <a:fillRef idx="1">
+        <a:scrgbClr r="0" g="0" b="0"/>
+      </a:fillRef>
+      <a:effectRef idx="0">
+        <a:scrgbClr r="0" g="0" b="0"/>
+      </a:effectRef>
+      <a:fontRef idx="minor"/>
+    </dgm:style>
+  </dgm:styleLbl>
+  <dgm:styleLbl name="trBgShp">
+    <dgm:scene3d>
+      <a:camera prst="orthographicFront"/>
+      <a:lightRig rig="threePt" dir="t"/>
+    </dgm:scene3d>
+    <dgm:sp3d/>
+    <dgm:txPr/>
+    <dgm:style>
+      <a:lnRef idx="0">
+        <a:scrgbClr r="0" g="0" b="0"/>
+      </a:lnRef>
+      <a:fillRef idx="1">
+        <a:scrgbClr r="0" g="0" b="0"/>
+      </a:fillRef>
+      <a:effectRef idx="0">
+        <a:scrgbClr r="0" g="0" b="0"/>
+      </a:effectRef>
+      <a:fontRef idx="minor"/>
+    </dgm:style>
+  </dgm:styleLbl>
+  <dgm:styleLbl name="fgShp">
+    <dgm:scene3d>
+      <a:camera prst="orthographicFront"/>
+      <a:lightRig rig="threePt" dir="t"/>
+    </dgm:scene3d>
+    <dgm:sp3d/>
+    <dgm:txPr/>
+    <dgm:style>
+      <a:lnRef idx="2">
+        <a:scrgbClr r="0" g="0" b="0"/>
+      </a:lnRef>
+      <a:fillRef idx="1">
+        <a:scrgbClr r="0" g="0" b="0"/>
+      </a:fillRef>
+      <a:effectRef idx="0">
+        <a:scrgbClr r="0" g="0" b="0"/>
+      </a:effectRef>
+      <a:fontRef idx="minor"/>
+    </dgm:style>
+  </dgm:styleLbl>
+  <dgm:styleLbl name="revTx">
+    <dgm:scene3d>
+      <a:camera prst="orthographicFront"/>
+      <a:lightRig rig="threePt" dir="t"/>
+    </dgm:scene3d>
+    <dgm:sp3d/>
+    <dgm:txPr/>
+    <dgm:style>
+      <a:lnRef idx="0">
+        <a:scrgbClr r="0" g="0" b="0"/>
+      </a:lnRef>
+      <a:fillRef idx="0">
+        <a:scrgbClr r="0" g="0" b="0"/>
+      </a:fillRef>
+      <a:effectRef idx="0">
+        <a:scrgbClr r="0" g="0" b="0"/>
+      </a:effectRef>
+      <a:fontRef idx="minor"/>
+    </dgm:style>
+  </dgm:styleLbl>
+</dgm:styleDef>
+</file>
+
+<file path=ppt/diagrams/quickStyle2.xml><?xml version="1.0" encoding="utf-8"?>
 <dgm:styleDef xmlns:dgm="http://schemas.openxmlformats.org/drawingml/2006/diagram" xmlns:a="http://schemas.openxmlformats.org/drawingml/2006/main" uniqueId="urn:microsoft.com/office/officeart/2005/8/quickstyle/simple1">
   <dgm:title val=""/>
   <dgm:desc val=""/>
@@ -4293,7 +7835,7 @@
           <a:p>
             <a:fld id="{9BB98CBB-D9B4-4E56-9140-4396E8233EA3}" type="datetimeFigureOut">
               <a:rPr lang="es-ES" smtClean="0"/>
-              <a:t>08/12/2018</a:t>
+              <a:t>10/12/2018</a:t>
             </a:fld>
             <a:endParaRPr lang="es-ES"/>
           </a:p>
@@ -4458,7 +8000,7 @@
           <a:p>
             <a:fld id="{9BB98CBB-D9B4-4E56-9140-4396E8233EA3}" type="datetimeFigureOut">
               <a:rPr lang="es-ES" smtClean="0"/>
-              <a:t>08/12/2018</a:t>
+              <a:t>10/12/2018</a:t>
             </a:fld>
             <a:endParaRPr lang="es-ES"/>
           </a:p>
@@ -4633,7 +8175,7 @@
           <a:p>
             <a:fld id="{9BB98CBB-D9B4-4E56-9140-4396E8233EA3}" type="datetimeFigureOut">
               <a:rPr lang="es-ES" smtClean="0"/>
-              <a:t>08/12/2018</a:t>
+              <a:t>10/12/2018</a:t>
             </a:fld>
             <a:endParaRPr lang="es-ES"/>
           </a:p>
@@ -4798,7 +8340,7 @@
           <a:p>
             <a:fld id="{9BB98CBB-D9B4-4E56-9140-4396E8233EA3}" type="datetimeFigureOut">
               <a:rPr lang="es-ES" smtClean="0"/>
-              <a:t>08/12/2018</a:t>
+              <a:t>10/12/2018</a:t>
             </a:fld>
             <a:endParaRPr lang="es-ES"/>
           </a:p>
@@ -5039,7 +8581,7 @@
           <a:p>
             <a:fld id="{9BB98CBB-D9B4-4E56-9140-4396E8233EA3}" type="datetimeFigureOut">
               <a:rPr lang="es-ES" smtClean="0"/>
-              <a:t>08/12/2018</a:t>
+              <a:t>10/12/2018</a:t>
             </a:fld>
             <a:endParaRPr lang="es-ES"/>
           </a:p>
@@ -5322,7 +8864,7 @@
           <a:p>
             <a:fld id="{9BB98CBB-D9B4-4E56-9140-4396E8233EA3}" type="datetimeFigureOut">
               <a:rPr lang="es-ES" smtClean="0"/>
-              <a:t>08/12/2018</a:t>
+              <a:t>10/12/2018</a:t>
             </a:fld>
             <a:endParaRPr lang="es-ES"/>
           </a:p>
@@ -5751,7 +9293,7 @@
           <a:p>
             <a:fld id="{9BB98CBB-D9B4-4E56-9140-4396E8233EA3}" type="datetimeFigureOut">
               <a:rPr lang="es-ES" smtClean="0"/>
-              <a:t>08/12/2018</a:t>
+              <a:t>10/12/2018</a:t>
             </a:fld>
             <a:endParaRPr lang="es-ES"/>
           </a:p>
@@ -5864,7 +9406,7 @@
           <a:p>
             <a:fld id="{9BB98CBB-D9B4-4E56-9140-4396E8233EA3}" type="datetimeFigureOut">
               <a:rPr lang="es-ES" smtClean="0"/>
-              <a:t>08/12/2018</a:t>
+              <a:t>10/12/2018</a:t>
             </a:fld>
             <a:endParaRPr lang="es-ES"/>
           </a:p>
@@ -5954,7 +9496,7 @@
           <a:p>
             <a:fld id="{9BB98CBB-D9B4-4E56-9140-4396E8233EA3}" type="datetimeFigureOut">
               <a:rPr lang="es-ES" smtClean="0"/>
-              <a:t>08/12/2018</a:t>
+              <a:t>10/12/2018</a:t>
             </a:fld>
             <a:endParaRPr lang="es-ES"/>
           </a:p>
@@ -6143,7 +9685,7 @@
           <a:p>
             <a:fld id="{9BB98CBB-D9B4-4E56-9140-4396E8233EA3}" type="datetimeFigureOut">
               <a:rPr lang="es-ES" smtClean="0"/>
-              <a:t>08/12/2018</a:t>
+              <a:t>10/12/2018</a:t>
             </a:fld>
             <a:endParaRPr lang="es-ES"/>
           </a:p>
@@ -6461,7 +10003,7 @@
           <a:p>
             <a:fld id="{9BB98CBB-D9B4-4E56-9140-4396E8233EA3}" type="datetimeFigureOut">
               <a:rPr lang="es-ES" smtClean="0"/>
-              <a:t>08/12/2018</a:t>
+              <a:t>10/12/2018</a:t>
             </a:fld>
             <a:endParaRPr lang="es-ES"/>
           </a:p>
@@ -6840,7 +10382,7 @@
           <a:p>
             <a:fld id="{9BB98CBB-D9B4-4E56-9140-4396E8233EA3}" type="datetimeFigureOut">
               <a:rPr lang="es-ES" smtClean="0"/>
-              <a:t>08/12/2018</a:t>
+              <a:t>10/12/2018</a:t>
             </a:fld>
             <a:endParaRPr lang="es-ES"/>
           </a:p>
@@ -7363,14 +10905,24 @@
           <a:p>
             <a:r>
               <a:rPr lang="es-AR" dirty="0" smtClean="0"/>
-              <a:t>Cantidad de registros: XXXXXX</a:t>
+              <a:t>Cantidad de registros: </a:t>
             </a:r>
-          </a:p>
-          <a:p>
             <a:r>
               <a:rPr lang="es-AR" dirty="0" smtClean="0"/>
-              <a:t>Porcentaje de unos: XX%</a:t>
+              <a:t>2 M</a:t>
             </a:r>
+            <a:endParaRPr lang="es-AR" dirty="0" smtClean="0"/>
+          </a:p>
+          <a:p>
+            <a:r>
+              <a:rPr lang="es-AR" dirty="0" smtClean="0"/>
+              <a:t>Porcentaje de unos: </a:t>
+            </a:r>
+            <a:r>
+              <a:rPr lang="es-AR" dirty="0" smtClean="0"/>
+              <a:t>3%</a:t>
+            </a:r>
+            <a:endParaRPr lang="es-AR" dirty="0" smtClean="0"/>
           </a:p>
         </p:txBody>
       </p:sp>
@@ -7411,7 +10963,7 @@
           <p:nvPr>
             <p:extLst>
               <p:ext uri="{D42A27DB-BD31-4B8C-83A1-F6EECF244321}">
-                <p14:modId xmlns:p14="http://schemas.microsoft.com/office/powerpoint/2010/main" val="3534582350"/>
+                <p14:modId xmlns:p14="http://schemas.microsoft.com/office/powerpoint/2010/main" val="1323903327"/>
               </p:ext>
             </p:extLst>
           </p:nvPr>
@@ -7523,42 +11075,23 @@
             <p:ph type="title"/>
           </p:nvPr>
         </p:nvSpPr>
-        <p:spPr/>
+        <p:spPr>
+          <a:xfrm>
+            <a:off x="395536" y="-243408"/>
+            <a:ext cx="7620000" cy="1282154"/>
+          </a:xfrm>
+        </p:spPr>
         <p:txBody>
           <a:bodyPr/>
           <a:lstStyle/>
           <a:p>
             <a:r>
               <a:rPr lang="es-AR" dirty="0" smtClean="0"/>
-              <a:t>Generación de </a:t>
-            </a:r>
-            <a:r>
-              <a:rPr lang="es-AR" dirty="0" err="1" smtClean="0"/>
-              <a:t>Features</a:t>
+              <a:t>Aplicaci</a:t>
             </a:r>
             <a:r>
               <a:rPr lang="es-AR" dirty="0" smtClean="0"/>
-              <a:t> – Bag of </a:t>
-            </a:r>
-            <a:r>
-              <a:rPr lang="es-AR" dirty="0" err="1" smtClean="0"/>
-              <a:t>Words</a:t>
-            </a:r>
-            <a:r>
-              <a:rPr lang="es-AR" dirty="0" smtClean="0"/>
-              <a:t> / </a:t>
-            </a:r>
-            <a:r>
-              <a:rPr lang="es-AR" dirty="0" err="1" smtClean="0"/>
-              <a:t>Tf</a:t>
-            </a:r>
-            <a:r>
-              <a:rPr lang="es-AR" dirty="0" smtClean="0"/>
-              <a:t> -</a:t>
-            </a:r>
-            <a:r>
-              <a:rPr lang="es-AR" dirty="0" err="1" smtClean="0"/>
-              <a:t>idf</a:t>
+              <a:t>ón de Modelos</a:t>
             </a:r>
             <a:endParaRPr lang="es-ES" dirty="0"/>
           </a:p>
@@ -7574,19 +11107,605 @@
             <p:ph idx="1"/>
           </p:nvPr>
         </p:nvSpPr>
-        <p:spPr/>
+        <p:spPr>
+          <a:xfrm>
+            <a:off x="457200" y="928223"/>
+            <a:ext cx="3754760" cy="608323"/>
+          </a:xfrm>
+        </p:spPr>
         <p:txBody>
-          <a:bodyPr/>
+          <a:bodyPr>
+            <a:normAutofit fontScale="77500" lnSpcReduction="20000"/>
+          </a:bodyPr>
           <a:lstStyle/>
           <a:p>
             <a:r>
               <a:rPr lang="es-AR" dirty="0" err="1" smtClean="0"/>
-              <a:t>zarazarazar</a:t>
+              <a:t>Naive</a:t>
             </a:r>
+            <a:r>
+              <a:rPr lang="es-AR" dirty="0" smtClean="0"/>
+              <a:t> </a:t>
+            </a:r>
+            <a:r>
+              <a:rPr lang="es-AR" dirty="0" err="1" smtClean="0"/>
+              <a:t>Bayes</a:t>
+            </a:r>
+            <a:r>
+              <a:rPr lang="es-AR" dirty="0" smtClean="0"/>
+              <a:t>:  AUC: 0,84527</a:t>
+            </a:r>
+          </a:p>
+          <a:p>
+            <a:r>
+              <a:rPr lang="es-AR" dirty="0" smtClean="0"/>
+              <a:t>Regresión </a:t>
+            </a:r>
+            <a:r>
+              <a:rPr lang="es-AR" dirty="0" err="1" smtClean="0"/>
+              <a:t>Logistica</a:t>
+            </a:r>
+            <a:r>
+              <a:rPr lang="es-AR" dirty="0" smtClean="0"/>
+              <a:t>: AUC: 0,85978</a:t>
+            </a:r>
+          </a:p>
+          <a:p>
             <a:endParaRPr lang="es-ES" dirty="0"/>
           </a:p>
         </p:txBody>
       </p:sp>
+      <p:pic>
+        <p:nvPicPr>
+          <p:cNvPr id="1026" name="Picture 2" descr="C:\Users\Owner\Documents\GitHub\Digital_House\Tp Final\Presentacion\roc-LR+NB.png"/>
+          <p:cNvPicPr>
+            <a:picLocks noChangeAspect="1" noChangeArrowheads="1"/>
+          </p:cNvPicPr>
+          <p:nvPr/>
+        </p:nvPicPr>
+        <p:blipFill>
+          <a:blip r:embed="rId2">
+            <a:extLst>
+              <a:ext uri="{28A0092B-C50C-407E-A947-70E740481C1C}">
+                <a14:useLocalDpi xmlns:a14="http://schemas.microsoft.com/office/drawing/2010/main" val="0"/>
+              </a:ext>
+            </a:extLst>
+          </a:blip>
+          <a:srcRect/>
+          <a:stretch>
+            <a:fillRect/>
+          </a:stretch>
+        </p:blipFill>
+        <p:spPr bwMode="auto">
+          <a:xfrm>
+            <a:off x="323528" y="1492159"/>
+            <a:ext cx="3744415" cy="2669440"/>
+          </a:xfrm>
+          <a:prstGeom prst="rect">
+            <a:avLst/>
+          </a:prstGeom>
+          <a:noFill/>
+          <a:extLst>
+            <a:ext uri="{909E8E84-426E-40DD-AFC4-6F175D3DCCD1}">
+              <a14:hiddenFill xmlns:a14="http://schemas.microsoft.com/office/drawing/2010/main">
+                <a:solidFill>
+                  <a:srgbClr val="FFFFFF"/>
+                </a:solidFill>
+              </a14:hiddenFill>
+            </a:ext>
+          </a:extLst>
+        </p:spPr>
+      </p:pic>
+      <p:sp>
+        <p:nvSpPr>
+          <p:cNvPr id="5" name="2 Marcador de contenido"/>
+          <p:cNvSpPr txBox="1">
+            <a:spLocks/>
+          </p:cNvSpPr>
+          <p:nvPr/>
+        </p:nvSpPr>
+        <p:spPr>
+          <a:xfrm>
+            <a:off x="4367630" y="933484"/>
+            <a:ext cx="3754760" cy="608323"/>
+          </a:xfrm>
+          <a:prstGeom prst="rect">
+            <a:avLst/>
+          </a:prstGeom>
+        </p:spPr>
+        <p:txBody>
+          <a:bodyPr vert="horz" lIns="91440" tIns="45720" rIns="91440" bIns="45720" rtlCol="0">
+            <a:normAutofit fontScale="77500" lnSpcReduction="20000"/>
+          </a:bodyPr>
+          <a:lstStyle>
+            <a:lvl1pPr marL="342900" indent="-228600" algn="l" defTabSz="914400" rtl="0" eaLnBrk="1" latinLnBrk="0" hangingPunct="1">
+              <a:spcBef>
+                <a:spcPct val="20000"/>
+              </a:spcBef>
+              <a:buClr>
+                <a:schemeClr val="accent1"/>
+              </a:buClr>
+              <a:buFont typeface="Arial" pitchFamily="34" charset="0"/>
+              <a:buChar char="•"/>
+              <a:defRPr sz="2200" kern="1200">
+                <a:solidFill>
+                  <a:schemeClr val="tx1"/>
+                </a:solidFill>
+                <a:latin typeface="+mn-lt"/>
+                <a:ea typeface="+mn-ea"/>
+                <a:cs typeface="+mn-cs"/>
+              </a:defRPr>
+            </a:lvl1pPr>
+            <a:lvl2pPr marL="640080" indent="-228600" algn="l" defTabSz="914400" rtl="0" eaLnBrk="1" latinLnBrk="0" hangingPunct="1">
+              <a:spcBef>
+                <a:spcPct val="20000"/>
+              </a:spcBef>
+              <a:buClr>
+                <a:schemeClr val="accent2"/>
+              </a:buClr>
+              <a:buFont typeface="Arial" pitchFamily="34" charset="0"/>
+              <a:buChar char="•"/>
+              <a:defRPr sz="2000" kern="1200">
+                <a:solidFill>
+                  <a:schemeClr val="tx1"/>
+                </a:solidFill>
+                <a:latin typeface="+mn-lt"/>
+                <a:ea typeface="+mn-ea"/>
+                <a:cs typeface="+mn-cs"/>
+              </a:defRPr>
+            </a:lvl2pPr>
+            <a:lvl3pPr marL="1005840" indent="-228600" algn="l" defTabSz="914400" rtl="0" eaLnBrk="1" latinLnBrk="0" hangingPunct="1">
+              <a:spcBef>
+                <a:spcPct val="20000"/>
+              </a:spcBef>
+              <a:buClr>
+                <a:schemeClr val="accent3"/>
+              </a:buClr>
+              <a:buFont typeface="Arial" pitchFamily="34" charset="0"/>
+              <a:buChar char="•"/>
+              <a:defRPr sz="1800" kern="1200">
+                <a:solidFill>
+                  <a:schemeClr val="tx1"/>
+                </a:solidFill>
+                <a:latin typeface="+mn-lt"/>
+                <a:ea typeface="+mn-ea"/>
+                <a:cs typeface="+mn-cs"/>
+              </a:defRPr>
+            </a:lvl3pPr>
+            <a:lvl4pPr marL="1280160" indent="-228600" algn="l" defTabSz="914400" rtl="0" eaLnBrk="1" latinLnBrk="0" hangingPunct="1">
+              <a:spcBef>
+                <a:spcPct val="20000"/>
+              </a:spcBef>
+              <a:buClr>
+                <a:schemeClr val="accent4"/>
+              </a:buClr>
+              <a:buFont typeface="Arial" pitchFamily="34" charset="0"/>
+              <a:buChar char="•"/>
+              <a:defRPr sz="1600" kern="1200">
+                <a:solidFill>
+                  <a:schemeClr val="tx1"/>
+                </a:solidFill>
+                <a:latin typeface="+mn-lt"/>
+                <a:ea typeface="+mn-ea"/>
+                <a:cs typeface="+mn-cs"/>
+              </a:defRPr>
+            </a:lvl4pPr>
+            <a:lvl5pPr marL="1554480" indent="-228600" algn="l" defTabSz="914400" rtl="0" eaLnBrk="1" latinLnBrk="0" hangingPunct="1">
+              <a:spcBef>
+                <a:spcPct val="20000"/>
+              </a:spcBef>
+              <a:buClr>
+                <a:schemeClr val="accent5"/>
+              </a:buClr>
+              <a:buFont typeface="Arial" pitchFamily="34" charset="0"/>
+              <a:buChar char="•"/>
+              <a:defRPr sz="1400" kern="1200" baseline="0">
+                <a:solidFill>
+                  <a:schemeClr val="tx1"/>
+                </a:solidFill>
+                <a:latin typeface="+mn-lt"/>
+                <a:ea typeface="+mn-ea"/>
+                <a:cs typeface="+mn-cs"/>
+              </a:defRPr>
+            </a:lvl5pPr>
+            <a:lvl6pPr marL="1737360" indent="-182880" algn="l" defTabSz="914400" rtl="0" eaLnBrk="1" latinLnBrk="0" hangingPunct="1">
+              <a:spcBef>
+                <a:spcPct val="20000"/>
+              </a:spcBef>
+              <a:buClr>
+                <a:schemeClr val="accent1"/>
+              </a:buClr>
+              <a:buFont typeface="Arial" pitchFamily="34" charset="0"/>
+              <a:buChar char="•"/>
+              <a:defRPr sz="1400" kern="1200" baseline="0">
+                <a:solidFill>
+                  <a:schemeClr val="tx1"/>
+                </a:solidFill>
+                <a:latin typeface="+mn-lt"/>
+                <a:ea typeface="+mn-ea"/>
+                <a:cs typeface="+mn-cs"/>
+              </a:defRPr>
+            </a:lvl6pPr>
+            <a:lvl7pPr marL="1920240" indent="-182880" algn="l" defTabSz="914400" rtl="0" eaLnBrk="1" latinLnBrk="0" hangingPunct="1">
+              <a:spcBef>
+                <a:spcPct val="20000"/>
+              </a:spcBef>
+              <a:buClr>
+                <a:schemeClr val="accent2"/>
+              </a:buClr>
+              <a:buFont typeface="Arial" pitchFamily="34" charset="0"/>
+              <a:buChar char="•"/>
+              <a:defRPr sz="1400" kern="1200">
+                <a:solidFill>
+                  <a:schemeClr val="tx1"/>
+                </a:solidFill>
+                <a:latin typeface="+mn-lt"/>
+                <a:ea typeface="+mn-ea"/>
+                <a:cs typeface="+mn-cs"/>
+              </a:defRPr>
+            </a:lvl7pPr>
+            <a:lvl8pPr marL="2103120" indent="-182880" algn="l" defTabSz="914400" rtl="0" eaLnBrk="1" latinLnBrk="0" hangingPunct="1">
+              <a:spcBef>
+                <a:spcPct val="20000"/>
+              </a:spcBef>
+              <a:buClr>
+                <a:schemeClr val="accent3"/>
+              </a:buClr>
+              <a:buFont typeface="Arial" pitchFamily="34" charset="0"/>
+              <a:buChar char="•"/>
+              <a:defRPr sz="1400" kern="1200">
+                <a:solidFill>
+                  <a:schemeClr val="tx1"/>
+                </a:solidFill>
+                <a:latin typeface="+mn-lt"/>
+                <a:ea typeface="+mn-ea"/>
+                <a:cs typeface="+mn-cs"/>
+              </a:defRPr>
+            </a:lvl8pPr>
+            <a:lvl9pPr marL="2286000" indent="-182880" algn="l" defTabSz="914400" rtl="0" eaLnBrk="1" latinLnBrk="0" hangingPunct="1">
+              <a:spcBef>
+                <a:spcPct val="20000"/>
+              </a:spcBef>
+              <a:buClr>
+                <a:schemeClr val="accent4"/>
+              </a:buClr>
+              <a:buFont typeface="Arial" pitchFamily="34" charset="0"/>
+              <a:buChar char="•"/>
+              <a:defRPr sz="1400" kern="1200">
+                <a:solidFill>
+                  <a:schemeClr val="tx1"/>
+                </a:solidFill>
+                <a:latin typeface="+mn-lt"/>
+                <a:ea typeface="+mn-ea"/>
+                <a:cs typeface="+mn-cs"/>
+              </a:defRPr>
+            </a:lvl9pPr>
+          </a:lstStyle>
+          <a:p>
+            <a:r>
+              <a:rPr lang="es-AR" dirty="0" smtClean="0"/>
+              <a:t>Rand </a:t>
+            </a:r>
+            <a:r>
+              <a:rPr lang="es-AR" dirty="0" err="1" smtClean="0"/>
+              <a:t>Forest</a:t>
+            </a:r>
+            <a:r>
+              <a:rPr lang="es-AR" dirty="0" smtClean="0"/>
+              <a:t>:  AUC: 0,83721</a:t>
+            </a:r>
+          </a:p>
+          <a:p>
+            <a:r>
+              <a:rPr lang="es-AR" dirty="0" err="1" smtClean="0"/>
+              <a:t>Adaboost</a:t>
+            </a:r>
+            <a:r>
+              <a:rPr lang="es-AR" dirty="0" smtClean="0"/>
+              <a:t> : AUC: 0,84809</a:t>
+            </a:r>
+          </a:p>
+          <a:p>
+            <a:endParaRPr lang="es-ES" dirty="0"/>
+          </a:p>
+        </p:txBody>
+      </p:sp>
+      <p:pic>
+        <p:nvPicPr>
+          <p:cNvPr id="1027" name="Picture 3" descr="C:\Users\Owner\Documents\GitHub\Digital_House\Tp Final\Presentacion\roc-RF+AB.png"/>
+          <p:cNvPicPr>
+            <a:picLocks noChangeAspect="1" noChangeArrowheads="1"/>
+          </p:cNvPicPr>
+          <p:nvPr/>
+        </p:nvPicPr>
+        <p:blipFill>
+          <a:blip r:embed="rId3">
+            <a:extLst>
+              <a:ext uri="{28A0092B-C50C-407E-A947-70E740481C1C}">
+                <a14:useLocalDpi xmlns:a14="http://schemas.microsoft.com/office/drawing/2010/main" val="0"/>
+              </a:ext>
+            </a:extLst>
+          </a:blip>
+          <a:srcRect/>
+          <a:stretch>
+            <a:fillRect/>
+          </a:stretch>
+        </p:blipFill>
+        <p:spPr bwMode="auto">
+          <a:xfrm>
+            <a:off x="4211960" y="1484784"/>
+            <a:ext cx="3754760" cy="2676815"/>
+          </a:xfrm>
+          <a:prstGeom prst="rect">
+            <a:avLst/>
+          </a:prstGeom>
+          <a:noFill/>
+          <a:extLst>
+            <a:ext uri="{909E8E84-426E-40DD-AFC4-6F175D3DCCD1}">
+              <a14:hiddenFill xmlns:a14="http://schemas.microsoft.com/office/drawing/2010/main">
+                <a:solidFill>
+                  <a:srgbClr val="FFFFFF"/>
+                </a:solidFill>
+              </a14:hiddenFill>
+            </a:ext>
+          </a:extLst>
+        </p:spPr>
+      </p:pic>
+      <p:sp>
+        <p:nvSpPr>
+          <p:cNvPr id="7" name="2 Marcador de contenido"/>
+          <p:cNvSpPr txBox="1">
+            <a:spLocks/>
+          </p:cNvSpPr>
+          <p:nvPr/>
+        </p:nvSpPr>
+        <p:spPr>
+          <a:xfrm>
+            <a:off x="593545" y="5174348"/>
+            <a:ext cx="3754760" cy="608323"/>
+          </a:xfrm>
+          <a:prstGeom prst="rect">
+            <a:avLst/>
+          </a:prstGeom>
+        </p:spPr>
+        <p:txBody>
+          <a:bodyPr vert="horz" lIns="91440" tIns="45720" rIns="91440" bIns="45720" rtlCol="0">
+            <a:normAutofit fontScale="77500" lnSpcReduction="20000"/>
+          </a:bodyPr>
+          <a:lstStyle>
+            <a:lvl1pPr marL="342900" indent="-228600" algn="l" defTabSz="914400" rtl="0" eaLnBrk="1" latinLnBrk="0" hangingPunct="1">
+              <a:spcBef>
+                <a:spcPct val="20000"/>
+              </a:spcBef>
+              <a:buClr>
+                <a:schemeClr val="accent1"/>
+              </a:buClr>
+              <a:buFont typeface="Arial" pitchFamily="34" charset="0"/>
+              <a:buChar char="•"/>
+              <a:defRPr sz="2200" kern="1200">
+                <a:solidFill>
+                  <a:schemeClr val="tx1"/>
+                </a:solidFill>
+                <a:latin typeface="+mn-lt"/>
+                <a:ea typeface="+mn-ea"/>
+                <a:cs typeface="+mn-cs"/>
+              </a:defRPr>
+            </a:lvl1pPr>
+            <a:lvl2pPr marL="640080" indent="-228600" algn="l" defTabSz="914400" rtl="0" eaLnBrk="1" latinLnBrk="0" hangingPunct="1">
+              <a:spcBef>
+                <a:spcPct val="20000"/>
+              </a:spcBef>
+              <a:buClr>
+                <a:schemeClr val="accent2"/>
+              </a:buClr>
+              <a:buFont typeface="Arial" pitchFamily="34" charset="0"/>
+              <a:buChar char="•"/>
+              <a:defRPr sz="2000" kern="1200">
+                <a:solidFill>
+                  <a:schemeClr val="tx1"/>
+                </a:solidFill>
+                <a:latin typeface="+mn-lt"/>
+                <a:ea typeface="+mn-ea"/>
+                <a:cs typeface="+mn-cs"/>
+              </a:defRPr>
+            </a:lvl2pPr>
+            <a:lvl3pPr marL="1005840" indent="-228600" algn="l" defTabSz="914400" rtl="0" eaLnBrk="1" latinLnBrk="0" hangingPunct="1">
+              <a:spcBef>
+                <a:spcPct val="20000"/>
+              </a:spcBef>
+              <a:buClr>
+                <a:schemeClr val="accent3"/>
+              </a:buClr>
+              <a:buFont typeface="Arial" pitchFamily="34" charset="0"/>
+              <a:buChar char="•"/>
+              <a:defRPr sz="1800" kern="1200">
+                <a:solidFill>
+                  <a:schemeClr val="tx1"/>
+                </a:solidFill>
+                <a:latin typeface="+mn-lt"/>
+                <a:ea typeface="+mn-ea"/>
+                <a:cs typeface="+mn-cs"/>
+              </a:defRPr>
+            </a:lvl3pPr>
+            <a:lvl4pPr marL="1280160" indent="-228600" algn="l" defTabSz="914400" rtl="0" eaLnBrk="1" latinLnBrk="0" hangingPunct="1">
+              <a:spcBef>
+                <a:spcPct val="20000"/>
+              </a:spcBef>
+              <a:buClr>
+                <a:schemeClr val="accent4"/>
+              </a:buClr>
+              <a:buFont typeface="Arial" pitchFamily="34" charset="0"/>
+              <a:buChar char="•"/>
+              <a:defRPr sz="1600" kern="1200">
+                <a:solidFill>
+                  <a:schemeClr val="tx1"/>
+                </a:solidFill>
+                <a:latin typeface="+mn-lt"/>
+                <a:ea typeface="+mn-ea"/>
+                <a:cs typeface="+mn-cs"/>
+              </a:defRPr>
+            </a:lvl4pPr>
+            <a:lvl5pPr marL="1554480" indent="-228600" algn="l" defTabSz="914400" rtl="0" eaLnBrk="1" latinLnBrk="0" hangingPunct="1">
+              <a:spcBef>
+                <a:spcPct val="20000"/>
+              </a:spcBef>
+              <a:buClr>
+                <a:schemeClr val="accent5"/>
+              </a:buClr>
+              <a:buFont typeface="Arial" pitchFamily="34" charset="0"/>
+              <a:buChar char="•"/>
+              <a:defRPr sz="1400" kern="1200" baseline="0">
+                <a:solidFill>
+                  <a:schemeClr val="tx1"/>
+                </a:solidFill>
+                <a:latin typeface="+mn-lt"/>
+                <a:ea typeface="+mn-ea"/>
+                <a:cs typeface="+mn-cs"/>
+              </a:defRPr>
+            </a:lvl5pPr>
+            <a:lvl6pPr marL="1737360" indent="-182880" algn="l" defTabSz="914400" rtl="0" eaLnBrk="1" latinLnBrk="0" hangingPunct="1">
+              <a:spcBef>
+                <a:spcPct val="20000"/>
+              </a:spcBef>
+              <a:buClr>
+                <a:schemeClr val="accent1"/>
+              </a:buClr>
+              <a:buFont typeface="Arial" pitchFamily="34" charset="0"/>
+              <a:buChar char="•"/>
+              <a:defRPr sz="1400" kern="1200" baseline="0">
+                <a:solidFill>
+                  <a:schemeClr val="tx1"/>
+                </a:solidFill>
+                <a:latin typeface="+mn-lt"/>
+                <a:ea typeface="+mn-ea"/>
+                <a:cs typeface="+mn-cs"/>
+              </a:defRPr>
+            </a:lvl6pPr>
+            <a:lvl7pPr marL="1920240" indent="-182880" algn="l" defTabSz="914400" rtl="0" eaLnBrk="1" latinLnBrk="0" hangingPunct="1">
+              <a:spcBef>
+                <a:spcPct val="20000"/>
+              </a:spcBef>
+              <a:buClr>
+                <a:schemeClr val="accent2"/>
+              </a:buClr>
+              <a:buFont typeface="Arial" pitchFamily="34" charset="0"/>
+              <a:buChar char="•"/>
+              <a:defRPr sz="1400" kern="1200">
+                <a:solidFill>
+                  <a:schemeClr val="tx1"/>
+                </a:solidFill>
+                <a:latin typeface="+mn-lt"/>
+                <a:ea typeface="+mn-ea"/>
+                <a:cs typeface="+mn-cs"/>
+              </a:defRPr>
+            </a:lvl7pPr>
+            <a:lvl8pPr marL="2103120" indent="-182880" algn="l" defTabSz="914400" rtl="0" eaLnBrk="1" latinLnBrk="0" hangingPunct="1">
+              <a:spcBef>
+                <a:spcPct val="20000"/>
+              </a:spcBef>
+              <a:buClr>
+                <a:schemeClr val="accent3"/>
+              </a:buClr>
+              <a:buFont typeface="Arial" pitchFamily="34" charset="0"/>
+              <a:buChar char="•"/>
+              <a:defRPr sz="1400" kern="1200">
+                <a:solidFill>
+                  <a:schemeClr val="tx1"/>
+                </a:solidFill>
+                <a:latin typeface="+mn-lt"/>
+                <a:ea typeface="+mn-ea"/>
+                <a:cs typeface="+mn-cs"/>
+              </a:defRPr>
+            </a:lvl8pPr>
+            <a:lvl9pPr marL="2286000" indent="-182880" algn="l" defTabSz="914400" rtl="0" eaLnBrk="1" latinLnBrk="0" hangingPunct="1">
+              <a:spcBef>
+                <a:spcPct val="20000"/>
+              </a:spcBef>
+              <a:buClr>
+                <a:schemeClr val="accent4"/>
+              </a:buClr>
+              <a:buFont typeface="Arial" pitchFamily="34" charset="0"/>
+              <a:buChar char="•"/>
+              <a:defRPr sz="1400" kern="1200">
+                <a:solidFill>
+                  <a:schemeClr val="tx1"/>
+                </a:solidFill>
+                <a:latin typeface="+mn-lt"/>
+                <a:ea typeface="+mn-ea"/>
+                <a:cs typeface="+mn-cs"/>
+              </a:defRPr>
+            </a:lvl9pPr>
+          </a:lstStyle>
+          <a:p>
+            <a:r>
+              <a:rPr lang="es-AR" dirty="0" err="1" smtClean="0"/>
+              <a:t>xgboost</a:t>
+            </a:r>
+            <a:r>
+              <a:rPr lang="es-AR" dirty="0" smtClean="0"/>
+              <a:t>:  AUC: 0,81845</a:t>
+            </a:r>
+          </a:p>
+          <a:p>
+            <a:r>
+              <a:rPr lang="es-AR" dirty="0" smtClean="0"/>
+              <a:t>Light </a:t>
+            </a:r>
+            <a:r>
+              <a:rPr lang="es-AR" dirty="0" err="1" smtClean="0"/>
+              <a:t>xgboost</a:t>
+            </a:r>
+            <a:r>
+              <a:rPr lang="es-AR" dirty="0" smtClean="0"/>
+              <a:t>: AUC: 0,84182</a:t>
+            </a:r>
+          </a:p>
+          <a:p>
+            <a:endParaRPr lang="es-ES" dirty="0"/>
+          </a:p>
+        </p:txBody>
+      </p:sp>
+      <p:pic>
+        <p:nvPicPr>
+          <p:cNvPr id="1028" name="Picture 4" descr="C:\Users\Owner\Documents\GitHub\Digital_House\Tp Final\Presentacion\roc-XGB+LB.png"/>
+          <p:cNvPicPr>
+            <a:picLocks noChangeAspect="1" noChangeArrowheads="1"/>
+          </p:cNvPicPr>
+          <p:nvPr/>
+        </p:nvPicPr>
+        <p:blipFill>
+          <a:blip r:embed="rId4">
+            <a:extLst>
+              <a:ext uri="{28A0092B-C50C-407E-A947-70E740481C1C}">
+                <a14:useLocalDpi xmlns:a14="http://schemas.microsoft.com/office/drawing/2010/main" val="0"/>
+              </a:ext>
+            </a:extLst>
+          </a:blip>
+          <a:srcRect/>
+          <a:stretch>
+            <a:fillRect/>
+          </a:stretch>
+        </p:blipFill>
+        <p:spPr bwMode="auto">
+          <a:xfrm>
+            <a:off x="3638184" y="4077072"/>
+            <a:ext cx="3670120" cy="2616475"/>
+          </a:xfrm>
+          <a:prstGeom prst="rect">
+            <a:avLst/>
+          </a:prstGeom>
+          <a:noFill/>
+          <a:extLst>
+            <a:ext uri="{909E8E84-426E-40DD-AFC4-6F175D3DCCD1}">
+              <a14:hiddenFill xmlns:a14="http://schemas.microsoft.com/office/drawing/2010/main">
+                <a:solidFill>
+                  <a:srgbClr val="FFFFFF"/>
+                </a:solidFill>
+              </a14:hiddenFill>
+            </a:ext>
+          </a:extLst>
+        </p:spPr>
+      </p:pic>
     </p:spTree>
     <p:extLst>
       <p:ext uri="{BB962C8B-B14F-4D97-AF65-F5344CB8AC3E}">
@@ -7597,6 +11716,13 @@
   <p:clrMapOvr>
     <a:masterClrMapping/>
   </p:clrMapOvr>
+  <p:timing>
+    <p:tnLst>
+      <p:par>
+        <p:cTn id="1" dur="indefinite" restart="never" nodeType="tmRoot"/>
+      </p:par>
+    </p:tnLst>
+  </p:timing>
 </p:sld>
 </file>
 
@@ -7634,28 +11760,69 @@
           <a:p>
             <a:r>
               <a:rPr lang="es-AR" dirty="0" smtClean="0"/>
-              <a:t>Modelos utilizados</a:t>
+              <a:t>Ensamble de Modelos</a:t>
             </a:r>
             <a:endParaRPr lang="es-ES" dirty="0"/>
           </a:p>
         </p:txBody>
       </p:sp>
+      <p:graphicFrame>
+        <p:nvGraphicFramePr>
+          <p:cNvPr id="4" name="3 Diagrama"/>
+          <p:cNvGraphicFramePr/>
+          <p:nvPr>
+            <p:extLst>
+              <p:ext uri="{D42A27DB-BD31-4B8C-83A1-F6EECF244321}">
+                <p14:modId xmlns:p14="http://schemas.microsoft.com/office/powerpoint/2010/main" val="2997875989"/>
+              </p:ext>
+            </p:extLst>
+          </p:nvPr>
+        </p:nvGraphicFramePr>
+        <p:xfrm>
+          <a:off x="323528" y="908720"/>
+          <a:ext cx="6624736" cy="5400600"/>
+        </p:xfrm>
+        <a:graphic>
+          <a:graphicData uri="http://schemas.openxmlformats.org/drawingml/2006/diagram">
+            <dgm:relIds xmlns:dgm="http://schemas.openxmlformats.org/drawingml/2006/diagram" xmlns:r="http://schemas.openxmlformats.org/officeDocument/2006/relationships" r:dm="rId2" r:lo="rId3" r:qs="rId4" r:cs="rId5"/>
+          </a:graphicData>
+        </a:graphic>
+      </p:graphicFrame>
       <p:sp>
         <p:nvSpPr>
-          <p:cNvPr id="3" name="2 Marcador de contenido"/>
-          <p:cNvSpPr>
-            <a:spLocks noGrp="1"/>
-          </p:cNvSpPr>
-          <p:nvPr>
-            <p:ph idx="1"/>
-          </p:nvPr>
+          <p:cNvPr id="6" name="5 CuadroTexto"/>
+          <p:cNvSpPr txBox="1"/>
+          <p:nvPr/>
         </p:nvSpPr>
-        <p:spPr/>
+        <p:spPr>
+          <a:xfrm>
+            <a:off x="323528" y="6021288"/>
+            <a:ext cx="7344816" cy="646331"/>
+          </a:xfrm>
+          <a:prstGeom prst="rect">
+            <a:avLst/>
+          </a:prstGeom>
+          <a:noFill/>
+        </p:spPr>
         <p:txBody>
-          <a:bodyPr/>
+          <a:bodyPr wrap="square" rtlCol="0">
+            <a:spAutoFit/>
+          </a:bodyPr>
           <a:lstStyle/>
           <a:p>
-            <a:endParaRPr lang="es-ES"/>
+            <a:r>
+              <a:rPr lang="es-AR" dirty="0" smtClean="0"/>
+              <a:t>* Q caracteres, Q palabras, Q palabras en mayúscula, numero de </a:t>
+            </a:r>
+            <a:r>
+              <a:rPr lang="es-AR" dirty="0" err="1" smtClean="0"/>
+              <a:t>linea</a:t>
+            </a:r>
+            <a:r>
+              <a:rPr lang="es-AR" dirty="0" smtClean="0"/>
+              <a:t>, densidad de las palabras.</a:t>
+            </a:r>
+            <a:endParaRPr lang="es-ES" dirty="0"/>
           </a:p>
         </p:txBody>
       </p:sp>
@@ -7669,6 +11836,13 @@
   <p:clrMapOvr>
     <a:masterClrMapping/>
   </p:clrMapOvr>
+  <p:timing>
+    <p:tnLst>
+      <p:par>
+        <p:cTn id="1" dur="indefinite" restart="never" nodeType="tmRoot"/>
+      </p:par>
+    </p:tnLst>
+  </p:timing>
 </p:sld>
 </file>
 
@@ -7699,18 +11873,23 @@
             <p:ph type="title"/>
           </p:nvPr>
         </p:nvSpPr>
-        <p:spPr/>
+        <p:spPr>
+          <a:xfrm>
+            <a:off x="395536" y="-27384"/>
+            <a:ext cx="7620000" cy="1143000"/>
+          </a:xfrm>
+        </p:spPr>
         <p:txBody>
           <a:bodyPr/>
           <a:lstStyle/>
           <a:p>
             <a:r>
-              <a:rPr lang="es-AR" dirty="0" err="1" smtClean="0"/>
-              <a:t>Integracion</a:t>
+              <a:rPr lang="es-AR" dirty="0" smtClean="0"/>
+              <a:t>An</a:t>
             </a:r>
             <a:r>
               <a:rPr lang="es-AR" dirty="0" smtClean="0"/>
-              <a:t> de modelos </a:t>
+              <a:t>álisis de Resultados</a:t>
             </a:r>
             <a:endParaRPr lang="es-ES" dirty="0"/>
           </a:p>
@@ -7726,160 +11905,1353 @@
             <p:ph idx="1"/>
           </p:nvPr>
         </p:nvSpPr>
-        <p:spPr/>
+        <p:spPr>
+          <a:xfrm>
+            <a:off x="-180528" y="936220"/>
+            <a:ext cx="3600400" cy="2520280"/>
+          </a:xfrm>
+        </p:spPr>
         <p:txBody>
           <a:bodyPr/>
           <a:lstStyle/>
           <a:p>
-            <a:endParaRPr lang="es-ES"/>
-          </a:p>
-        </p:txBody>
-      </p:sp>
-    </p:spTree>
-    <p:extLst>
-      <p:ext uri="{BB962C8B-B14F-4D97-AF65-F5344CB8AC3E}">
-        <p14:creationId xmlns:p14="http://schemas.microsoft.com/office/powerpoint/2010/main" val="237907839"/>
-      </p:ext>
-    </p:extLst>
-  </p:cSld>
-  <p:clrMapOvr>
-    <a:masterClrMapping/>
-  </p:clrMapOvr>
-</p:sld>
-</file>
-
-<file path=ppt/slides/slide7.xml><?xml version="1.0" encoding="utf-8"?>
-<p:sld xmlns:a="http://schemas.openxmlformats.org/drawingml/2006/main" xmlns:r="http://schemas.openxmlformats.org/officeDocument/2006/relationships" xmlns:p="http://schemas.openxmlformats.org/presentationml/2006/main">
-  <p:cSld>
-    <p:spTree>
-      <p:nvGrpSpPr>
-        <p:cNvPr id="1" name=""/>
-        <p:cNvGrpSpPr/>
-        <p:nvPr/>
-      </p:nvGrpSpPr>
-      <p:grpSpPr>
-        <a:xfrm>
-          <a:off x="0" y="0"/>
-          <a:ext cx="0" cy="0"/>
-          <a:chOff x="0" y="0"/>
-          <a:chExt cx="0" cy="0"/>
-        </a:xfrm>
-      </p:grpSpPr>
-      <p:sp>
-        <p:nvSpPr>
-          <p:cNvPr id="2" name="1 Título"/>
-          <p:cNvSpPr>
-            <a:spLocks noGrp="1"/>
-          </p:cNvSpPr>
-          <p:nvPr>
-            <p:ph type="title"/>
-          </p:nvPr>
-        </p:nvSpPr>
-        <p:spPr/>
-        <p:txBody>
-          <a:bodyPr/>
-          <a:lstStyle/>
-          <a:p>
+            <a:r>
+              <a:rPr lang="es-AR" dirty="0" smtClean="0"/>
+              <a:t>AUC: 0,904307 (</a:t>
+            </a:r>
             <a:r>
               <a:rPr lang="es-AR" dirty="0" err="1" smtClean="0"/>
-              <a:t>Analisis</a:t>
+              <a:t>train</a:t>
             </a:r>
             <a:r>
               <a:rPr lang="es-AR" dirty="0" smtClean="0"/>
-              <a:t> de Resultados</a:t>
+              <a:t>)</a:t>
             </a:r>
+          </a:p>
+          <a:p>
+            <a:r>
+              <a:rPr lang="es-AR" dirty="0" smtClean="0"/>
+              <a:t>Resultados en Test:</a:t>
+            </a:r>
+          </a:p>
+          <a:p>
+            <a:pPr lvl="1"/>
+            <a:r>
+              <a:rPr lang="es-AR" dirty="0" smtClean="0"/>
+              <a:t>AUC: 0,857229</a:t>
+            </a:r>
+          </a:p>
+          <a:p>
+            <a:pPr lvl="1"/>
+            <a:r>
+              <a:rPr lang="es-AR" dirty="0" err="1" smtClean="0"/>
+              <a:t>Recall</a:t>
+            </a:r>
+            <a:r>
+              <a:rPr lang="es-AR" dirty="0" smtClean="0"/>
+              <a:t> 0,61803</a:t>
+            </a:r>
+          </a:p>
+          <a:p>
+            <a:pPr lvl="1"/>
+            <a:r>
+              <a:rPr lang="es-AR" dirty="0" err="1" smtClean="0"/>
+              <a:t>Precision</a:t>
+            </a:r>
+            <a:r>
+              <a:rPr lang="es-AR" dirty="0" smtClean="0"/>
+              <a:t>: 0,14742</a:t>
+            </a:r>
+          </a:p>
+          <a:p>
+            <a:pPr lvl="1"/>
+            <a:r>
+              <a:rPr lang="es-AR" u="dbl" dirty="0" smtClean="0"/>
+              <a:t>F3: 0,46848</a:t>
+            </a:r>
+          </a:p>
+          <a:p>
+            <a:pPr lvl="1"/>
             <a:endParaRPr lang="es-ES" dirty="0"/>
           </a:p>
         </p:txBody>
       </p:sp>
       <p:sp>
         <p:nvSpPr>
-          <p:cNvPr id="3" name="2 Marcador de contenido"/>
-          <p:cNvSpPr>
-            <a:spLocks noGrp="1"/>
-          </p:cNvSpPr>
-          <p:nvPr>
-            <p:ph idx="1"/>
-          </p:nvPr>
+          <p:cNvPr id="4" name="3 Rectángulo redondeado"/>
+          <p:cNvSpPr/>
+          <p:nvPr/>
         </p:nvSpPr>
-        <p:spPr/>
+        <p:spPr>
+          <a:xfrm>
+            <a:off x="5292080" y="936220"/>
+            <a:ext cx="3024336" cy="2520280"/>
+          </a:xfrm>
+          <a:prstGeom prst="roundRect">
+            <a:avLst/>
+          </a:prstGeom>
+        </p:spPr>
+        <p:style>
+          <a:lnRef idx="2">
+            <a:schemeClr val="accent1">
+              <a:shade val="50000"/>
+            </a:schemeClr>
+          </a:lnRef>
+          <a:fillRef idx="1">
+            <a:schemeClr val="accent1"/>
+          </a:fillRef>
+          <a:effectRef idx="0">
+            <a:schemeClr val="accent1"/>
+          </a:effectRef>
+          <a:fontRef idx="minor">
+            <a:schemeClr val="lt1"/>
+          </a:fontRef>
+        </p:style>
         <p:txBody>
-          <a:bodyPr/>
+          <a:bodyPr rtlCol="0" anchor="ctr"/>
           <a:lstStyle/>
           <a:p>
-            <a:endParaRPr lang="es-ES"/>
+            <a:pPr algn="ctr"/>
+            <a:r>
+              <a:rPr lang="es-AR" b="1" dirty="0" smtClean="0"/>
+              <a:t>Utilizamos el F3 porque prioriza el </a:t>
+            </a:r>
+            <a:r>
+              <a:rPr lang="es-AR" b="1" dirty="0" err="1" smtClean="0"/>
+              <a:t>recall</a:t>
+            </a:r>
+            <a:r>
+              <a:rPr lang="es-AR" b="1" dirty="0" smtClean="0"/>
+              <a:t> por sobre la </a:t>
+            </a:r>
+            <a:r>
+              <a:rPr lang="es-AR" b="1" dirty="0" err="1" smtClean="0"/>
+              <a:t>precision</a:t>
+            </a:r>
+            <a:r>
+              <a:rPr lang="es-AR" b="1" dirty="0" smtClean="0"/>
+              <a:t>. Es decir, busca encontrar mayor cantidad de </a:t>
+            </a:r>
+            <a:r>
+              <a:rPr lang="es-AR" b="1" dirty="0" err="1" smtClean="0"/>
+              <a:t>lineas</a:t>
+            </a:r>
+            <a:r>
+              <a:rPr lang="es-AR" b="1" dirty="0" smtClean="0"/>
+              <a:t> con </a:t>
+            </a:r>
+            <a:r>
+              <a:rPr lang="es-AR" b="1" dirty="0" err="1" smtClean="0"/>
+              <a:t>comportanmiento</a:t>
+            </a:r>
+            <a:r>
+              <a:rPr lang="es-AR" b="1" dirty="0" smtClean="0"/>
+              <a:t> indebido aunque incurra en falsos positivos </a:t>
+            </a:r>
+            <a:endParaRPr lang="es-ES" b="1" dirty="0"/>
           </a:p>
         </p:txBody>
       </p:sp>
-    </p:spTree>
-    <p:extLst>
-      <p:ext uri="{BB962C8B-B14F-4D97-AF65-F5344CB8AC3E}">
-        <p14:creationId xmlns:p14="http://schemas.microsoft.com/office/powerpoint/2010/main" val="4071315973"/>
-      </p:ext>
-    </p:extLst>
-  </p:cSld>
-  <p:clrMapOvr>
-    <a:masterClrMapping/>
-  </p:clrMapOvr>
-</p:sld>
-</file>
-
-<file path=ppt/slides/slide8.xml><?xml version="1.0" encoding="utf-8"?>
-<p:sld xmlns:a="http://schemas.openxmlformats.org/drawingml/2006/main" xmlns:r="http://schemas.openxmlformats.org/officeDocument/2006/relationships" xmlns:p="http://schemas.openxmlformats.org/presentationml/2006/main">
-  <p:cSld>
-    <p:spTree>
-      <p:nvGrpSpPr>
-        <p:cNvPr id="1" name=""/>
-        <p:cNvGrpSpPr/>
-        <p:nvPr/>
-      </p:nvGrpSpPr>
-      <p:grpSpPr>
-        <a:xfrm>
-          <a:off x="0" y="0"/>
-          <a:ext cx="0" cy="0"/>
-          <a:chOff x="0" y="0"/>
-          <a:chExt cx="0" cy="0"/>
-        </a:xfrm>
-      </p:grpSpPr>
+      <p:graphicFrame>
+        <p:nvGraphicFramePr>
+          <p:cNvPr id="5" name="4 Tabla"/>
+          <p:cNvGraphicFramePr>
+            <a:graphicFrameLocks noGrp="1"/>
+          </p:cNvGraphicFramePr>
+          <p:nvPr>
+            <p:extLst>
+              <p:ext uri="{D42A27DB-BD31-4B8C-83A1-F6EECF244321}">
+                <p14:modId xmlns:p14="http://schemas.microsoft.com/office/powerpoint/2010/main" val="1056349778"/>
+              </p:ext>
+            </p:extLst>
+          </p:nvPr>
+        </p:nvGraphicFramePr>
+        <p:xfrm>
+          <a:off x="35496" y="3573016"/>
+          <a:ext cx="4032449" cy="2952330"/>
+        </p:xfrm>
+        <a:graphic>
+          <a:graphicData uri="http://schemas.openxmlformats.org/drawingml/2006/table">
+            <a:tbl>
+              <a:tblPr>
+                <a:tableStyleId>{5C22544A-7EE6-4342-B048-85BDC9FD1C3A}</a:tableStyleId>
+              </a:tblPr>
+              <a:tblGrid>
+                <a:gridCol w="806490"/>
+                <a:gridCol w="2419469"/>
+                <a:gridCol w="806490"/>
+              </a:tblGrid>
+              <a:tr h="196822">
+                <a:tc>
+                  <a:txBody>
+                    <a:bodyPr/>
+                    <a:lstStyle/>
+                    <a:p>
+                      <a:pPr algn="l" fontAlgn="b"/>
+                      <a:r>
+                        <a:rPr lang="es-ES" sz="1200" u="none" strike="noStrike" dirty="0" err="1">
+                          <a:effectLst/>
+                        </a:rPr>
+                        <a:t>Rnk</a:t>
+                      </a:r>
+                      <a:endParaRPr lang="es-ES" sz="1200" b="0" i="0" u="none" strike="noStrike" dirty="0">
+                        <a:solidFill>
+                          <a:srgbClr val="000000"/>
+                        </a:solidFill>
+                        <a:effectLst/>
+                        <a:latin typeface="Calibri"/>
+                      </a:endParaRPr>
+                    </a:p>
+                  </a:txBody>
+                  <a:tcPr marL="9525" marR="9525" marT="9525" marB="0" anchor="b"/>
+                </a:tc>
+                <a:tc>
+                  <a:txBody>
+                    <a:bodyPr/>
+                    <a:lstStyle/>
+                    <a:p>
+                      <a:pPr algn="l" fontAlgn="b"/>
+                      <a:r>
+                        <a:rPr lang="es-ES" sz="1200" u="none" strike="noStrike">
+                          <a:effectLst/>
+                        </a:rPr>
+                        <a:t>Participantes</a:t>
+                      </a:r>
+                      <a:endParaRPr lang="es-ES" sz="1200" b="0" i="0" u="none" strike="noStrike">
+                        <a:solidFill>
+                          <a:srgbClr val="000000"/>
+                        </a:solidFill>
+                        <a:effectLst/>
+                        <a:latin typeface="Calibri"/>
+                      </a:endParaRPr>
+                    </a:p>
+                  </a:txBody>
+                  <a:tcPr marL="9525" marR="9525" marT="9525" marB="0" anchor="b"/>
+                </a:tc>
+                <a:tc>
+                  <a:txBody>
+                    <a:bodyPr/>
+                    <a:lstStyle/>
+                    <a:p>
+                      <a:pPr algn="l" fontAlgn="b"/>
+                      <a:r>
+                        <a:rPr lang="es-ES" sz="1200" u="none" strike="noStrike">
+                          <a:effectLst/>
+                        </a:rPr>
+                        <a:t>F</a:t>
+                      </a:r>
+                      <a:r>
+                        <a:rPr lang="el-GR" sz="1200" u="none" strike="noStrike">
+                          <a:effectLst/>
+                        </a:rPr>
+                        <a:t>β=3</a:t>
+                      </a:r>
+                      <a:endParaRPr lang="el-GR" sz="1200" b="0" i="0" u="none" strike="noStrike">
+                        <a:solidFill>
+                          <a:srgbClr val="000000"/>
+                        </a:solidFill>
+                        <a:effectLst/>
+                        <a:latin typeface="Calibri"/>
+                      </a:endParaRPr>
+                    </a:p>
+                  </a:txBody>
+                  <a:tcPr marL="9525" marR="9525" marT="9525" marB="0" anchor="b"/>
+                </a:tc>
+              </a:tr>
+              <a:tr h="196822">
+                <a:tc>
+                  <a:txBody>
+                    <a:bodyPr/>
+                    <a:lstStyle/>
+                    <a:p>
+                      <a:pPr algn="ctr" fontAlgn="b"/>
+                      <a:r>
+                        <a:rPr lang="es-ES" sz="1200" u="none" strike="noStrike" dirty="0">
+                          <a:effectLst/>
+                        </a:rPr>
+                        <a:t>1</a:t>
+                      </a:r>
+                      <a:endParaRPr lang="es-ES" sz="1200" b="0" i="0" u="none" strike="noStrike" dirty="0">
+                        <a:solidFill>
+                          <a:srgbClr val="000000"/>
+                        </a:solidFill>
+                        <a:effectLst/>
+                        <a:latin typeface="Calibri"/>
+                      </a:endParaRPr>
+                    </a:p>
+                  </a:txBody>
+                  <a:tcPr marL="9525" marR="9525" marT="9525" marB="0" anchor="b"/>
+                </a:tc>
+                <a:tc>
+                  <a:txBody>
+                    <a:bodyPr/>
+                    <a:lstStyle/>
+                    <a:p>
+                      <a:pPr algn="l" fontAlgn="b"/>
+                      <a:r>
+                        <a:rPr lang="es-ES" sz="1200" u="none" strike="noStrike" dirty="0">
+                          <a:effectLst/>
+                        </a:rPr>
+                        <a:t>grozea12-run-2012-06-14-1706b</a:t>
+                      </a:r>
+                      <a:endParaRPr lang="es-ES" sz="1200" b="0" i="0" u="none" strike="noStrike" dirty="0">
+                        <a:solidFill>
+                          <a:srgbClr val="000000"/>
+                        </a:solidFill>
+                        <a:effectLst/>
+                        <a:latin typeface="Calibri"/>
+                      </a:endParaRPr>
+                    </a:p>
+                  </a:txBody>
+                  <a:tcPr marL="9525" marR="9525" marT="9525" marB="0" anchor="b"/>
+                </a:tc>
+                <a:tc>
+                  <a:txBody>
+                    <a:bodyPr/>
+                    <a:lstStyle/>
+                    <a:p>
+                      <a:pPr algn="l" fontAlgn="b"/>
+                      <a:r>
+                        <a:rPr lang="es-ES" sz="1200" u="none" strike="noStrike">
+                          <a:effectLst/>
+                        </a:rPr>
+                        <a:t>0.4762</a:t>
+                      </a:r>
+                      <a:endParaRPr lang="es-ES" sz="1200" b="0" i="0" u="none" strike="noStrike">
+                        <a:solidFill>
+                          <a:srgbClr val="000000"/>
+                        </a:solidFill>
+                        <a:effectLst/>
+                        <a:latin typeface="Calibri"/>
+                      </a:endParaRPr>
+                    </a:p>
+                  </a:txBody>
+                  <a:tcPr marL="9525" marR="9525" marT="9525" marB="0" anchor="b"/>
+                </a:tc>
+              </a:tr>
+              <a:tr h="196822">
+                <a:tc>
+                  <a:txBody>
+                    <a:bodyPr/>
+                    <a:lstStyle/>
+                    <a:p>
+                      <a:pPr algn="ctr" fontAlgn="b"/>
+                      <a:r>
+                        <a:rPr lang="es-ES" sz="1200" u="none" strike="noStrike" dirty="0">
+                          <a:effectLst/>
+                        </a:rPr>
+                        <a:t>2</a:t>
+                      </a:r>
+                      <a:endParaRPr lang="es-ES" sz="1200" b="0" i="0" u="none" strike="noStrike" dirty="0">
+                        <a:solidFill>
+                          <a:srgbClr val="000000"/>
+                        </a:solidFill>
+                        <a:effectLst/>
+                        <a:latin typeface="Calibri"/>
+                      </a:endParaRPr>
+                    </a:p>
+                  </a:txBody>
+                  <a:tcPr marL="9525" marR="9525" marT="9525" marB="0" anchor="b"/>
+                </a:tc>
+                <a:tc>
+                  <a:txBody>
+                    <a:bodyPr/>
+                    <a:lstStyle/>
+                    <a:p>
+                      <a:pPr algn="l" fontAlgn="b"/>
+                      <a:r>
+                        <a:rPr lang="es-ES" sz="1200" u="none" strike="noStrike">
+                          <a:effectLst/>
+                        </a:rPr>
+                        <a:t>kontostathis-run-2012-06-16-0317e</a:t>
+                      </a:r>
+                      <a:endParaRPr lang="es-ES" sz="1200" b="0" i="0" u="none" strike="noStrike">
+                        <a:solidFill>
+                          <a:srgbClr val="000000"/>
+                        </a:solidFill>
+                        <a:effectLst/>
+                        <a:latin typeface="Calibri"/>
+                      </a:endParaRPr>
+                    </a:p>
+                  </a:txBody>
+                  <a:tcPr marL="9525" marR="9525" marT="9525" marB="0" anchor="b"/>
+                </a:tc>
+                <a:tc>
+                  <a:txBody>
+                    <a:bodyPr/>
+                    <a:lstStyle/>
+                    <a:p>
+                      <a:pPr algn="l" fontAlgn="b"/>
+                      <a:r>
+                        <a:rPr lang="es-ES" sz="1200" u="none" strike="noStrike" dirty="0">
+                          <a:effectLst/>
+                        </a:rPr>
+                        <a:t>0.4174</a:t>
+                      </a:r>
+                      <a:endParaRPr lang="es-ES" sz="1200" b="0" i="0" u="none" strike="noStrike" dirty="0">
+                        <a:solidFill>
+                          <a:srgbClr val="000000"/>
+                        </a:solidFill>
+                        <a:effectLst/>
+                        <a:latin typeface="Calibri"/>
+                      </a:endParaRPr>
+                    </a:p>
+                  </a:txBody>
+                  <a:tcPr marL="9525" marR="9525" marT="9525" marB="0" anchor="b"/>
+                </a:tc>
+              </a:tr>
+              <a:tr h="196822">
+                <a:tc>
+                  <a:txBody>
+                    <a:bodyPr/>
+                    <a:lstStyle/>
+                    <a:p>
+                      <a:pPr algn="ctr" fontAlgn="b"/>
+                      <a:r>
+                        <a:rPr lang="es-ES" sz="1200" u="none" strike="noStrike" dirty="0">
+                          <a:effectLst/>
+                        </a:rPr>
+                        <a:t>3</a:t>
+                      </a:r>
+                      <a:endParaRPr lang="es-ES" sz="1200" b="0" i="0" u="none" strike="noStrike" dirty="0">
+                        <a:solidFill>
+                          <a:srgbClr val="000000"/>
+                        </a:solidFill>
+                        <a:effectLst/>
+                        <a:latin typeface="Calibri"/>
+                      </a:endParaRPr>
+                    </a:p>
+                  </a:txBody>
+                  <a:tcPr marL="9525" marR="9525" marT="9525" marB="0" anchor="b"/>
+                </a:tc>
+                <a:tc>
+                  <a:txBody>
+                    <a:bodyPr/>
+                    <a:lstStyle/>
+                    <a:p>
+                      <a:pPr algn="l" fontAlgn="b"/>
+                      <a:r>
+                        <a:rPr lang="es-ES" sz="1200" u="none" strike="noStrike">
+                          <a:effectLst/>
+                        </a:rPr>
+                        <a:t>peersman12-run-2012-06-15-1559</a:t>
+                      </a:r>
+                      <a:endParaRPr lang="es-ES" sz="1200" b="0" i="0" u="none" strike="noStrike">
+                        <a:solidFill>
+                          <a:srgbClr val="000000"/>
+                        </a:solidFill>
+                        <a:effectLst/>
+                        <a:latin typeface="Calibri"/>
+                      </a:endParaRPr>
+                    </a:p>
+                  </a:txBody>
+                  <a:tcPr marL="9525" marR="9525" marT="9525" marB="0" anchor="b"/>
+                </a:tc>
+                <a:tc>
+                  <a:txBody>
+                    <a:bodyPr/>
+                    <a:lstStyle/>
+                    <a:p>
+                      <a:pPr algn="l" fontAlgn="b"/>
+                      <a:r>
+                        <a:rPr lang="es-ES" sz="1200" u="none" strike="noStrike" dirty="0">
+                          <a:effectLst/>
+                        </a:rPr>
+                        <a:t>0.2679</a:t>
+                      </a:r>
+                      <a:endParaRPr lang="es-ES" sz="1200" b="0" i="0" u="none" strike="noStrike" dirty="0">
+                        <a:solidFill>
+                          <a:srgbClr val="000000"/>
+                        </a:solidFill>
+                        <a:effectLst/>
+                        <a:latin typeface="Calibri"/>
+                      </a:endParaRPr>
+                    </a:p>
+                  </a:txBody>
+                  <a:tcPr marL="9525" marR="9525" marT="9525" marB="0" anchor="b"/>
+                </a:tc>
+              </a:tr>
+              <a:tr h="196822">
+                <a:tc>
+                  <a:txBody>
+                    <a:bodyPr/>
+                    <a:lstStyle/>
+                    <a:p>
+                      <a:pPr algn="ctr" fontAlgn="b"/>
+                      <a:r>
+                        <a:rPr lang="es-ES" sz="1200" u="none" strike="noStrike">
+                          <a:effectLst/>
+                        </a:rPr>
+                        <a:t>4</a:t>
+                      </a:r>
+                      <a:endParaRPr lang="es-ES" sz="1200" b="0" i="0" u="none" strike="noStrike">
+                        <a:solidFill>
+                          <a:srgbClr val="000000"/>
+                        </a:solidFill>
+                        <a:effectLst/>
+                        <a:latin typeface="Calibri"/>
+                      </a:endParaRPr>
+                    </a:p>
+                  </a:txBody>
+                  <a:tcPr marL="9525" marR="9525" marT="9525" marB="0" anchor="b"/>
+                </a:tc>
+                <a:tc>
+                  <a:txBody>
+                    <a:bodyPr/>
+                    <a:lstStyle/>
+                    <a:p>
+                      <a:pPr algn="l" fontAlgn="b"/>
+                      <a:r>
+                        <a:rPr lang="es-ES" sz="1200" u="none" strike="noStrike">
+                          <a:effectLst/>
+                        </a:rPr>
+                        <a:t>sitarz12-run-2012-0615-1515</a:t>
+                      </a:r>
+                      <a:endParaRPr lang="es-ES" sz="1200" b="0" i="0" u="none" strike="noStrike">
+                        <a:solidFill>
+                          <a:srgbClr val="000000"/>
+                        </a:solidFill>
+                        <a:effectLst/>
+                        <a:latin typeface="Calibri"/>
+                      </a:endParaRPr>
+                    </a:p>
+                  </a:txBody>
+                  <a:tcPr marL="9525" marR="9525" marT="9525" marB="0" anchor="b"/>
+                </a:tc>
+                <a:tc>
+                  <a:txBody>
+                    <a:bodyPr/>
+                    <a:lstStyle/>
+                    <a:p>
+                      <a:pPr algn="l" fontAlgn="b"/>
+                      <a:r>
+                        <a:rPr lang="es-ES" sz="1200" u="none" strike="noStrike">
+                          <a:effectLst/>
+                        </a:rPr>
+                        <a:t>0.2364</a:t>
+                      </a:r>
+                      <a:endParaRPr lang="es-ES" sz="1200" b="0" i="0" u="none" strike="noStrike">
+                        <a:solidFill>
+                          <a:srgbClr val="000000"/>
+                        </a:solidFill>
+                        <a:effectLst/>
+                        <a:latin typeface="Calibri"/>
+                      </a:endParaRPr>
+                    </a:p>
+                  </a:txBody>
+                  <a:tcPr marL="9525" marR="9525" marT="9525" marB="0" anchor="b"/>
+                </a:tc>
+              </a:tr>
+              <a:tr h="196822">
+                <a:tc>
+                  <a:txBody>
+                    <a:bodyPr/>
+                    <a:lstStyle/>
+                    <a:p>
+                      <a:pPr algn="ctr" fontAlgn="b"/>
+                      <a:r>
+                        <a:rPr lang="es-ES" sz="1200" u="none" strike="noStrike" dirty="0">
+                          <a:effectLst/>
+                        </a:rPr>
+                        <a:t>5</a:t>
+                      </a:r>
+                      <a:endParaRPr lang="es-ES" sz="1200" b="0" i="0" u="none" strike="noStrike" dirty="0">
+                        <a:solidFill>
+                          <a:srgbClr val="000000"/>
+                        </a:solidFill>
+                        <a:effectLst/>
+                        <a:latin typeface="Calibri"/>
+                      </a:endParaRPr>
+                    </a:p>
+                  </a:txBody>
+                  <a:tcPr marL="9525" marR="9525" marT="9525" marB="0" anchor="b"/>
+                </a:tc>
+                <a:tc>
+                  <a:txBody>
+                    <a:bodyPr/>
+                    <a:lstStyle/>
+                    <a:p>
+                      <a:pPr algn="l" fontAlgn="b"/>
+                      <a:r>
+                        <a:rPr lang="es-ES" sz="1200" u="none" strike="noStrike">
+                          <a:effectLst/>
+                        </a:rPr>
+                        <a:t>morris12-run-2012-06-16-0752-main</a:t>
+                      </a:r>
+                      <a:endParaRPr lang="es-ES" sz="1200" b="0" i="0" u="none" strike="noStrike">
+                        <a:solidFill>
+                          <a:srgbClr val="000000"/>
+                        </a:solidFill>
+                        <a:effectLst/>
+                        <a:latin typeface="Calibri"/>
+                      </a:endParaRPr>
+                    </a:p>
+                  </a:txBody>
+                  <a:tcPr marL="9525" marR="9525" marT="9525" marB="0" anchor="b"/>
+                </a:tc>
+                <a:tc>
+                  <a:txBody>
+                    <a:bodyPr/>
+                    <a:lstStyle/>
+                    <a:p>
+                      <a:pPr algn="l" fontAlgn="b"/>
+                      <a:r>
+                        <a:rPr lang="es-ES" sz="1200" u="none" strike="noStrike">
+                          <a:effectLst/>
+                        </a:rPr>
+                        <a:t>0.1986</a:t>
+                      </a:r>
+                      <a:endParaRPr lang="es-ES" sz="1200" b="0" i="0" u="none" strike="noStrike">
+                        <a:solidFill>
+                          <a:srgbClr val="000000"/>
+                        </a:solidFill>
+                        <a:effectLst/>
+                        <a:latin typeface="Calibri"/>
+                      </a:endParaRPr>
+                    </a:p>
+                  </a:txBody>
+                  <a:tcPr marL="9525" marR="9525" marT="9525" marB="0" anchor="b"/>
+                </a:tc>
+              </a:tr>
+              <a:tr h="196822">
+                <a:tc>
+                  <a:txBody>
+                    <a:bodyPr/>
+                    <a:lstStyle/>
+                    <a:p>
+                      <a:pPr algn="ctr" fontAlgn="b"/>
+                      <a:r>
+                        <a:rPr lang="es-ES" sz="1200" u="none" strike="noStrike" dirty="0">
+                          <a:effectLst/>
+                        </a:rPr>
+                        <a:t>6</a:t>
+                      </a:r>
+                      <a:endParaRPr lang="es-ES" sz="1200" b="0" i="0" u="none" strike="noStrike" dirty="0">
+                        <a:solidFill>
+                          <a:srgbClr val="000000"/>
+                        </a:solidFill>
+                        <a:effectLst/>
+                        <a:latin typeface="Calibri"/>
+                      </a:endParaRPr>
+                    </a:p>
+                  </a:txBody>
+                  <a:tcPr marL="9525" marR="9525" marT="9525" marB="0" anchor="b"/>
+                </a:tc>
+                <a:tc>
+                  <a:txBody>
+                    <a:bodyPr/>
+                    <a:lstStyle/>
+                    <a:p>
+                      <a:pPr algn="l" fontAlgn="b"/>
+                      <a:r>
+                        <a:rPr lang="es-ES" sz="1200" u="none" strike="noStrike">
+                          <a:effectLst/>
+                        </a:rPr>
+                        <a:t>kern12-run-2012-06-18-1827b</a:t>
+                      </a:r>
+                      <a:endParaRPr lang="es-ES" sz="1200" b="0" i="0" u="none" strike="noStrike">
+                        <a:solidFill>
+                          <a:srgbClr val="000000"/>
+                        </a:solidFill>
+                        <a:effectLst/>
+                        <a:latin typeface="Calibri"/>
+                      </a:endParaRPr>
+                    </a:p>
+                  </a:txBody>
+                  <a:tcPr marL="9525" marR="9525" marT="9525" marB="0" anchor="b"/>
+                </a:tc>
+                <a:tc>
+                  <a:txBody>
+                    <a:bodyPr/>
+                    <a:lstStyle/>
+                    <a:p>
+                      <a:pPr algn="l" fontAlgn="b"/>
+                      <a:r>
+                        <a:rPr lang="es-ES" sz="1200" u="none" strike="noStrike">
+                          <a:effectLst/>
+                        </a:rPr>
+                        <a:t>0.1838</a:t>
+                      </a:r>
+                      <a:endParaRPr lang="es-ES" sz="1200" b="0" i="0" u="none" strike="noStrike">
+                        <a:solidFill>
+                          <a:srgbClr val="000000"/>
+                        </a:solidFill>
+                        <a:effectLst/>
+                        <a:latin typeface="Calibri"/>
+                      </a:endParaRPr>
+                    </a:p>
+                  </a:txBody>
+                  <a:tcPr marL="9525" marR="9525" marT="9525" marB="0" anchor="b"/>
+                </a:tc>
+              </a:tr>
+              <a:tr h="196822">
+                <a:tc>
+                  <a:txBody>
+                    <a:bodyPr/>
+                    <a:lstStyle/>
+                    <a:p>
+                      <a:pPr algn="ctr" fontAlgn="b"/>
+                      <a:r>
+                        <a:rPr lang="es-ES" sz="1200" u="none" strike="noStrike" dirty="0">
+                          <a:effectLst/>
+                        </a:rPr>
+                        <a:t>7</a:t>
+                      </a:r>
+                      <a:endParaRPr lang="es-ES" sz="1200" b="0" i="0" u="none" strike="noStrike" dirty="0">
+                        <a:solidFill>
+                          <a:srgbClr val="000000"/>
+                        </a:solidFill>
+                        <a:effectLst/>
+                        <a:latin typeface="Calibri"/>
+                      </a:endParaRPr>
+                    </a:p>
+                  </a:txBody>
+                  <a:tcPr marL="9525" marR="9525" marT="9525" marB="0" anchor="b"/>
+                </a:tc>
+                <a:tc>
+                  <a:txBody>
+                    <a:bodyPr/>
+                    <a:lstStyle/>
+                    <a:p>
+                      <a:pPr algn="l" fontAlgn="b"/>
+                      <a:r>
+                        <a:rPr lang="es-ES" sz="1200" u="none" strike="noStrike">
+                          <a:effectLst/>
+                        </a:rPr>
+                        <a:t>eriksson12-run-2012-06-15-1949</a:t>
+                      </a:r>
+                      <a:endParaRPr lang="es-ES" sz="1200" b="0" i="0" u="none" strike="noStrike">
+                        <a:solidFill>
+                          <a:srgbClr val="000000"/>
+                        </a:solidFill>
+                        <a:effectLst/>
+                        <a:latin typeface="Calibri"/>
+                      </a:endParaRPr>
+                    </a:p>
+                  </a:txBody>
+                  <a:tcPr marL="9525" marR="9525" marT="9525" marB="0" anchor="b"/>
+                </a:tc>
+                <a:tc>
+                  <a:txBody>
+                    <a:bodyPr/>
+                    <a:lstStyle/>
+                    <a:p>
+                      <a:pPr algn="l" fontAlgn="b"/>
+                      <a:r>
+                        <a:rPr lang="es-ES" sz="1200" u="none" strike="noStrike">
+                          <a:effectLst/>
+                        </a:rPr>
+                        <a:t>0.1633</a:t>
+                      </a:r>
+                      <a:endParaRPr lang="es-ES" sz="1200" b="0" i="0" u="none" strike="noStrike">
+                        <a:solidFill>
+                          <a:srgbClr val="000000"/>
+                        </a:solidFill>
+                        <a:effectLst/>
+                        <a:latin typeface="Calibri"/>
+                      </a:endParaRPr>
+                    </a:p>
+                  </a:txBody>
+                  <a:tcPr marL="9525" marR="9525" marT="9525" marB="0" anchor="b"/>
+                </a:tc>
+              </a:tr>
+              <a:tr h="196822">
+                <a:tc>
+                  <a:txBody>
+                    <a:bodyPr/>
+                    <a:lstStyle/>
+                    <a:p>
+                      <a:pPr algn="ctr" fontAlgn="b"/>
+                      <a:r>
+                        <a:rPr lang="es-ES" sz="1200" u="none" strike="noStrike">
+                          <a:effectLst/>
+                        </a:rPr>
+                        <a:t>8</a:t>
+                      </a:r>
+                      <a:endParaRPr lang="es-ES" sz="1200" b="0" i="0" u="none" strike="noStrike">
+                        <a:solidFill>
+                          <a:srgbClr val="000000"/>
+                        </a:solidFill>
+                        <a:effectLst/>
+                        <a:latin typeface="Calibri"/>
+                      </a:endParaRPr>
+                    </a:p>
+                  </a:txBody>
+                  <a:tcPr marL="9525" marR="9525" marT="9525" marB="0" anchor="b"/>
+                </a:tc>
+                <a:tc>
+                  <a:txBody>
+                    <a:bodyPr/>
+                    <a:lstStyle/>
+                    <a:p>
+                      <a:pPr algn="l" fontAlgn="b"/>
+                      <a:r>
+                        <a:rPr lang="es-ES" sz="1200" u="none" strike="noStrike">
+                          <a:effectLst/>
+                        </a:rPr>
+                        <a:t>prasath12-run-2012-06-15-2122</a:t>
+                      </a:r>
+                      <a:endParaRPr lang="es-ES" sz="1200" b="0" i="0" u="none" strike="noStrike">
+                        <a:solidFill>
+                          <a:srgbClr val="000000"/>
+                        </a:solidFill>
+                        <a:effectLst/>
+                        <a:latin typeface="Calibri"/>
+                      </a:endParaRPr>
+                    </a:p>
+                  </a:txBody>
+                  <a:tcPr marL="9525" marR="9525" marT="9525" marB="0" anchor="b"/>
+                </a:tc>
+                <a:tc>
+                  <a:txBody>
+                    <a:bodyPr/>
+                    <a:lstStyle/>
+                    <a:p>
+                      <a:pPr algn="l" fontAlgn="b"/>
+                      <a:r>
+                        <a:rPr lang="es-ES" sz="1200" u="none" strike="noStrike">
+                          <a:effectLst/>
+                        </a:rPr>
+                        <a:t>0.0770</a:t>
+                      </a:r>
+                      <a:endParaRPr lang="es-ES" sz="1200" b="0" i="0" u="none" strike="noStrike">
+                        <a:solidFill>
+                          <a:srgbClr val="000000"/>
+                        </a:solidFill>
+                        <a:effectLst/>
+                        <a:latin typeface="Calibri"/>
+                      </a:endParaRPr>
+                    </a:p>
+                  </a:txBody>
+                  <a:tcPr marL="9525" marR="9525" marT="9525" marB="0" anchor="b"/>
+                </a:tc>
+              </a:tr>
+              <a:tr h="196822">
+                <a:tc>
+                  <a:txBody>
+                    <a:bodyPr/>
+                    <a:lstStyle/>
+                    <a:p>
+                      <a:pPr algn="ctr" fontAlgn="b"/>
+                      <a:r>
+                        <a:rPr lang="es-ES" sz="1200" u="none" strike="noStrike" dirty="0">
+                          <a:effectLst/>
+                        </a:rPr>
+                        <a:t>9</a:t>
+                      </a:r>
+                      <a:endParaRPr lang="es-ES" sz="1200" b="0" i="0" u="none" strike="noStrike" dirty="0">
+                        <a:solidFill>
+                          <a:srgbClr val="000000"/>
+                        </a:solidFill>
+                        <a:effectLst/>
+                        <a:latin typeface="Calibri"/>
+                      </a:endParaRPr>
+                    </a:p>
+                  </a:txBody>
+                  <a:tcPr marL="9525" marR="9525" marT="9525" marB="0" anchor="b"/>
+                </a:tc>
+                <a:tc>
+                  <a:txBody>
+                    <a:bodyPr/>
+                    <a:lstStyle/>
+                    <a:p>
+                      <a:pPr algn="l" fontAlgn="b"/>
+                      <a:r>
+                        <a:rPr lang="es-ES" sz="1200" u="none" strike="noStrike">
+                          <a:effectLst/>
+                        </a:rPr>
+                        <a:t>parapar12-run-2012-06-15-0959j</a:t>
+                      </a:r>
+                      <a:endParaRPr lang="es-ES" sz="1200" b="0" i="0" u="none" strike="noStrike">
+                        <a:solidFill>
+                          <a:srgbClr val="000000"/>
+                        </a:solidFill>
+                        <a:effectLst/>
+                        <a:latin typeface="Calibri"/>
+                      </a:endParaRPr>
+                    </a:p>
+                  </a:txBody>
+                  <a:tcPr marL="9525" marR="9525" marT="9525" marB="0" anchor="b"/>
+                </a:tc>
+                <a:tc>
+                  <a:txBody>
+                    <a:bodyPr/>
+                    <a:lstStyle/>
+                    <a:p>
+                      <a:pPr algn="l" fontAlgn="b"/>
+                      <a:r>
+                        <a:rPr lang="es-ES" sz="1200" u="none" strike="noStrike">
+                          <a:effectLst/>
+                        </a:rPr>
+                        <a:t>0.0174</a:t>
+                      </a:r>
+                      <a:endParaRPr lang="es-ES" sz="1200" b="0" i="0" u="none" strike="noStrike">
+                        <a:solidFill>
+                          <a:srgbClr val="000000"/>
+                        </a:solidFill>
+                        <a:effectLst/>
+                        <a:latin typeface="Calibri"/>
+                      </a:endParaRPr>
+                    </a:p>
+                  </a:txBody>
+                  <a:tcPr marL="9525" marR="9525" marT="9525" marB="0" anchor="b"/>
+                </a:tc>
+              </a:tr>
+              <a:tr h="196822">
+                <a:tc>
+                  <a:txBody>
+                    <a:bodyPr/>
+                    <a:lstStyle/>
+                    <a:p>
+                      <a:pPr algn="ctr" fontAlgn="b"/>
+                      <a:r>
+                        <a:rPr lang="es-ES" sz="1200" u="none" strike="noStrike" dirty="0">
+                          <a:effectLst/>
+                        </a:rPr>
+                        <a:t>10</a:t>
+                      </a:r>
+                      <a:endParaRPr lang="es-ES" sz="1200" b="0" i="0" u="none" strike="noStrike" dirty="0">
+                        <a:solidFill>
+                          <a:srgbClr val="000000"/>
+                        </a:solidFill>
+                        <a:effectLst/>
+                        <a:latin typeface="Calibri"/>
+                      </a:endParaRPr>
+                    </a:p>
+                  </a:txBody>
+                  <a:tcPr marL="9525" marR="9525" marT="9525" marB="0" anchor="b"/>
+                </a:tc>
+                <a:tc>
+                  <a:txBody>
+                    <a:bodyPr/>
+                    <a:lstStyle/>
+                    <a:p>
+                      <a:pPr algn="l" fontAlgn="b"/>
+                      <a:r>
+                        <a:rPr lang="es-ES" sz="1200" u="none" strike="noStrike" dirty="0" smtClean="0">
+                          <a:effectLst/>
+                        </a:rPr>
+                        <a:t>vartapetiance12-run-2012-06-15-14</a:t>
+                      </a:r>
+                      <a:endParaRPr lang="es-ES" sz="1200" b="0" i="0" u="none" strike="noStrike" dirty="0">
+                        <a:solidFill>
+                          <a:srgbClr val="000000"/>
+                        </a:solidFill>
+                        <a:effectLst/>
+                        <a:latin typeface="Calibri"/>
+                      </a:endParaRPr>
+                    </a:p>
+                  </a:txBody>
+                  <a:tcPr marL="9525" marR="9525" marT="9525" marB="0" anchor="b"/>
+                </a:tc>
+                <a:tc>
+                  <a:txBody>
+                    <a:bodyPr/>
+                    <a:lstStyle/>
+                    <a:p>
+                      <a:pPr algn="l" fontAlgn="b"/>
+                      <a:r>
+                        <a:rPr lang="es-ES" sz="1200" u="none" strike="noStrike">
+                          <a:effectLst/>
+                        </a:rPr>
+                        <a:t>0.0154</a:t>
+                      </a:r>
+                      <a:endParaRPr lang="es-ES" sz="1200" b="0" i="0" u="none" strike="noStrike">
+                        <a:solidFill>
+                          <a:srgbClr val="000000"/>
+                        </a:solidFill>
+                        <a:effectLst/>
+                        <a:latin typeface="Calibri"/>
+                      </a:endParaRPr>
+                    </a:p>
+                  </a:txBody>
+                  <a:tcPr marL="9525" marR="9525" marT="9525" marB="0" anchor="b"/>
+                </a:tc>
+              </a:tr>
+              <a:tr h="196822">
+                <a:tc>
+                  <a:txBody>
+                    <a:bodyPr/>
+                    <a:lstStyle/>
+                    <a:p>
+                      <a:pPr algn="ctr" fontAlgn="b"/>
+                      <a:r>
+                        <a:rPr lang="es-ES" sz="1200" u="none" strike="noStrike" dirty="0">
+                          <a:effectLst/>
+                        </a:rPr>
+                        <a:t>11</a:t>
+                      </a:r>
+                      <a:endParaRPr lang="es-ES" sz="1200" b="0" i="0" u="none" strike="noStrike" dirty="0">
+                        <a:solidFill>
+                          <a:srgbClr val="000000"/>
+                        </a:solidFill>
+                        <a:effectLst/>
+                        <a:latin typeface="Calibri"/>
+                      </a:endParaRPr>
+                    </a:p>
+                  </a:txBody>
+                  <a:tcPr marL="9525" marR="9525" marT="9525" marB="0" anchor="b"/>
+                </a:tc>
+                <a:tc>
+                  <a:txBody>
+                    <a:bodyPr/>
+                    <a:lstStyle/>
+                    <a:p>
+                      <a:pPr algn="l" fontAlgn="b"/>
+                      <a:r>
+                        <a:rPr lang="es-ES" sz="1200" u="none" strike="noStrike">
+                          <a:effectLst/>
+                        </a:rPr>
+                        <a:t>vilarino12-run-2012-06-14-2121b</a:t>
+                      </a:r>
+                      <a:endParaRPr lang="es-ES" sz="1200" b="0" i="0" u="none" strike="noStrike">
+                        <a:solidFill>
+                          <a:srgbClr val="000000"/>
+                        </a:solidFill>
+                        <a:effectLst/>
+                        <a:latin typeface="Calibri"/>
+                      </a:endParaRPr>
+                    </a:p>
+                  </a:txBody>
+                  <a:tcPr marL="9525" marR="9525" marT="9525" marB="0" anchor="b"/>
+                </a:tc>
+                <a:tc>
+                  <a:txBody>
+                    <a:bodyPr/>
+                    <a:lstStyle/>
+                    <a:p>
+                      <a:pPr algn="l" fontAlgn="b"/>
+                      <a:r>
+                        <a:rPr lang="es-ES" sz="1200" u="none" strike="noStrike">
+                          <a:effectLst/>
+                        </a:rPr>
+                        <a:t>0.0074</a:t>
+                      </a:r>
+                      <a:endParaRPr lang="es-ES" sz="1200" b="0" i="0" u="none" strike="noStrike">
+                        <a:solidFill>
+                          <a:srgbClr val="000000"/>
+                        </a:solidFill>
+                        <a:effectLst/>
+                        <a:latin typeface="Calibri"/>
+                      </a:endParaRPr>
+                    </a:p>
+                  </a:txBody>
+                  <a:tcPr marL="9525" marR="9525" marT="9525" marB="0" anchor="b"/>
+                </a:tc>
+              </a:tr>
+              <a:tr h="196822">
+                <a:tc>
+                  <a:txBody>
+                    <a:bodyPr/>
+                    <a:lstStyle/>
+                    <a:p>
+                      <a:pPr algn="ctr" fontAlgn="b"/>
+                      <a:r>
+                        <a:rPr lang="es-ES" sz="1200" u="none" strike="noStrike" dirty="0">
+                          <a:effectLst/>
+                        </a:rPr>
+                        <a:t>12</a:t>
+                      </a:r>
+                      <a:endParaRPr lang="es-ES" sz="1200" b="0" i="0" u="none" strike="noStrike" dirty="0">
+                        <a:solidFill>
+                          <a:srgbClr val="000000"/>
+                        </a:solidFill>
+                        <a:effectLst/>
+                        <a:latin typeface="Calibri"/>
+                      </a:endParaRPr>
+                    </a:p>
+                  </a:txBody>
+                  <a:tcPr marL="9525" marR="9525" marT="9525" marB="0" anchor="b"/>
+                </a:tc>
+                <a:tc>
+                  <a:txBody>
+                    <a:bodyPr/>
+                    <a:lstStyle/>
+                    <a:p>
+                      <a:pPr algn="l" fontAlgn="b"/>
+                      <a:r>
+                        <a:rPr lang="es-ES" sz="1200" u="none" strike="noStrike">
+                          <a:effectLst/>
+                        </a:rPr>
+                        <a:t>bogdanova12-run-2012-06-14-1117</a:t>
+                      </a:r>
+                      <a:endParaRPr lang="es-ES" sz="1200" b="0" i="0" u="none" strike="noStrike">
+                        <a:solidFill>
+                          <a:srgbClr val="000000"/>
+                        </a:solidFill>
+                        <a:effectLst/>
+                        <a:latin typeface="Calibri"/>
+                      </a:endParaRPr>
+                    </a:p>
+                  </a:txBody>
+                  <a:tcPr marL="9525" marR="9525" marT="9525" marB="0" anchor="b"/>
+                </a:tc>
+                <a:tc>
+                  <a:txBody>
+                    <a:bodyPr/>
+                    <a:lstStyle/>
+                    <a:p>
+                      <a:pPr algn="l" fontAlgn="b"/>
+                      <a:r>
+                        <a:rPr lang="es-ES" sz="1200" u="none" strike="noStrike">
+                          <a:effectLst/>
+                        </a:rPr>
+                        <a:t>0.0007</a:t>
+                      </a:r>
+                      <a:endParaRPr lang="es-ES" sz="1200" b="0" i="0" u="none" strike="noStrike">
+                        <a:solidFill>
+                          <a:srgbClr val="000000"/>
+                        </a:solidFill>
+                        <a:effectLst/>
+                        <a:latin typeface="Calibri"/>
+                      </a:endParaRPr>
+                    </a:p>
+                  </a:txBody>
+                  <a:tcPr marL="9525" marR="9525" marT="9525" marB="0" anchor="b"/>
+                </a:tc>
+              </a:tr>
+              <a:tr h="196822">
+                <a:tc>
+                  <a:txBody>
+                    <a:bodyPr/>
+                    <a:lstStyle/>
+                    <a:p>
+                      <a:pPr algn="ctr" fontAlgn="b"/>
+                      <a:r>
+                        <a:rPr lang="es-ES" sz="1200" u="none" strike="noStrike" dirty="0">
+                          <a:effectLst/>
+                        </a:rPr>
+                        <a:t>13</a:t>
+                      </a:r>
+                      <a:endParaRPr lang="es-ES" sz="1200" b="0" i="0" u="none" strike="noStrike" dirty="0">
+                        <a:solidFill>
+                          <a:srgbClr val="000000"/>
+                        </a:solidFill>
+                        <a:effectLst/>
+                        <a:latin typeface="Calibri"/>
+                      </a:endParaRPr>
+                    </a:p>
+                  </a:txBody>
+                  <a:tcPr marL="9525" marR="9525" marT="9525" marB="0" anchor="b"/>
+                </a:tc>
+                <a:tc>
+                  <a:txBody>
+                    <a:bodyPr/>
+                    <a:lstStyle/>
+                    <a:p>
+                      <a:pPr algn="l" fontAlgn="b"/>
+                      <a:r>
+                        <a:rPr lang="es-ES" sz="1200" u="none" strike="noStrike">
+                          <a:effectLst/>
+                        </a:rPr>
+                        <a:t>villatorotello-run-2012-06-15-2157g</a:t>
+                      </a:r>
+                      <a:endParaRPr lang="es-ES" sz="1200" b="0" i="0" u="none" strike="noStrike">
+                        <a:solidFill>
+                          <a:srgbClr val="000000"/>
+                        </a:solidFill>
+                        <a:effectLst/>
+                        <a:latin typeface="Calibri"/>
+                      </a:endParaRPr>
+                    </a:p>
+                  </a:txBody>
+                  <a:tcPr marL="9525" marR="9525" marT="9525" marB="0" anchor="b"/>
+                </a:tc>
+                <a:tc>
+                  <a:txBody>
+                    <a:bodyPr/>
+                    <a:lstStyle/>
+                    <a:p>
+                      <a:pPr algn="l" fontAlgn="b"/>
+                      <a:r>
+                        <a:rPr lang="es-ES" sz="1200" u="none" strike="noStrike">
+                          <a:effectLst/>
+                        </a:rPr>
+                        <a:t>0.0002</a:t>
+                      </a:r>
+                      <a:endParaRPr lang="es-ES" sz="1200" b="0" i="0" u="none" strike="noStrike">
+                        <a:solidFill>
+                          <a:srgbClr val="000000"/>
+                        </a:solidFill>
+                        <a:effectLst/>
+                        <a:latin typeface="Calibri"/>
+                      </a:endParaRPr>
+                    </a:p>
+                  </a:txBody>
+                  <a:tcPr marL="9525" marR="9525" marT="9525" marB="0" anchor="b"/>
+                </a:tc>
+              </a:tr>
+              <a:tr h="196822">
+                <a:tc>
+                  <a:txBody>
+                    <a:bodyPr/>
+                    <a:lstStyle/>
+                    <a:p>
+                      <a:pPr algn="ctr" fontAlgn="b"/>
+                      <a:r>
+                        <a:rPr lang="es-ES" sz="1200" u="none" strike="noStrike" dirty="0">
+                          <a:effectLst/>
+                        </a:rPr>
+                        <a:t>14</a:t>
+                      </a:r>
+                      <a:endParaRPr lang="es-ES" sz="1200" b="0" i="0" u="none" strike="noStrike" dirty="0">
+                        <a:solidFill>
+                          <a:srgbClr val="000000"/>
+                        </a:solidFill>
+                        <a:effectLst/>
+                        <a:latin typeface="Calibri"/>
+                      </a:endParaRPr>
+                    </a:p>
+                  </a:txBody>
+                  <a:tcPr marL="9525" marR="9525" marT="9525" marB="0" anchor="b"/>
+                </a:tc>
+                <a:tc>
+                  <a:txBody>
+                    <a:bodyPr/>
+                    <a:lstStyle/>
+                    <a:p>
+                      <a:pPr algn="l" fontAlgn="b"/>
+                      <a:r>
+                        <a:rPr lang="es-ES" sz="1200" u="none" strike="noStrike">
+                          <a:effectLst/>
+                        </a:rPr>
+                        <a:t>gomezhidalgo12-2012-06-15-1900</a:t>
+                      </a:r>
+                      <a:endParaRPr lang="es-ES" sz="1200" b="0" i="0" u="none" strike="noStrike">
+                        <a:solidFill>
+                          <a:srgbClr val="000000"/>
+                        </a:solidFill>
+                        <a:effectLst/>
+                        <a:latin typeface="Calibri"/>
+                      </a:endParaRPr>
+                    </a:p>
+                  </a:txBody>
+                  <a:tcPr marL="9525" marR="9525" marT="9525" marB="0" anchor="b"/>
+                </a:tc>
+                <a:tc>
+                  <a:txBody>
+                    <a:bodyPr/>
+                    <a:lstStyle/>
+                    <a:p>
+                      <a:pPr algn="l" fontAlgn="b"/>
+                      <a:r>
+                        <a:rPr lang="es-ES" sz="1200" u="none" strike="noStrike" dirty="0">
+                          <a:effectLst/>
+                        </a:rPr>
+                        <a:t>0.0000</a:t>
+                      </a:r>
+                      <a:endParaRPr lang="es-ES" sz="1200" b="0" i="0" u="none" strike="noStrike" dirty="0">
+                        <a:solidFill>
+                          <a:srgbClr val="000000"/>
+                        </a:solidFill>
+                        <a:effectLst/>
+                        <a:latin typeface="Calibri"/>
+                      </a:endParaRPr>
+                    </a:p>
+                  </a:txBody>
+                  <a:tcPr marL="9525" marR="9525" marT="9525" marB="0" anchor="b"/>
+                </a:tc>
+              </a:tr>
+            </a:tbl>
+          </a:graphicData>
+        </a:graphic>
+      </p:graphicFrame>
       <p:sp>
         <p:nvSpPr>
-          <p:cNvPr id="2" name="1 Título"/>
-          <p:cNvSpPr>
-            <a:spLocks noGrp="1"/>
-          </p:cNvSpPr>
-          <p:nvPr>
-            <p:ph type="title"/>
-          </p:nvPr>
+          <p:cNvPr id="6" name="5 Rectángulo redondeado"/>
+          <p:cNvSpPr/>
+          <p:nvPr/>
         </p:nvSpPr>
-        <p:spPr/>
+        <p:spPr>
+          <a:xfrm>
+            <a:off x="5292080" y="3861048"/>
+            <a:ext cx="3024336" cy="2520280"/>
+          </a:xfrm>
+          <a:prstGeom prst="roundRect">
+            <a:avLst/>
+          </a:prstGeom>
+        </p:spPr>
+        <p:style>
+          <a:lnRef idx="2">
+            <a:schemeClr val="accent1">
+              <a:shade val="50000"/>
+            </a:schemeClr>
+          </a:lnRef>
+          <a:fillRef idx="1">
+            <a:schemeClr val="accent1"/>
+          </a:fillRef>
+          <a:effectRef idx="0">
+            <a:schemeClr val="accent1"/>
+          </a:effectRef>
+          <a:fontRef idx="minor">
+            <a:schemeClr val="lt1"/>
+          </a:fontRef>
+        </p:style>
         <p:txBody>
-          <a:bodyPr/>
+          <a:bodyPr rtlCol="0" anchor="ctr"/>
           <a:lstStyle/>
           <a:p>
+            <a:pPr algn="ctr"/>
             <a:r>
-              <a:rPr lang="es-AR" dirty="0" smtClean="0"/>
-              <a:t>Conclusión</a:t>
+              <a:rPr lang="es-AR" b="1" dirty="0" smtClean="0"/>
+              <a:t>Observando el listado de los resultados de los 14 participantes  del concurso, nuestro modelo  se ubica en el 2do lugar.</a:t>
             </a:r>
-            <a:endParaRPr lang="es-ES" dirty="0"/>
+            <a:endParaRPr lang="es-ES" b="1" dirty="0"/>
           </a:p>
         </p:txBody>
       </p:sp>
       <p:sp>
         <p:nvSpPr>
-          <p:cNvPr id="3" name="2 Marcador de contenido"/>
-          <p:cNvSpPr>
-            <a:spLocks noGrp="1"/>
-          </p:cNvSpPr>
-          <p:nvPr>
-            <p:ph idx="1"/>
-          </p:nvPr>
+          <p:cNvPr id="7" name="6 CuadroTexto"/>
+          <p:cNvSpPr txBox="1"/>
+          <p:nvPr/>
         </p:nvSpPr>
-        <p:spPr/>
+        <p:spPr>
+          <a:xfrm>
+            <a:off x="2843808" y="1754011"/>
+            <a:ext cx="2232248" cy="1477328"/>
+          </a:xfrm>
+          <a:prstGeom prst="rect">
+            <a:avLst/>
+          </a:prstGeom>
+          <a:noFill/>
+        </p:spPr>
         <p:txBody>
-          <a:bodyPr/>
+          <a:bodyPr wrap="square" rtlCol="0">
+            <a:spAutoFit/>
+          </a:bodyPr>
           <a:lstStyle/>
           <a:p>
-            <a:endParaRPr lang="es-ES"/>
+            <a:r>
+              <a:rPr lang="es-AR" b="1" dirty="0" smtClean="0"/>
+              <a:t>Matriz de Confusión:</a:t>
+            </a:r>
+          </a:p>
+          <a:p>
+            <a:r>
+              <a:rPr lang="es-AR" dirty="0" smtClean="0"/>
+              <a:t>x</a:t>
+            </a:r>
+          </a:p>
+          <a:p>
+            <a:r>
+              <a:rPr lang="es-AR" dirty="0" smtClean="0"/>
+              <a:t>x</a:t>
+            </a:r>
+          </a:p>
+          <a:p>
+            <a:r>
+              <a:rPr lang="es-AR" dirty="0" smtClean="0"/>
+              <a:t>x</a:t>
+            </a:r>
+            <a:endParaRPr lang="es-AR" dirty="0"/>
+          </a:p>
+          <a:p>
+            <a:r>
+              <a:rPr lang="es-AR" dirty="0" smtClean="0"/>
+              <a:t>x</a:t>
+            </a:r>
+            <a:endParaRPr lang="es-ES" dirty="0"/>
           </a:p>
         </p:txBody>
       </p:sp>
@@ -7893,6 +13265,13 @@
   <p:clrMapOvr>
     <a:masterClrMapping/>
   </p:clrMapOvr>
+  <p:timing>
+    <p:tnLst>
+      <p:par>
+        <p:cTn id="1" dur="indefinite" restart="never" nodeType="tmRoot"/>
+      </p:par>
+    </p:tnLst>
+  </p:timing>
 </p:sld>
 </file>
 
